--- a/언어데이터 PPT.pptx
+++ b/언어데이터 PPT.pptx
@@ -1,9 +1,12 @@
 
 <file path=ppt/presentation.xml><?xml version="1.0" encoding="utf-8"?>
-<p:presentation xmlns:r="http://schemas.openxmlformats.org/officeDocument/2006/relationships" xmlns:c="http://schemas.openxmlformats.org/drawingml/2006/chart" xmlns:a="http://schemas.openxmlformats.org/drawingml/2006/main" xmlns:dgm="http://schemas.openxmlformats.org/drawingml/2006/diagram" xmlns:dsp="http://schemas.microsoft.com/office/drawing/2008/diagram" xmlns:p="http://schemas.openxmlformats.org/presentationml/2006/main" saveSubsetFonts="1">
+<p:presentation xmlns:a="http://schemas.openxmlformats.org/drawingml/2006/main" xmlns:r="http://schemas.openxmlformats.org/officeDocument/2006/relationships" xmlns:p="http://schemas.openxmlformats.org/presentationml/2006/main" saveSubsetFonts="1">
   <p:sldMasterIdLst>
     <p:sldMasterId id="2147483673" r:id="rId1"/>
   </p:sldMasterIdLst>
+  <p:notesMasterIdLst>
+    <p:notesMasterId r:id="rId16"/>
+  </p:notesMasterIdLst>
   <p:sldIdLst>
     <p:sldId id="256" r:id="rId2"/>
     <p:sldId id="257" r:id="rId3"/>
@@ -11,11 +14,14 @@
     <p:sldId id="259" r:id="rId5"/>
     <p:sldId id="260" r:id="rId6"/>
     <p:sldId id="261" r:id="rId7"/>
-    <p:sldId id="262" r:id="rId8"/>
-    <p:sldId id="263" r:id="rId9"/>
-    <p:sldId id="264" r:id="rId10"/>
-    <p:sldId id="265" r:id="rId11"/>
-    <p:sldId id="266" r:id="rId12"/>
+    <p:sldId id="263" r:id="rId8"/>
+    <p:sldId id="264" r:id="rId9"/>
+    <p:sldId id="265" r:id="rId10"/>
+    <p:sldId id="267" r:id="rId11"/>
+    <p:sldId id="268" r:id="rId12"/>
+    <p:sldId id="269" r:id="rId13"/>
+    <p:sldId id="262" r:id="rId14"/>
+    <p:sldId id="266" r:id="rId15"/>
   </p:sldIdLst>
   <p:sldSz cx="12192000" cy="6858000"/>
   <p:notesSz cx="6858000" cy="9144000"/>
@@ -114,7 +120,373 @@
       </a:defRPr>
     </a:lvl9pPr>
   </p:defaultTextStyle>
+  <p:extLst>
+    <p:ext uri="{EFAFB233-063F-42B5-8137-9DF3F51BA10A}">
+      <p15:sldGuideLst xmlns:p15="http://schemas.microsoft.com/office/powerpoint/2012/main">
+        <p15:guide id="1" orient="horz" pos="2159">
+          <p15:clr>
+            <a:srgbClr val="A4A3A4"/>
+          </p15:clr>
+        </p15:guide>
+        <p15:guide id="2" pos="3839">
+          <p15:clr>
+            <a:srgbClr val="A4A3A4"/>
+          </p15:clr>
+        </p15:guide>
+      </p15:sldGuideLst>
+    </p:ext>
+  </p:extLst>
 </p:presentation>
+</file>
+
+<file path=ppt/notesMasters/notesMaster1.xml><?xml version="1.0" encoding="utf-8"?>
+<p:notesMaster xmlns:a="http://schemas.openxmlformats.org/drawingml/2006/main" xmlns:r="http://schemas.openxmlformats.org/officeDocument/2006/relationships" xmlns:p="http://schemas.openxmlformats.org/presentationml/2006/main">
+  <p:cSld>
+    <p:bg>
+      <p:bgRef idx="1001">
+        <a:schemeClr val="bg1"/>
+      </p:bgRef>
+    </p:bg>
+    <p:spTree>
+      <p:nvGrpSpPr>
+        <p:cNvPr id="1" name=""/>
+        <p:cNvGrpSpPr/>
+        <p:nvPr/>
+      </p:nvGrpSpPr>
+      <p:grpSpPr>
+        <a:xfrm>
+          <a:off x="0" y="0"/>
+          <a:ext cx="0" cy="0"/>
+          <a:chOff x="0" y="0"/>
+          <a:chExt cx="0" cy="0"/>
+        </a:xfrm>
+      </p:grpSpPr>
+      <p:sp>
+        <p:nvSpPr>
+          <p:cNvPr id="2" name="머리글 개체 틀 1"/>
+          <p:cNvSpPr>
+            <a:spLocks noGrp="1"/>
+          </p:cNvSpPr>
+          <p:nvPr>
+            <p:ph type="hdr" sz="quarter"/>
+          </p:nvPr>
+        </p:nvSpPr>
+        <p:spPr>
+          <a:xfrm>
+            <a:off x="0" y="0"/>
+            <a:ext cx="2971800" cy="458788"/>
+          </a:xfrm>
+          <a:prstGeom prst="rect">
+            <a:avLst/>
+          </a:prstGeom>
+        </p:spPr>
+        <p:txBody>
+          <a:bodyPr vert="horz" lIns="91440" tIns="45720" rIns="91440" bIns="45720" rtlCol="0"/>
+          <a:lstStyle>
+            <a:lvl1pPr algn="l">
+              <a:defRPr sz="1200"/>
+            </a:lvl1pPr>
+          </a:lstStyle>
+          <a:p>
+            <a:endParaRPr lang="ko-KR" altLang="en-US"/>
+          </a:p>
+        </p:txBody>
+      </p:sp>
+      <p:sp>
+        <p:nvSpPr>
+          <p:cNvPr id="3" name="날짜 개체 틀 2"/>
+          <p:cNvSpPr>
+            <a:spLocks noGrp="1"/>
+          </p:cNvSpPr>
+          <p:nvPr>
+            <p:ph type="dt" idx="1"/>
+          </p:nvPr>
+        </p:nvSpPr>
+        <p:spPr>
+          <a:xfrm>
+            <a:off x="3884613" y="0"/>
+            <a:ext cx="2971800" cy="458788"/>
+          </a:xfrm>
+          <a:prstGeom prst="rect">
+            <a:avLst/>
+          </a:prstGeom>
+        </p:spPr>
+        <p:txBody>
+          <a:bodyPr vert="horz" lIns="91440" tIns="45720" rIns="91440" bIns="45720" rtlCol="0"/>
+          <a:lstStyle>
+            <a:lvl1pPr algn="r">
+              <a:defRPr sz="1200"/>
+            </a:lvl1pPr>
+          </a:lstStyle>
+          <a:p>
+            <a:fld id="{1F138667-D340-4536-80CF-FC9711936DDD}" type="datetimeFigureOut">
+              <a:rPr lang="ko-KR" altLang="en-US" smtClean="0"/>
+              <a:t>2017-06-13</a:t>
+            </a:fld>
+            <a:endParaRPr lang="ko-KR" altLang="en-US"/>
+          </a:p>
+        </p:txBody>
+      </p:sp>
+      <p:sp>
+        <p:nvSpPr>
+          <p:cNvPr id="4" name="슬라이드 이미지 개체 틀 3"/>
+          <p:cNvSpPr>
+            <a:spLocks noGrp="1" noRot="1" noChangeAspect="1"/>
+          </p:cNvSpPr>
+          <p:nvPr>
+            <p:ph type="sldImg" idx="2"/>
+          </p:nvPr>
+        </p:nvSpPr>
+        <p:spPr>
+          <a:xfrm>
+            <a:off x="685800" y="1143000"/>
+            <a:ext cx="5486400" cy="3086100"/>
+          </a:xfrm>
+          <a:prstGeom prst="rect">
+            <a:avLst/>
+          </a:prstGeom>
+          <a:noFill/>
+          <a:ln w="12700">
+            <a:solidFill>
+              <a:prstClr val="black"/>
+            </a:solidFill>
+          </a:ln>
+        </p:spPr>
+        <p:txBody>
+          <a:bodyPr vert="horz" lIns="91440" tIns="45720" rIns="91440" bIns="45720" rtlCol="0" anchor="ctr"/>
+          <a:lstStyle/>
+          <a:p>
+            <a:endParaRPr lang="ko-KR" altLang="en-US"/>
+          </a:p>
+        </p:txBody>
+      </p:sp>
+      <p:sp>
+        <p:nvSpPr>
+          <p:cNvPr id="5" name="슬라이드 노트 개체 틀 4"/>
+          <p:cNvSpPr>
+            <a:spLocks noGrp="1"/>
+          </p:cNvSpPr>
+          <p:nvPr>
+            <p:ph type="body" sz="quarter" idx="3"/>
+          </p:nvPr>
+        </p:nvSpPr>
+        <p:spPr>
+          <a:xfrm>
+            <a:off x="685800" y="4400550"/>
+            <a:ext cx="5486400" cy="3600450"/>
+          </a:xfrm>
+          <a:prstGeom prst="rect">
+            <a:avLst/>
+          </a:prstGeom>
+        </p:spPr>
+        <p:txBody>
+          <a:bodyPr vert="horz" lIns="91440" tIns="45720" rIns="91440" bIns="45720" rtlCol="0"/>
+          <a:lstStyle/>
+          <a:p>
+            <a:pPr lvl="0"/>
+            <a:r>
+              <a:rPr lang="ko-KR" altLang="en-US"/>
+              <a:t>마스터 텍스트 스타일 편집</a:t>
+            </a:r>
+          </a:p>
+          <a:p>
+            <a:pPr lvl="1"/>
+            <a:r>
+              <a:rPr lang="ko-KR" altLang="en-US"/>
+              <a:t>둘째 수준</a:t>
+            </a:r>
+          </a:p>
+          <a:p>
+            <a:pPr lvl="2"/>
+            <a:r>
+              <a:rPr lang="ko-KR" altLang="en-US"/>
+              <a:t>셋째 수준</a:t>
+            </a:r>
+          </a:p>
+          <a:p>
+            <a:pPr lvl="3"/>
+            <a:r>
+              <a:rPr lang="ko-KR" altLang="en-US"/>
+              <a:t>넷째 수준</a:t>
+            </a:r>
+          </a:p>
+          <a:p>
+            <a:pPr lvl="4"/>
+            <a:r>
+              <a:rPr lang="ko-KR" altLang="en-US"/>
+              <a:t>다섯째 수준</a:t>
+            </a:r>
+            <a:endParaRPr lang="ko-KR" altLang="en-US"/>
+          </a:p>
+        </p:txBody>
+      </p:sp>
+      <p:sp>
+        <p:nvSpPr>
+          <p:cNvPr id="6" name="바닥글 개체 틀 5"/>
+          <p:cNvSpPr>
+            <a:spLocks noGrp="1"/>
+          </p:cNvSpPr>
+          <p:nvPr>
+            <p:ph type="ftr" sz="quarter" idx="4"/>
+          </p:nvPr>
+        </p:nvSpPr>
+        <p:spPr>
+          <a:xfrm>
+            <a:off x="0" y="8685213"/>
+            <a:ext cx="2971800" cy="458787"/>
+          </a:xfrm>
+          <a:prstGeom prst="rect">
+            <a:avLst/>
+          </a:prstGeom>
+        </p:spPr>
+        <p:txBody>
+          <a:bodyPr vert="horz" lIns="91440" tIns="45720" rIns="91440" bIns="45720" rtlCol="0" anchor="b"/>
+          <a:lstStyle>
+            <a:lvl1pPr algn="l">
+              <a:defRPr sz="1200"/>
+            </a:lvl1pPr>
+          </a:lstStyle>
+          <a:p>
+            <a:endParaRPr lang="ko-KR" altLang="en-US"/>
+          </a:p>
+        </p:txBody>
+      </p:sp>
+      <p:sp>
+        <p:nvSpPr>
+          <p:cNvPr id="7" name="슬라이드 번호 개체 틀 6"/>
+          <p:cNvSpPr>
+            <a:spLocks noGrp="1"/>
+          </p:cNvSpPr>
+          <p:nvPr>
+            <p:ph type="sldNum" sz="quarter" idx="5"/>
+          </p:nvPr>
+        </p:nvSpPr>
+        <p:spPr>
+          <a:xfrm>
+            <a:off x="3884613" y="8685213"/>
+            <a:ext cx="2971800" cy="458787"/>
+          </a:xfrm>
+          <a:prstGeom prst="rect">
+            <a:avLst/>
+          </a:prstGeom>
+        </p:spPr>
+        <p:txBody>
+          <a:bodyPr vert="horz" lIns="91440" tIns="45720" rIns="91440" bIns="45720" rtlCol="0" anchor="b"/>
+          <a:lstStyle>
+            <a:lvl1pPr algn="r">
+              <a:defRPr sz="1200"/>
+            </a:lvl1pPr>
+          </a:lstStyle>
+          <a:p>
+            <a:fld id="{9D0E57AD-370B-4EA9-B5BA-0A5AD01EC429}" type="slidenum">
+              <a:rPr lang="ko-KR" altLang="en-US" smtClean="0"/>
+              <a:t>‹#›</a:t>
+            </a:fld>
+            <a:endParaRPr lang="ko-KR" altLang="en-US"/>
+          </a:p>
+        </p:txBody>
+      </p:sp>
+    </p:spTree>
+    <p:extLst>
+      <p:ext uri="{BB962C8B-B14F-4D97-AF65-F5344CB8AC3E}">
+        <p14:creationId xmlns:p14="http://schemas.microsoft.com/office/powerpoint/2010/main" val="2082626733"/>
+      </p:ext>
+    </p:extLst>
+  </p:cSld>
+  <p:clrMap bg1="lt1" tx1="dk1" bg2="lt2" tx2="dk2" accent1="accent1" accent2="accent2" accent3="accent3" accent4="accent4" accent5="accent5" accent6="accent6" hlink="hlink" folHlink="folHlink"/>
+  <p:notesStyle>
+    <a:lvl1pPr marL="0" algn="l" defTabSz="914400" rtl="0" eaLnBrk="1" latinLnBrk="1" hangingPunct="1">
+      <a:defRPr sz="1200" kern="1200">
+        <a:solidFill>
+          <a:schemeClr val="tx1"/>
+        </a:solidFill>
+        <a:latin typeface="+mn-lt"/>
+        <a:ea typeface="+mn-ea"/>
+        <a:cs typeface="+mn-cs"/>
+      </a:defRPr>
+    </a:lvl1pPr>
+    <a:lvl2pPr marL="457200" algn="l" defTabSz="914400" rtl="0" eaLnBrk="1" latinLnBrk="1" hangingPunct="1">
+      <a:defRPr sz="1200" kern="1200">
+        <a:solidFill>
+          <a:schemeClr val="tx1"/>
+        </a:solidFill>
+        <a:latin typeface="+mn-lt"/>
+        <a:ea typeface="+mn-ea"/>
+        <a:cs typeface="+mn-cs"/>
+      </a:defRPr>
+    </a:lvl2pPr>
+    <a:lvl3pPr marL="914400" algn="l" defTabSz="914400" rtl="0" eaLnBrk="1" latinLnBrk="1" hangingPunct="1">
+      <a:defRPr sz="1200" kern="1200">
+        <a:solidFill>
+          <a:schemeClr val="tx1"/>
+        </a:solidFill>
+        <a:latin typeface="+mn-lt"/>
+        <a:ea typeface="+mn-ea"/>
+        <a:cs typeface="+mn-cs"/>
+      </a:defRPr>
+    </a:lvl3pPr>
+    <a:lvl4pPr marL="1371600" algn="l" defTabSz="914400" rtl="0" eaLnBrk="1" latinLnBrk="1" hangingPunct="1">
+      <a:defRPr sz="1200" kern="1200">
+        <a:solidFill>
+          <a:schemeClr val="tx1"/>
+        </a:solidFill>
+        <a:latin typeface="+mn-lt"/>
+        <a:ea typeface="+mn-ea"/>
+        <a:cs typeface="+mn-cs"/>
+      </a:defRPr>
+    </a:lvl4pPr>
+    <a:lvl5pPr marL="1828800" algn="l" defTabSz="914400" rtl="0" eaLnBrk="1" latinLnBrk="1" hangingPunct="1">
+      <a:defRPr sz="1200" kern="1200">
+        <a:solidFill>
+          <a:schemeClr val="tx1"/>
+        </a:solidFill>
+        <a:latin typeface="+mn-lt"/>
+        <a:ea typeface="+mn-ea"/>
+        <a:cs typeface="+mn-cs"/>
+      </a:defRPr>
+    </a:lvl5pPr>
+    <a:lvl6pPr marL="2286000" algn="l" defTabSz="914400" rtl="0" eaLnBrk="1" latinLnBrk="1" hangingPunct="1">
+      <a:defRPr sz="1200" kern="1200">
+        <a:solidFill>
+          <a:schemeClr val="tx1"/>
+        </a:solidFill>
+        <a:latin typeface="+mn-lt"/>
+        <a:ea typeface="+mn-ea"/>
+        <a:cs typeface="+mn-cs"/>
+      </a:defRPr>
+    </a:lvl6pPr>
+    <a:lvl7pPr marL="2743200" algn="l" defTabSz="914400" rtl="0" eaLnBrk="1" latinLnBrk="1" hangingPunct="1">
+      <a:defRPr sz="1200" kern="1200">
+        <a:solidFill>
+          <a:schemeClr val="tx1"/>
+        </a:solidFill>
+        <a:latin typeface="+mn-lt"/>
+        <a:ea typeface="+mn-ea"/>
+        <a:cs typeface="+mn-cs"/>
+      </a:defRPr>
+    </a:lvl7pPr>
+    <a:lvl8pPr marL="3200400" algn="l" defTabSz="914400" rtl="0" eaLnBrk="1" latinLnBrk="1" hangingPunct="1">
+      <a:defRPr sz="1200" kern="1200">
+        <a:solidFill>
+          <a:schemeClr val="tx1"/>
+        </a:solidFill>
+        <a:latin typeface="+mn-lt"/>
+        <a:ea typeface="+mn-ea"/>
+        <a:cs typeface="+mn-cs"/>
+      </a:defRPr>
+    </a:lvl8pPr>
+    <a:lvl9pPr marL="3657600" algn="l" defTabSz="914400" rtl="0" eaLnBrk="1" latinLnBrk="1" hangingPunct="1">
+      <a:defRPr sz="1200" kern="1200">
+        <a:solidFill>
+          <a:schemeClr val="tx1"/>
+        </a:solidFill>
+        <a:latin typeface="+mn-lt"/>
+        <a:ea typeface="+mn-ea"/>
+        <a:cs typeface="+mn-cs"/>
+      </a:defRPr>
+    </a:lvl9pPr>
+  </p:notesStyle>
+</p:notesMaster>
 </file>
 
 <file path=ppt/slideLayouts/slideLayout1.xml><?xml version="1.0" encoding="utf-8"?>
@@ -246,7 +618,7 @@
           <a:p>
             <a:fld id="{5F818524-D0A7-4799-B9D3-F2BEDB8F6062}" type="datetimeFigureOut">
               <a:rPr lang="ko-KR" altLang="en-US" smtClean="0"/>
-              <a:t>2016-05-23</a:t>
+              <a:t>2017-06-13</a:t>
             </a:fld>
             <a:endParaRPr lang="ko-KR" altLang="en-US"/>
           </a:p>
@@ -414,7 +786,7 @@
           <a:p>
             <a:fld id="{5F818524-D0A7-4799-B9D3-F2BEDB8F6062}" type="datetimeFigureOut">
               <a:rPr lang="ko-KR" altLang="en-US" smtClean="0"/>
-              <a:t>2016-05-23</a:t>
+              <a:t>2017-06-13</a:t>
             </a:fld>
             <a:endParaRPr lang="ko-KR" altLang="en-US"/>
           </a:p>
@@ -592,7 +964,7 @@
           <a:p>
             <a:fld id="{5F818524-D0A7-4799-B9D3-F2BEDB8F6062}" type="datetimeFigureOut">
               <a:rPr lang="ko-KR" altLang="en-US" smtClean="0"/>
-              <a:t>2016-05-23</a:t>
+              <a:t>2017-06-13</a:t>
             </a:fld>
             <a:endParaRPr lang="ko-KR" altLang="en-US"/>
           </a:p>
@@ -760,7 +1132,7 @@
           <a:p>
             <a:fld id="{5F818524-D0A7-4799-B9D3-F2BEDB8F6062}" type="datetimeFigureOut">
               <a:rPr lang="ko-KR" altLang="en-US" smtClean="0"/>
-              <a:t>2016-05-23</a:t>
+              <a:t>2017-06-13</a:t>
             </a:fld>
             <a:endParaRPr lang="ko-KR" altLang="en-US"/>
           </a:p>
@@ -1005,7 +1377,7 @@
           <a:p>
             <a:fld id="{5F818524-D0A7-4799-B9D3-F2BEDB8F6062}" type="datetimeFigureOut">
               <a:rPr lang="ko-KR" altLang="en-US" smtClean="0"/>
-              <a:t>2016-05-23</a:t>
+              <a:t>2017-06-13</a:t>
             </a:fld>
             <a:endParaRPr lang="ko-KR" altLang="en-US"/>
           </a:p>
@@ -1234,7 +1606,7 @@
           <a:p>
             <a:fld id="{5F818524-D0A7-4799-B9D3-F2BEDB8F6062}" type="datetimeFigureOut">
               <a:rPr lang="ko-KR" altLang="en-US" smtClean="0"/>
-              <a:t>2016-05-23</a:t>
+              <a:t>2017-06-13</a:t>
             </a:fld>
             <a:endParaRPr lang="ko-KR" altLang="en-US"/>
           </a:p>
@@ -1598,7 +1970,7 @@
           <a:p>
             <a:fld id="{5F818524-D0A7-4799-B9D3-F2BEDB8F6062}" type="datetimeFigureOut">
               <a:rPr lang="ko-KR" altLang="en-US" smtClean="0"/>
-              <a:t>2016-05-23</a:t>
+              <a:t>2017-06-13</a:t>
             </a:fld>
             <a:endParaRPr lang="ko-KR" altLang="en-US"/>
           </a:p>
@@ -1715,7 +2087,7 @@
           <a:p>
             <a:fld id="{5F818524-D0A7-4799-B9D3-F2BEDB8F6062}" type="datetimeFigureOut">
               <a:rPr lang="ko-KR" altLang="en-US" smtClean="0"/>
-              <a:t>2016-05-23</a:t>
+              <a:t>2017-06-13</a:t>
             </a:fld>
             <a:endParaRPr lang="ko-KR" altLang="en-US"/>
           </a:p>
@@ -1810,7 +2182,7 @@
           <a:p>
             <a:fld id="{5F818524-D0A7-4799-B9D3-F2BEDB8F6062}" type="datetimeFigureOut">
               <a:rPr lang="ko-KR" altLang="en-US" smtClean="0"/>
-              <a:t>2016-05-23</a:t>
+              <a:t>2017-06-13</a:t>
             </a:fld>
             <a:endParaRPr lang="ko-KR" altLang="en-US"/>
           </a:p>
@@ -2085,7 +2457,7 @@
           <a:p>
             <a:fld id="{5F818524-D0A7-4799-B9D3-F2BEDB8F6062}" type="datetimeFigureOut">
               <a:rPr lang="ko-KR" altLang="en-US" smtClean="0"/>
-              <a:t>2016-05-23</a:t>
+              <a:t>2017-06-13</a:t>
             </a:fld>
             <a:endParaRPr lang="ko-KR" altLang="en-US"/>
           </a:p>
@@ -2337,7 +2709,7 @@
           <a:p>
             <a:fld id="{5F818524-D0A7-4799-B9D3-F2BEDB8F6062}" type="datetimeFigureOut">
               <a:rPr lang="ko-KR" altLang="en-US" smtClean="0"/>
-              <a:t>2016-05-23</a:t>
+              <a:t>2017-06-13</a:t>
             </a:fld>
             <a:endParaRPr lang="ko-KR" altLang="en-US"/>
           </a:p>
@@ -2548,7 +2920,7 @@
           <a:p>
             <a:fld id="{5F818524-D0A7-4799-B9D3-F2BEDB8F6062}" type="datetimeFigureOut">
               <a:rPr lang="ko-KR" altLang="en-US" smtClean="0"/>
-              <a:t>2016-05-23</a:t>
+              <a:t>2017-06-13</a:t>
             </a:fld>
             <a:endParaRPr lang="ko-KR" altLang="en-US"/>
           </a:p>
@@ -2937,13 +3309,14 @@
 </file>
 
 <file path=ppt/slides/slide1.xml><?xml version="1.0" encoding="utf-8"?>
-<p:sld xmlns:r="http://schemas.openxmlformats.org/officeDocument/2006/relationships" xmlns:c="http://schemas.openxmlformats.org/drawingml/2006/chart" xmlns:a="http://schemas.openxmlformats.org/drawingml/2006/main" xmlns:dgm="http://schemas.openxmlformats.org/drawingml/2006/diagram" xmlns:dsp="http://schemas.microsoft.com/office/drawing/2008/diagram" xmlns:p="http://schemas.openxmlformats.org/presentationml/2006/main">
+<p:sld xmlns:a="http://schemas.openxmlformats.org/drawingml/2006/main" xmlns:r="http://schemas.openxmlformats.org/officeDocument/2006/relationships" xmlns:p="http://schemas.openxmlformats.org/presentationml/2006/main">
   <p:cSld>
     <p:bg>
-      <p:bgPr shadeToTitle="0">
+      <p:bgPr>
         <a:solidFill>
-          <a:srgbClr val="f7f7f7"/>
+          <a:srgbClr val="F7F7F7"/>
         </a:solidFill>
+        <a:effectLst/>
       </p:bgPr>
     </p:bg>
     <p:spTree>
@@ -2975,7 +3348,7 @@
             <a:avLst/>
           </a:prstGeom>
           <a:solidFill>
-            <a:srgbClr val="f8aab1"/>
+            <a:srgbClr val="F8AAB1"/>
           </a:solidFill>
           <a:ln>
             <a:noFill/>
@@ -3015,7 +3388,7 @@
           <p:nvPr/>
         </p:nvGrpSpPr>
         <p:grpSpPr>
-          <a:xfrm rot="0">
+          <a:xfrm>
             <a:off x="0" y="-892025"/>
             <a:ext cx="12192001" cy="7863176"/>
             <a:chOff x="0" y="-892025"/>
@@ -3029,14 +3402,14 @@
             <p:nvPr/>
           </p:nvGrpSpPr>
           <p:grpSpPr>
-            <a:xfrm rot="0">
+            <a:xfrm>
               <a:off x="0" y="-294583"/>
               <a:ext cx="3481468" cy="7265734"/>
               <a:chOff x="0" y="-294583"/>
               <a:chExt cx="3481468" cy="7265734"/>
             </a:xfrm>
             <a:solidFill>
-              <a:srgbClr val="f698a1"/>
+              <a:srgbClr val="F698A1"/>
             </a:solidFill>
           </p:grpSpPr>
           <p:sp>
@@ -3149,7 +3522,7 @@
               <a:avLst/>
             </a:prstGeom>
             <a:solidFill>
-              <a:srgbClr val="eb4757"/>
+              <a:srgbClr val="EB4757"/>
             </a:solidFill>
             <a:ln>
               <a:noFill/>
@@ -3199,7 +3572,7 @@
               </a:avLst>
             </a:prstGeom>
             <a:solidFill>
-              <a:srgbClr val="ee606e"/>
+              <a:srgbClr val="EE606E"/>
             </a:solidFill>
             <a:ln>
               <a:noFill/>
@@ -3247,7 +3620,7 @@
               <a:avLst/>
             </a:prstGeom>
             <a:solidFill>
-              <a:srgbClr val="e6e6e6"/>
+              <a:srgbClr val="E6E6E6"/>
             </a:solidFill>
             <a:ln>
               <a:noFill/>
@@ -3297,7 +3670,7 @@
               </a:avLst>
             </a:prstGeom>
             <a:solidFill>
-              <a:srgbClr val="f47682"/>
+              <a:srgbClr val="F47682"/>
             </a:solidFill>
             <a:ln>
               <a:noFill/>
@@ -3339,7 +3712,7 @@
         </p:nvSpPr>
         <p:spPr>
           <a:xfrm>
-            <a:off x="3721993" y="3050026"/>
+            <a:off x="2474087" y="2959454"/>
             <a:ext cx="7803741" cy="758068"/>
           </a:xfrm>
           <a:prstGeom prst="rect">
@@ -3357,66 +3730,82 @@
               <a:defRPr lang="ko-KR" altLang="en-US"/>
             </a:pPr>
             <a:r>
-              <a:rPr lang="ko-KR" altLang="en-US" sz="4400" b="1">
+              <a:rPr lang="ko-KR" altLang="en-US" sz="4400" b="1" dirty="0" err="1">
                 <a:solidFill>
                   <a:schemeClr val="bg1"/>
                 </a:solidFill>
                 <a:latin typeface="나눔바른고딕"/>
                 <a:ea typeface="나눔바른고딕"/>
               </a:rPr>
-              <a:t>돌봄서비스 어플리케이션 '보비'</a:t>
-            </a:r>
-            <a:endParaRPr lang="ko-KR" altLang="en-US" sz="4400" b="1">
-              <a:solidFill>
-                <a:schemeClr val="bg1"/>
-              </a:solidFill>
-              <a:latin typeface="나눔바른고딕"/>
-              <a:ea typeface="나눔바른고딕"/>
-            </a:endParaRPr>
-          </a:p>
-        </p:txBody>
-      </p:sp>
-      <p:sp>
-        <p:nvSpPr>
-          <p:cNvPr id="25" name="직사각형 24"/>
-          <p:cNvSpPr/>
-          <p:nvPr/>
-        </p:nvSpPr>
-        <p:spPr>
-          <a:xfrm>
-            <a:off x="4546169" y="3857930"/>
-            <a:ext cx="6950506" cy="359740"/>
-          </a:xfrm>
-          <a:prstGeom prst="rect">
-            <a:avLst/>
-          </a:prstGeom>
-        </p:spPr>
-        <p:txBody>
-          <a:bodyPr wrap="square">
-            <a:spAutoFit/>
-          </a:bodyPr>
-          <a:lstStyle/>
-          <a:p>
-            <a:pPr algn="r">
-              <a:defRPr lang="ko-KR" altLang="en-US"/>
-            </a:pPr>
-            <a:r>
-              <a:rPr lang="ko-KR" altLang="en-US">
+              <a:t>돌봄서비스</a:t>
+            </a:r>
+            <a:r>
+              <a:rPr lang="ko-KR" altLang="en-US" sz="4400" b="1" dirty="0">
                 <a:solidFill>
                   <a:schemeClr val="bg1"/>
                 </a:solidFill>
                 <a:latin typeface="나눔바른고딕"/>
                 <a:ea typeface="나눔바른고딕"/>
               </a:rPr>
-              <a:t>10조 16011940 박보은, 16011949 박지혜</a:t>
-            </a:r>
-            <a:endParaRPr lang="ko-KR" altLang="en-US">
-              <a:solidFill>
-                <a:schemeClr val="bg1"/>
-              </a:solidFill>
-              <a:latin typeface="나눔바른고딕"/>
-              <a:ea typeface="나눔바른고딕"/>
-            </a:endParaRPr>
+              <a:t> 어플리케이션 '보비'</a:t>
+            </a:r>
+          </a:p>
+        </p:txBody>
+      </p:sp>
+      <p:sp>
+        <p:nvSpPr>
+          <p:cNvPr id="25" name="직사각형 24"/>
+          <p:cNvSpPr/>
+          <p:nvPr/>
+        </p:nvSpPr>
+        <p:spPr>
+          <a:xfrm>
+            <a:off x="1113681" y="4014506"/>
+            <a:ext cx="6950506" cy="359740"/>
+          </a:xfrm>
+          <a:prstGeom prst="rect">
+            <a:avLst/>
+          </a:prstGeom>
+        </p:spPr>
+        <p:txBody>
+          <a:bodyPr wrap="square">
+            <a:spAutoFit/>
+          </a:bodyPr>
+          <a:lstStyle/>
+          <a:p>
+            <a:pPr algn="r">
+              <a:defRPr lang="ko-KR" altLang="en-US"/>
+            </a:pPr>
+            <a:r>
+              <a:rPr lang="ko-KR" altLang="en-US" dirty="0">
+                <a:solidFill>
+                  <a:schemeClr val="bg1"/>
+                </a:solidFill>
+                <a:latin typeface="나눔바른고딕"/>
+                <a:ea typeface="나눔바른고딕"/>
+              </a:rPr>
+              <a:t>10조 16011940 </a:t>
+            </a:r>
+            <a:r>
+              <a:rPr lang="ko-KR" altLang="en-US" dirty="0" err="1">
+                <a:solidFill>
+                  <a:schemeClr val="bg1"/>
+                </a:solidFill>
+                <a:latin typeface="나눔바른고딕"/>
+                <a:ea typeface="나눔바른고딕"/>
+              </a:rPr>
+              <a:t>박보은</a:t>
+            </a:r>
+            <a:r>
+              <a:rPr lang="ko-KR" altLang="en-US" dirty="0">
+                <a:solidFill>
+                  <a:schemeClr val="bg1"/>
+                </a:solidFill>
+                <a:latin typeface="나눔바른고딕"/>
+                <a:ea typeface="나눔바른고딕"/>
+              </a:rPr>
+              <a:t>, 16011949 박지혜</a:t>
+            </a:r>
           </a:p>
         </p:txBody>
       </p:sp>
@@ -3425,18 +3814,19 @@
   <p:clrMapOvr>
     <a:masterClrMapping/>
   </p:clrMapOvr>
-  <p:transition xmlns:mc="http://schemas.openxmlformats.org/markup-compatibility/2006" xmlns:hp="http://schemas.haansoft.com/office/presentation/8.0" mc:Ignorable="hp" hp:hslDur="500"/>
+  <p:transition/>
 </p:sld>
 </file>
 
 <file path=ppt/slides/slide10.xml><?xml version="1.0" encoding="utf-8"?>
-<p:sld xmlns:r="http://schemas.openxmlformats.org/officeDocument/2006/relationships" xmlns:c="http://schemas.openxmlformats.org/drawingml/2006/chart" xmlns:a="http://schemas.openxmlformats.org/drawingml/2006/main" xmlns:dgm="http://schemas.openxmlformats.org/drawingml/2006/diagram" xmlns:dsp="http://schemas.microsoft.com/office/drawing/2008/diagram" xmlns:p="http://schemas.openxmlformats.org/presentationml/2006/main">
+<p:sld xmlns:a="http://schemas.openxmlformats.org/drawingml/2006/main" xmlns:r="http://schemas.openxmlformats.org/officeDocument/2006/relationships" xmlns:p="http://schemas.openxmlformats.org/presentationml/2006/main">
   <p:cSld>
     <p:bg>
-      <p:bgPr shadeToTitle="0">
+      <p:bgPr>
         <a:solidFill>
-          <a:srgbClr val="f7f7f7"/>
+          <a:srgbClr val="F7F7F7"/>
         </a:solidFill>
+        <a:effectLst/>
       </p:bgPr>
     </p:bg>
     <p:spTree>
@@ -3455,53 +3845,6 @@
       </p:grpSpPr>
       <p:sp>
         <p:nvSpPr>
-          <p:cNvPr id="42" name=""/>
-          <p:cNvSpPr/>
-          <p:nvPr/>
-        </p:nvSpPr>
-        <p:spPr>
-          <a:xfrm>
-            <a:off x="-624415" y="2698749"/>
-            <a:ext cx="13196792" cy="179917"/>
-          </a:xfrm>
-          <a:prstGeom prst="rect">
-            <a:avLst/>
-          </a:prstGeom>
-          <a:solidFill>
-            <a:srgbClr val="f47682"/>
-          </a:solidFill>
-          <a:ln>
-            <a:noFill/>
-          </a:ln>
-        </p:spPr>
-        <p:style>
-          <a:lnRef idx="2">
-            <a:schemeClr val="accent1">
-              <a:shade val="20000"/>
-            </a:schemeClr>
-          </a:lnRef>
-          <a:fillRef idx="1">
-            <a:schemeClr val="accent1"/>
-          </a:fillRef>
-          <a:effectRef idx="0">
-            <a:schemeClr val="accent1"/>
-          </a:effectRef>
-          <a:fontRef idx="minor">
-            <a:schemeClr val="lt1"/>
-          </a:fontRef>
-        </p:style>
-        <p:txBody>
-          <a:bodyPr anchor="ctr"/>
-          <a:p>
-            <a:pPr algn="ctr">
-              <a:defRPr lang="ko-KR" altLang="en-US"/>
-            </a:pPr>
-            <a:endParaRPr lang="ko-KR" altLang="en-US"/>
-          </a:p>
-        </p:txBody>
-      </p:sp>
-      <p:sp>
-        <p:nvSpPr>
           <p:cNvPr id="3" name="TextBox 2"/>
           <p:cNvSpPr txBox="1"/>
           <p:nvPr/>
@@ -3509,7 +3852,7 @@
         <p:spPr>
           <a:xfrm>
             <a:off x="270934" y="237069"/>
-            <a:ext cx="2268431" cy="570651"/>
+            <a:ext cx="2339102" cy="584775"/>
           </a:xfrm>
           <a:prstGeom prst="rect">
             <a:avLst/>
@@ -3526,22 +3869,15 @@
               <a:defRPr lang="ko-KR" altLang="en-US"/>
             </a:pPr>
             <a:r>
-              <a:rPr lang="ko-KR" altLang="en-US" sz="3200" b="1">
+              <a:rPr lang="ko-KR" altLang="en-US" sz="3200" b="1" dirty="0">
                 <a:solidFill>
-                  <a:srgbClr val="3f2124"/>
+                  <a:srgbClr val="3F2124"/>
                 </a:solidFill>
                 <a:latin typeface="나눔바른고딕"/>
                 <a:ea typeface="나눔바른고딕"/>
               </a:rPr>
               <a:t>사용자 측면</a:t>
             </a:r>
-            <a:endParaRPr lang="ko-KR" altLang="en-US" sz="3200" b="1">
-              <a:solidFill>
-                <a:srgbClr val="3f2124"/>
-              </a:solidFill>
-              <a:latin typeface="나눔바른고딕"/>
-              <a:ea typeface="나눔바른고딕"/>
-            </a:endParaRPr>
           </a:p>
         </p:txBody>
       </p:sp>
@@ -3553,8 +3889,8 @@
         </p:nvSpPr>
         <p:spPr>
           <a:xfrm>
-            <a:off x="292099" y="917095"/>
-            <a:ext cx="2923541" cy="452600"/>
+            <a:off x="270934" y="997049"/>
+            <a:ext cx="4540882" cy="507831"/>
           </a:xfrm>
           <a:prstGeom prst="rect">
             <a:avLst/>
@@ -3562,7 +3898,7 @@
           <a:noFill/>
         </p:spPr>
         <p:txBody>
-          <a:bodyPr wrap="none">
+          <a:bodyPr wrap="square">
             <a:spAutoFit/>
           </a:bodyPr>
           <a:lstStyle/>
@@ -3571,22 +3907,15 @@
               <a:defRPr lang="ko-KR" altLang="en-US"/>
             </a:pPr>
             <a:r>
-              <a:rPr lang="ko-KR" altLang="en-US" sz="2400" b="1">
+              <a:rPr lang="ko-KR" altLang="en-US" sz="2700" b="1" dirty="0">
                 <a:solidFill>
-                  <a:srgbClr val="ec515f"/>
+                  <a:srgbClr val="EC515F"/>
                 </a:solidFill>
                 <a:latin typeface="나눔바른고딕"/>
                 <a:ea typeface="나눔바른고딕"/>
               </a:rPr>
-              <a:t>보비 신청 (보비받기)</a:t>
-            </a:r>
-            <a:endParaRPr lang="ko-KR" altLang="en-US" sz="2400" b="1">
-              <a:solidFill>
-                <a:srgbClr val="ec515f"/>
-              </a:solidFill>
-              <a:latin typeface="나눔바른고딕"/>
-              <a:ea typeface="나눔바른고딕"/>
-            </a:endParaRPr>
+              <a:t>기술적인 요소</a:t>
+            </a:r>
           </a:p>
         </p:txBody>
       </p:sp>
@@ -3597,7 +3926,7 @@
           <p:nvPr/>
         </p:nvGrpSpPr>
         <p:grpSpPr>
-          <a:xfrm rot="0">
+          <a:xfrm>
             <a:off x="-2977" y="6284686"/>
             <a:ext cx="12194977" cy="573314"/>
             <a:chOff x="-2977" y="6284686"/>
@@ -3619,7 +3948,7 @@
               <a:avLst/>
             </a:prstGeom>
             <a:solidFill>
-              <a:srgbClr val="ec515f"/>
+              <a:srgbClr val="EC515F"/>
             </a:solidFill>
             <a:ln>
               <a:noFill/>
@@ -3650,7 +3979,7 @@
               </a:pPr>
               <a:endParaRPr lang="ko-KR" altLang="en-US">
                 <a:solidFill>
-                  <a:srgbClr val="ec515f"/>
+                  <a:srgbClr val="EC515F"/>
                 </a:solidFill>
               </a:endParaRPr>
             </a:p>
@@ -3673,7 +4002,7 @@
               </a:avLst>
             </a:prstGeom>
             <a:solidFill>
-              <a:srgbClr val="f47682"/>
+              <a:srgbClr val="F47682"/>
             </a:solidFill>
             <a:ln>
               <a:noFill/>
@@ -3723,7 +4052,7 @@
               </a:avLst>
             </a:prstGeom>
             <a:solidFill>
-              <a:srgbClr val="f47682"/>
+              <a:srgbClr val="F47682"/>
             </a:solidFill>
             <a:ln>
               <a:noFill/>
@@ -3757,22 +4086,52 @@
           </p:txBody>
         </p:sp>
       </p:grpSp>
-      <p:sp>
-        <p:nvSpPr>
-          <p:cNvPr id="19" name="타원 18"/>
+      <p:pic>
+        <p:nvPicPr>
+          <p:cNvPr id="2" name="그림 1"/>
+          <p:cNvPicPr>
+            <a:picLocks noChangeAspect="1"/>
+          </p:cNvPicPr>
+          <p:nvPr/>
+        </p:nvPicPr>
+        <p:blipFill>
+          <a:blip r:embed="rId2" cstate="print">
+            <a:extLst>
+              <a:ext uri="{28A0092B-C50C-407E-A947-70E740481C1C}">
+                <a14:useLocalDpi xmlns:a14="http://schemas.microsoft.com/office/drawing/2010/main" val="0"/>
+              </a:ext>
+            </a:extLst>
+          </a:blip>
+          <a:stretch>
+            <a:fillRect/>
+          </a:stretch>
+        </p:blipFill>
+        <p:spPr>
+          <a:xfrm>
+            <a:off x="408363" y="1680085"/>
+            <a:ext cx="5196840" cy="4080510"/>
+          </a:xfrm>
+          <a:prstGeom prst="rect">
+            <a:avLst/>
+          </a:prstGeom>
+        </p:spPr>
+      </p:pic>
+      <p:sp>
+        <p:nvSpPr>
+          <p:cNvPr id="9" name="화살표: 아래쪽 8"/>
           <p:cNvSpPr/>
           <p:nvPr/>
         </p:nvSpPr>
         <p:spPr>
           <a:xfrm>
-            <a:off x="687489" y="2428250"/>
-            <a:ext cx="638366" cy="625666"/>
-          </a:xfrm>
-          <a:prstGeom prst="ellipse">
+            <a:off x="3275556" y="3400926"/>
+            <a:ext cx="407096" cy="638828"/>
+          </a:xfrm>
+          <a:prstGeom prst="downArrow">
             <a:avLst/>
           </a:prstGeom>
           <a:solidFill>
-            <a:srgbClr val="f8aab1"/>
+            <a:srgbClr val="EC515F"/>
           </a:solidFill>
           <a:ln>
             <a:noFill/>
@@ -3795,32 +4154,30 @@
           </a:fontRef>
         </p:style>
         <p:txBody>
-          <a:bodyPr anchor="ctr"/>
-          <a:lstStyle/>
-          <a:p>
-            <a:pPr algn="ctr">
-              <a:defRPr lang="ko-KR" altLang="en-US"/>
-            </a:pPr>
+          <a:bodyPr rtlCol="0" anchor="ctr"/>
+          <a:lstStyle/>
+          <a:p>
+            <a:pPr algn="ctr"/>
             <a:endParaRPr lang="ko-KR" altLang="en-US"/>
           </a:p>
         </p:txBody>
       </p:sp>
       <p:sp>
         <p:nvSpPr>
-          <p:cNvPr id="20" name="타원 19"/>
+          <p:cNvPr id="11" name="타원 10"/>
           <p:cNvSpPr/>
           <p:nvPr/>
         </p:nvSpPr>
         <p:spPr>
           <a:xfrm>
-            <a:off x="2846917" y="2495983"/>
-            <a:ext cx="648951" cy="626100"/>
+            <a:off x="3250504" y="3181719"/>
+            <a:ext cx="457200" cy="438411"/>
           </a:xfrm>
           <a:prstGeom prst="ellipse">
             <a:avLst/>
           </a:prstGeom>
           <a:solidFill>
-            <a:srgbClr val="f58b95"/>
+            <a:srgbClr val="EC515F"/>
           </a:solidFill>
           <a:ln>
             <a:noFill/>
@@ -3843,35 +4200,35 @@
           </a:fontRef>
         </p:style>
         <p:txBody>
-          <a:bodyPr anchor="ctr"/>
-          <a:lstStyle/>
-          <a:p>
-            <a:pPr algn="ctr">
-              <a:defRPr lang="ko-KR" altLang="en-US"/>
-            </a:pPr>
+          <a:bodyPr rtlCol="0" anchor="ctr"/>
+          <a:lstStyle/>
+          <a:p>
+            <a:pPr algn="ctr"/>
             <a:endParaRPr lang="ko-KR" altLang="en-US"/>
           </a:p>
         </p:txBody>
       </p:sp>
       <p:sp>
         <p:nvSpPr>
-          <p:cNvPr id="21" name="타원 20"/>
+          <p:cNvPr id="12" name="타원 11"/>
           <p:cNvSpPr/>
           <p:nvPr/>
         </p:nvSpPr>
         <p:spPr>
           <a:xfrm>
-            <a:off x="5342429" y="2421464"/>
-            <a:ext cx="627783" cy="617200"/>
+            <a:off x="3385158" y="3297584"/>
+            <a:ext cx="206680" cy="206680"/>
           </a:xfrm>
           <a:prstGeom prst="ellipse">
             <a:avLst/>
           </a:prstGeom>
           <a:solidFill>
-            <a:srgbClr val="f47682"/>
+            <a:srgbClr val="F47682"/>
           </a:solidFill>
           <a:ln>
-            <a:noFill/>
+            <a:solidFill>
+              <a:schemeClr val="bg1"/>
+            </a:solidFill>
           </a:ln>
         </p:spPr>
         <p:style>
@@ -3891,145 +4248,501 @@
           </a:fontRef>
         </p:style>
         <p:txBody>
-          <a:bodyPr anchor="ctr"/>
-          <a:lstStyle/>
-          <a:p>
-            <a:pPr algn="ctr">
+          <a:bodyPr rtlCol="0" anchor="ctr"/>
+          <a:lstStyle/>
+          <a:p>
+            <a:pPr algn="ctr"/>
+            <a:endParaRPr lang="ko-KR" altLang="en-US"/>
+          </a:p>
+        </p:txBody>
+      </p:sp>
+      <p:sp>
+        <p:nvSpPr>
+          <p:cNvPr id="13" name="TextBox 12"/>
+          <p:cNvSpPr txBox="1"/>
+          <p:nvPr/>
+        </p:nvSpPr>
+        <p:spPr>
+          <a:xfrm>
+            <a:off x="5893496" y="3389297"/>
+            <a:ext cx="5674289" cy="461665"/>
+          </a:xfrm>
+          <a:prstGeom prst="rect">
+            <a:avLst/>
+          </a:prstGeom>
+          <a:noFill/>
+        </p:spPr>
+        <p:txBody>
+          <a:bodyPr wrap="square" rtlCol="0">
+            <a:spAutoFit/>
+          </a:bodyPr>
+          <a:lstStyle/>
+          <a:p>
+            <a:r>
+              <a:rPr lang="en-US" altLang="ko-KR" sz="2400" b="1" dirty="0">
+                <a:latin typeface="+mj-lt"/>
+              </a:rPr>
+              <a:t>GPS</a:t>
+            </a:r>
+            <a:r>
+              <a:rPr lang="ko-KR" altLang="en-US" sz="2400" b="1" dirty="0">
+                <a:latin typeface="+mj-lt"/>
+              </a:rPr>
+              <a:t>를 이용한 신청자의 위치파악 용이</a:t>
+            </a:r>
+            <a:endParaRPr lang="en-US" altLang="ko-KR" sz="2400" b="1" dirty="0">
+              <a:latin typeface="+mj-lt"/>
+            </a:endParaRPr>
+          </a:p>
+        </p:txBody>
+      </p:sp>
+    </p:spTree>
+    <p:extLst>
+      <p:ext uri="{BB962C8B-B14F-4D97-AF65-F5344CB8AC3E}">
+        <p14:creationId xmlns:p14="http://schemas.microsoft.com/office/powerpoint/2010/main" val="1851184191"/>
+      </p:ext>
+    </p:extLst>
+  </p:cSld>
+  <p:clrMapOvr>
+    <a:masterClrMapping/>
+  </p:clrMapOvr>
+  <p:transition/>
+</p:sld>
+</file>
+
+<file path=ppt/slides/slide11.xml><?xml version="1.0" encoding="utf-8"?>
+<p:sld xmlns:a="http://schemas.openxmlformats.org/drawingml/2006/main" xmlns:r="http://schemas.openxmlformats.org/officeDocument/2006/relationships" xmlns:p="http://schemas.openxmlformats.org/presentationml/2006/main">
+  <p:cSld>
+    <p:bg>
+      <p:bgPr>
+        <a:solidFill>
+          <a:srgbClr val="F7F7F7"/>
+        </a:solidFill>
+        <a:effectLst/>
+      </p:bgPr>
+    </p:bg>
+    <p:spTree>
+      <p:nvGrpSpPr>
+        <p:cNvPr id="1" name=""/>
+        <p:cNvGrpSpPr/>
+        <p:nvPr/>
+      </p:nvGrpSpPr>
+      <p:grpSpPr>
+        <a:xfrm>
+          <a:off x="0" y="0"/>
+          <a:ext cx="0" cy="0"/>
+          <a:chOff x="0" y="0"/>
+          <a:chExt cx="0" cy="0"/>
+        </a:xfrm>
+      </p:grpSpPr>
+      <p:sp>
+        <p:nvSpPr>
+          <p:cNvPr id="3" name="TextBox 2"/>
+          <p:cNvSpPr txBox="1"/>
+          <p:nvPr/>
+        </p:nvSpPr>
+        <p:spPr>
+          <a:xfrm>
+            <a:off x="270934" y="237069"/>
+            <a:ext cx="2339102" cy="584775"/>
+          </a:xfrm>
+          <a:prstGeom prst="rect">
+            <a:avLst/>
+          </a:prstGeom>
+          <a:noFill/>
+        </p:spPr>
+        <p:txBody>
+          <a:bodyPr wrap="none">
+            <a:spAutoFit/>
+          </a:bodyPr>
+          <a:lstStyle/>
+          <a:p>
+            <a:pPr lvl="0">
               <a:defRPr lang="ko-KR" altLang="en-US"/>
             </a:pPr>
-            <a:endParaRPr lang="ko-KR" altLang="en-US"/>
-          </a:p>
-        </p:txBody>
-      </p:sp>
-      <p:sp>
-        <p:nvSpPr>
-          <p:cNvPr id="31" name=""/>
+            <a:r>
+              <a:rPr lang="ko-KR" altLang="en-US" sz="3200" b="1" dirty="0">
+                <a:solidFill>
+                  <a:srgbClr val="3F2124"/>
+                </a:solidFill>
+                <a:latin typeface="나눔바른고딕"/>
+                <a:ea typeface="나눔바른고딕"/>
+              </a:rPr>
+              <a:t>사용자 측면</a:t>
+            </a:r>
+          </a:p>
+        </p:txBody>
+      </p:sp>
+      <p:sp>
+        <p:nvSpPr>
+          <p:cNvPr id="4" name="TextBox 3"/>
           <p:cNvSpPr txBox="1"/>
           <p:nvPr/>
         </p:nvSpPr>
         <p:spPr>
           <a:xfrm>
-            <a:off x="142861" y="3428998"/>
-            <a:ext cx="2074335" cy="362164"/>
+            <a:off x="270934" y="997049"/>
+            <a:ext cx="4540882" cy="507831"/>
           </a:xfrm>
           <a:prstGeom prst="rect">
             <a:avLst/>
           </a:prstGeom>
+          <a:noFill/>
         </p:spPr>
         <p:txBody>
           <a:bodyPr wrap="square">
             <a:spAutoFit/>
           </a:bodyPr>
-          <a:p>
-            <a:pPr>
+          <a:lstStyle/>
+          <a:p>
+            <a:pPr lvl="0">
               <a:defRPr lang="ko-KR" altLang="en-US"/>
             </a:pPr>
             <a:r>
-              <a:rPr lang="ko-KR" altLang="en-US" b="1"/>
-              <a:t>보비받기 선택</a:t>
-            </a:r>
-            <a:endParaRPr lang="ko-KR" altLang="en-US" b="1"/>
-          </a:p>
-        </p:txBody>
-      </p:sp>
-      <p:sp>
-        <p:nvSpPr>
-          <p:cNvPr id="32" name=""/>
+              <a:rPr lang="ko-KR" altLang="en-US" sz="2700" b="1" dirty="0">
+                <a:solidFill>
+                  <a:srgbClr val="EC515F"/>
+                </a:solidFill>
+                <a:latin typeface="나눔바른고딕"/>
+                <a:ea typeface="나눔바른고딕"/>
+              </a:rPr>
+              <a:t>기술적인 요소</a:t>
+            </a:r>
+          </a:p>
+        </p:txBody>
+      </p:sp>
+      <p:grpSp>
+        <p:nvGrpSpPr>
+          <p:cNvPr id="5" name="그룹 4"/>
+          <p:cNvGrpSpPr/>
+          <p:nvPr/>
+        </p:nvGrpSpPr>
+        <p:grpSpPr>
+          <a:xfrm>
+            <a:off x="-2977" y="6284686"/>
+            <a:ext cx="12194977" cy="573314"/>
+            <a:chOff x="-2977" y="6284686"/>
+            <a:chExt cx="12194977" cy="573314"/>
+          </a:xfrm>
+        </p:grpSpPr>
+        <p:sp>
+          <p:nvSpPr>
+            <p:cNvPr id="6" name="직사각형 5"/>
+            <p:cNvSpPr/>
+            <p:nvPr/>
+          </p:nvSpPr>
+          <p:spPr>
+            <a:xfrm>
+              <a:off x="0" y="6284686"/>
+              <a:ext cx="12192000" cy="573314"/>
+            </a:xfrm>
+            <a:prstGeom prst="rect">
+              <a:avLst/>
+            </a:prstGeom>
+            <a:solidFill>
+              <a:srgbClr val="EC515F"/>
+            </a:solidFill>
+            <a:ln>
+              <a:noFill/>
+            </a:ln>
+          </p:spPr>
+          <p:style>
+            <a:lnRef idx="2">
+              <a:schemeClr val="accent1">
+                <a:shade val="50000"/>
+              </a:schemeClr>
+            </a:lnRef>
+            <a:fillRef idx="1">
+              <a:schemeClr val="accent1"/>
+            </a:fillRef>
+            <a:effectRef idx="0">
+              <a:schemeClr val="accent1"/>
+            </a:effectRef>
+            <a:fontRef idx="minor">
+              <a:schemeClr val="lt1"/>
+            </a:fontRef>
+          </p:style>
+          <p:txBody>
+            <a:bodyPr anchor="ctr"/>
+            <a:lstStyle/>
+            <a:p>
+              <a:pPr algn="ctr">
+                <a:defRPr lang="ko-KR" altLang="en-US"/>
+              </a:pPr>
+              <a:endParaRPr lang="ko-KR" altLang="en-US">
+                <a:solidFill>
+                  <a:srgbClr val="EC515F"/>
+                </a:solidFill>
+              </a:endParaRPr>
+            </a:p>
+          </p:txBody>
+        </p:sp>
+        <p:sp>
+          <p:nvSpPr>
+            <p:cNvPr id="7" name="이등변 삼각형 6"/>
+            <p:cNvSpPr/>
+            <p:nvPr/>
+          </p:nvSpPr>
+          <p:spPr>
+            <a:xfrm>
+              <a:off x="6043043" y="6284686"/>
+              <a:ext cx="5792537" cy="573314"/>
+            </a:xfrm>
+            <a:prstGeom prst="triangle">
+              <a:avLst>
+                <a:gd name="adj" fmla="val 50000"/>
+              </a:avLst>
+            </a:prstGeom>
+            <a:solidFill>
+              <a:srgbClr val="F47682"/>
+            </a:solidFill>
+            <a:ln>
+              <a:noFill/>
+            </a:ln>
+          </p:spPr>
+          <p:style>
+            <a:lnRef idx="2">
+              <a:schemeClr val="accent1">
+                <a:shade val="50000"/>
+              </a:schemeClr>
+            </a:lnRef>
+            <a:fillRef idx="1">
+              <a:schemeClr val="accent1"/>
+            </a:fillRef>
+            <a:effectRef idx="0">
+              <a:schemeClr val="accent1"/>
+            </a:effectRef>
+            <a:fontRef idx="minor">
+              <a:schemeClr val="lt1"/>
+            </a:fontRef>
+          </p:style>
+          <p:txBody>
+            <a:bodyPr anchor="ctr"/>
+            <a:lstStyle/>
+            <a:p>
+              <a:pPr algn="ctr">
+                <a:defRPr lang="ko-KR" altLang="en-US"/>
+              </a:pPr>
+              <a:endParaRPr lang="ko-KR" altLang="en-US"/>
+            </a:p>
+          </p:txBody>
+        </p:sp>
+        <p:sp>
+          <p:nvSpPr>
+            <p:cNvPr id="8" name="이등변 삼각형 7"/>
+            <p:cNvSpPr/>
+            <p:nvPr/>
+          </p:nvSpPr>
+          <p:spPr>
+            <a:xfrm rot="10800000">
+              <a:off x="-2977" y="6284686"/>
+              <a:ext cx="5689600" cy="573314"/>
+            </a:xfrm>
+            <a:prstGeom prst="triangle">
+              <a:avLst>
+                <a:gd name="adj" fmla="val 50000"/>
+              </a:avLst>
+            </a:prstGeom>
+            <a:solidFill>
+              <a:srgbClr val="F47682"/>
+            </a:solidFill>
+            <a:ln>
+              <a:noFill/>
+            </a:ln>
+          </p:spPr>
+          <p:style>
+            <a:lnRef idx="2">
+              <a:schemeClr val="accent1">
+                <a:shade val="50000"/>
+              </a:schemeClr>
+            </a:lnRef>
+            <a:fillRef idx="1">
+              <a:schemeClr val="accent1"/>
+            </a:fillRef>
+            <a:effectRef idx="0">
+              <a:schemeClr val="accent1"/>
+            </a:effectRef>
+            <a:fontRef idx="minor">
+              <a:schemeClr val="lt1"/>
+            </a:fontRef>
+          </p:style>
+          <p:txBody>
+            <a:bodyPr anchor="ctr"/>
+            <a:lstStyle/>
+            <a:p>
+              <a:pPr algn="ctr">
+                <a:defRPr lang="ko-KR" altLang="en-US"/>
+              </a:pPr>
+              <a:endParaRPr lang="ko-KR" altLang="en-US"/>
+            </a:p>
+          </p:txBody>
+        </p:sp>
+      </p:grpSp>
+      <p:sp>
+        <p:nvSpPr>
+          <p:cNvPr id="13" name="TextBox 12"/>
           <p:cNvSpPr txBox="1"/>
           <p:nvPr/>
         </p:nvSpPr>
         <p:spPr>
           <a:xfrm>
-            <a:off x="2069040" y="3429000"/>
-            <a:ext cx="2640543" cy="363010"/>
+            <a:off x="1622121" y="3225863"/>
+            <a:ext cx="9369467" cy="461665"/>
           </a:xfrm>
           <a:prstGeom prst="rect">
             <a:avLst/>
           </a:prstGeom>
-        </p:spPr>
-        <p:txBody>
-          <a:bodyPr wrap="square">
+          <a:noFill/>
+        </p:spPr>
+        <p:txBody>
+          <a:bodyPr wrap="square" rtlCol="0">
             <a:spAutoFit/>
           </a:bodyPr>
-          <a:p>
-            <a:pPr>
-              <a:defRPr lang="ko-KR" altLang="en-US"/>
-            </a:pPr>
-            <a:r>
-              <a:rPr lang="ko-KR" altLang="en-US" b="1"/>
-              <a:t> 대상(노인/아동) 선택</a:t>
-            </a:r>
-            <a:endParaRPr lang="ko-KR" altLang="en-US" b="1"/>
-          </a:p>
-        </p:txBody>
-      </p:sp>
-      <p:sp>
-        <p:nvSpPr>
-          <p:cNvPr id="38" name=""/>
+          <a:lstStyle/>
+          <a:p>
+            <a:r>
+              <a:rPr lang="ko-KR" altLang="en-US" sz="2400" b="1" dirty="0">
+                <a:latin typeface="+mj-lt"/>
+              </a:rPr>
+              <a:t>돌봄 서비스 신청자 </a:t>
+            </a:r>
+            <a:r>
+              <a:rPr lang="en-US" altLang="ko-KR" sz="2400" b="1" dirty="0">
+                <a:latin typeface="+mj-lt"/>
+              </a:rPr>
+              <a:t>–                         – </a:t>
+            </a:r>
+            <a:r>
+              <a:rPr lang="ko-KR" altLang="en-US" sz="2400" b="1" dirty="0">
+                <a:latin typeface="+mj-lt"/>
+              </a:rPr>
+              <a:t>돌봄 서비스 종사자</a:t>
+            </a:r>
+            <a:endParaRPr lang="en-US" altLang="ko-KR" sz="2400" b="1" dirty="0">
+              <a:latin typeface="+mj-lt"/>
+            </a:endParaRPr>
+          </a:p>
+        </p:txBody>
+      </p:sp>
+      <p:sp>
+        <p:nvSpPr>
+          <p:cNvPr id="14" name="TextBox 13"/>
           <p:cNvSpPr txBox="1"/>
           <p:nvPr/>
         </p:nvSpPr>
         <p:spPr>
           <a:xfrm>
-            <a:off x="4572000" y="3429000"/>
-            <a:ext cx="2285999" cy="906146"/>
+            <a:off x="2155327" y="1840272"/>
+            <a:ext cx="8118953" cy="461665"/>
           </a:xfrm>
           <a:prstGeom prst="rect">
             <a:avLst/>
           </a:prstGeom>
-        </p:spPr>
-        <p:txBody>
-          <a:bodyPr wrap="square">
+          <a:noFill/>
+        </p:spPr>
+        <p:txBody>
+          <a:bodyPr wrap="square" rtlCol="0">
             <a:spAutoFit/>
           </a:bodyPr>
-          <a:p>
-            <a:pPr>
-              <a:defRPr lang="ko-KR" altLang="en-US"/>
-            </a:pPr>
-            <a:r>
-              <a:rPr lang="ko-KR" altLang="en-US" b="1"/>
-              <a:t>할머니/할아버지</a:t>
-            </a:r>
-            <a:endParaRPr lang="ko-KR" altLang="en-US" b="1"/>
-          </a:p>
-          <a:p>
-            <a:pPr>
-              <a:defRPr lang="ko-KR" altLang="en-US"/>
-            </a:pPr>
-            <a:r>
-              <a:rPr lang="ko-KR" altLang="en-US" b="1"/>
-              <a:t>남자아이/여자아이</a:t>
-            </a:r>
-            <a:endParaRPr lang="ko-KR" altLang="en-US" b="1"/>
-          </a:p>
-          <a:p>
-            <a:pPr>
-              <a:defRPr lang="ko-KR" altLang="en-US"/>
-            </a:pPr>
-            <a:r>
-              <a:rPr lang="ko-KR" altLang="en-US" b="1"/>
-              <a:t>선택</a:t>
-            </a:r>
-            <a:endParaRPr lang="ko-KR" altLang="en-US" b="1"/>
-          </a:p>
-        </p:txBody>
-      </p:sp>
-      <p:sp>
-        <p:nvSpPr>
-          <p:cNvPr id="45" name="타원 18"/>
+          <a:lstStyle/>
+          <a:p>
+            <a:r>
+              <a:rPr lang="ko-KR" altLang="en-US" sz="2400" b="1" dirty="0">
+                <a:latin typeface="+mj-lt"/>
+              </a:rPr>
+              <a:t>어플리케이션 등록 시 입력 받은 정보를 텍스트 마이닝</a:t>
+            </a:r>
+            <a:endParaRPr lang="en-US" altLang="ko-KR" sz="2400" b="1" dirty="0">
+              <a:latin typeface="+mj-lt"/>
+            </a:endParaRPr>
+          </a:p>
+        </p:txBody>
+      </p:sp>
+      <p:sp>
+        <p:nvSpPr>
+          <p:cNvPr id="10" name="TextBox 9"/>
+          <p:cNvSpPr txBox="1"/>
+          <p:nvPr/>
+        </p:nvSpPr>
+        <p:spPr>
+          <a:xfrm>
+            <a:off x="3100470" y="4726585"/>
+            <a:ext cx="5885146" cy="830997"/>
+          </a:xfrm>
+          <a:prstGeom prst="rect">
+            <a:avLst/>
+          </a:prstGeom>
+          <a:noFill/>
+        </p:spPr>
+        <p:txBody>
+          <a:bodyPr wrap="square" rtlCol="0">
+            <a:spAutoFit/>
+          </a:bodyPr>
+          <a:lstStyle/>
+          <a:p>
+            <a:r>
+              <a:rPr lang="ko-KR" altLang="en-US" sz="2400" b="1" dirty="0"/>
+              <a:t>매칭 퍼센트가 가장 높은 해당 신청자를 </a:t>
+            </a:r>
+            <a:endParaRPr lang="en-US" altLang="ko-KR" sz="2400" b="1" dirty="0"/>
+          </a:p>
+          <a:p>
+            <a:r>
+              <a:rPr lang="ko-KR" altLang="en-US" sz="2400" b="1" dirty="0"/>
+              <a:t>돌봄 서비스 종사자에게 실시간으로 알림</a:t>
+            </a:r>
+          </a:p>
+        </p:txBody>
+      </p:sp>
+      <p:sp>
+        <p:nvSpPr>
+          <p:cNvPr id="16" name="TextBox 15"/>
+          <p:cNvSpPr txBox="1"/>
+          <p:nvPr/>
+        </p:nvSpPr>
+        <p:spPr>
+          <a:xfrm>
+            <a:off x="4811816" y="3135619"/>
+            <a:ext cx="2378124" cy="584775"/>
+          </a:xfrm>
+          <a:prstGeom prst="rect">
+            <a:avLst/>
+          </a:prstGeom>
+          <a:noFill/>
+        </p:spPr>
+        <p:txBody>
+          <a:bodyPr wrap="square" rtlCol="0">
+            <a:spAutoFit/>
+          </a:bodyPr>
+          <a:lstStyle/>
+          <a:p>
+            <a:r>
+              <a:rPr lang="ko-KR" altLang="en-US" sz="3200" b="1" dirty="0">
+                <a:solidFill>
+                  <a:srgbClr val="FF0000"/>
+                </a:solidFill>
+              </a:rPr>
+              <a:t>매칭 퍼센트</a:t>
+            </a:r>
+          </a:p>
+        </p:txBody>
+      </p:sp>
+      <p:sp>
+        <p:nvSpPr>
+          <p:cNvPr id="17" name="화살표: 아래쪽 16"/>
           <p:cNvSpPr/>
           <p:nvPr/>
         </p:nvSpPr>
         <p:spPr>
           <a:xfrm>
-            <a:off x="7067558" y="2436283"/>
-            <a:ext cx="648950" cy="617200"/>
-          </a:xfrm>
-          <a:prstGeom prst="ellipse">
+            <a:off x="5686623" y="2461026"/>
+            <a:ext cx="528181" cy="526094"/>
+          </a:xfrm>
+          <a:prstGeom prst="downArrow">
             <a:avLst/>
           </a:prstGeom>
           <a:solidFill>
-            <a:srgbClr val="f8aab1"/>
+            <a:srgbClr val="F47682"/>
           </a:solidFill>
           <a:ln>
             <a:noFill/>
@@ -4052,32 +4765,30 @@
           </a:fontRef>
         </p:style>
         <p:txBody>
-          <a:bodyPr anchor="ctr"/>
-          <a:lstStyle/>
-          <a:p>
-            <a:pPr algn="ctr">
-              <a:defRPr lang="ko-KR" altLang="en-US"/>
-            </a:pPr>
-            <a:endParaRPr lang="ko-KR" altLang="en-US"/>
-          </a:p>
-        </p:txBody>
-      </p:sp>
-      <p:sp>
-        <p:nvSpPr>
-          <p:cNvPr id="47" name="타원 19"/>
+          <a:bodyPr rtlCol="0" anchor="ctr"/>
+          <a:lstStyle/>
+          <a:p>
+            <a:pPr algn="ctr"/>
+            <a:endParaRPr lang="ko-KR" altLang="en-US" dirty="0"/>
+          </a:p>
+        </p:txBody>
+      </p:sp>
+      <p:sp>
+        <p:nvSpPr>
+          <p:cNvPr id="19" name="화살표: 아래쪽 18"/>
           <p:cNvSpPr/>
           <p:nvPr/>
         </p:nvSpPr>
         <p:spPr>
           <a:xfrm>
-            <a:off x="8814233" y="2447298"/>
-            <a:ext cx="659534" cy="617200"/>
-          </a:xfrm>
-          <a:prstGeom prst="ellipse">
+            <a:off x="5710266" y="3940238"/>
+            <a:ext cx="528181" cy="526094"/>
+          </a:xfrm>
+          <a:prstGeom prst="downArrow">
             <a:avLst/>
           </a:prstGeom>
           <a:solidFill>
-            <a:srgbClr val="f58b95"/>
+            <a:srgbClr val="F47682"/>
           </a:solidFill>
           <a:ln>
             <a:noFill/>
@@ -4100,107 +4811,1049 @@
           </a:fontRef>
         </p:style>
         <p:txBody>
-          <a:bodyPr anchor="ctr"/>
-          <a:lstStyle/>
-          <a:p>
-            <a:pPr algn="ctr">
+          <a:bodyPr rtlCol="0" anchor="ctr"/>
+          <a:lstStyle/>
+          <a:p>
+            <a:pPr algn="ctr"/>
+            <a:endParaRPr lang="ko-KR" altLang="en-US" dirty="0"/>
+          </a:p>
+        </p:txBody>
+      </p:sp>
+    </p:spTree>
+    <p:extLst>
+      <p:ext uri="{BB962C8B-B14F-4D97-AF65-F5344CB8AC3E}">
+        <p14:creationId xmlns:p14="http://schemas.microsoft.com/office/powerpoint/2010/main" val="3958525292"/>
+      </p:ext>
+    </p:extLst>
+  </p:cSld>
+  <p:clrMapOvr>
+    <a:masterClrMapping/>
+  </p:clrMapOvr>
+  <p:transition/>
+</p:sld>
+</file>
+
+<file path=ppt/slides/slide12.xml><?xml version="1.0" encoding="utf-8"?>
+<p:sld xmlns:a="http://schemas.openxmlformats.org/drawingml/2006/main" xmlns:r="http://schemas.openxmlformats.org/officeDocument/2006/relationships" xmlns:p="http://schemas.openxmlformats.org/presentationml/2006/main">
+  <p:cSld>
+    <p:bg>
+      <p:bgPr>
+        <a:solidFill>
+          <a:srgbClr val="F7F7F7"/>
+        </a:solidFill>
+        <a:effectLst/>
+      </p:bgPr>
+    </p:bg>
+    <p:spTree>
+      <p:nvGrpSpPr>
+        <p:cNvPr id="1" name=""/>
+        <p:cNvGrpSpPr/>
+        <p:nvPr/>
+      </p:nvGrpSpPr>
+      <p:grpSpPr>
+        <a:xfrm>
+          <a:off x="0" y="0"/>
+          <a:ext cx="0" cy="0"/>
+          <a:chOff x="0" y="0"/>
+          <a:chExt cx="0" cy="0"/>
+        </a:xfrm>
+      </p:grpSpPr>
+      <p:sp>
+        <p:nvSpPr>
+          <p:cNvPr id="3" name="TextBox 2"/>
+          <p:cNvSpPr txBox="1"/>
+          <p:nvPr/>
+        </p:nvSpPr>
+        <p:spPr>
+          <a:xfrm>
+            <a:off x="270934" y="237069"/>
+            <a:ext cx="2339102" cy="584775"/>
+          </a:xfrm>
+          <a:prstGeom prst="rect">
+            <a:avLst/>
+          </a:prstGeom>
+          <a:noFill/>
+        </p:spPr>
+        <p:txBody>
+          <a:bodyPr wrap="none">
+            <a:spAutoFit/>
+          </a:bodyPr>
+          <a:lstStyle/>
+          <a:p>
+            <a:pPr lvl="0">
               <a:defRPr lang="ko-KR" altLang="en-US"/>
             </a:pPr>
-            <a:endParaRPr lang="ko-KR" altLang="en-US"/>
-          </a:p>
-        </p:txBody>
-      </p:sp>
-      <p:sp>
-        <p:nvSpPr>
-          <p:cNvPr id="49" name=""/>
+            <a:r>
+              <a:rPr lang="ko-KR" altLang="en-US" sz="3200" b="1" dirty="0">
+                <a:solidFill>
+                  <a:srgbClr val="3F2124"/>
+                </a:solidFill>
+                <a:latin typeface="나눔바른고딕"/>
+                <a:ea typeface="나눔바른고딕"/>
+              </a:rPr>
+              <a:t>사용자 측면</a:t>
+            </a:r>
+          </a:p>
+        </p:txBody>
+      </p:sp>
+      <p:sp>
+        <p:nvSpPr>
+          <p:cNvPr id="4" name="TextBox 3"/>
           <p:cNvSpPr txBox="1"/>
           <p:nvPr/>
         </p:nvSpPr>
         <p:spPr>
           <a:xfrm>
-            <a:off x="6793877" y="3428999"/>
-            <a:ext cx="1725084" cy="905087"/>
+            <a:off x="270934" y="997049"/>
+            <a:ext cx="4540882" cy="507831"/>
           </a:xfrm>
           <a:prstGeom prst="rect">
             <a:avLst/>
           </a:prstGeom>
+          <a:noFill/>
         </p:spPr>
         <p:txBody>
           <a:bodyPr wrap="square">
             <a:spAutoFit/>
           </a:bodyPr>
-          <a:p>
-            <a:pPr>
+          <a:lstStyle/>
+          <a:p>
+            <a:pPr lvl="0">
               <a:defRPr lang="ko-KR" altLang="en-US"/>
             </a:pPr>
             <a:r>
-              <a:rPr lang="ko-KR" altLang="en-US" b="1"/>
-              <a:t>원하는 서비스 선택(서비스 </a:t>
-            </a:r>
-            <a:endParaRPr lang="ko-KR" altLang="en-US" b="1"/>
-          </a:p>
-          <a:p>
-            <a:pPr>
+              <a:rPr lang="ko-KR" altLang="en-US" sz="2700" b="1" dirty="0">
+                <a:solidFill>
+                  <a:srgbClr val="EC515F"/>
+                </a:solidFill>
+                <a:latin typeface="나눔바른고딕"/>
+                <a:ea typeface="나눔바른고딕"/>
+              </a:rPr>
+              <a:t>예상 서비스 가격 측정</a:t>
+            </a:r>
+          </a:p>
+        </p:txBody>
+      </p:sp>
+      <p:grpSp>
+        <p:nvGrpSpPr>
+          <p:cNvPr id="5" name="그룹 4"/>
+          <p:cNvGrpSpPr/>
+          <p:nvPr/>
+        </p:nvGrpSpPr>
+        <p:grpSpPr>
+          <a:xfrm>
+            <a:off x="-2977" y="6284686"/>
+            <a:ext cx="12194977" cy="573314"/>
+            <a:chOff x="-2977" y="6284686"/>
+            <a:chExt cx="12194977" cy="573314"/>
+          </a:xfrm>
+        </p:grpSpPr>
+        <p:sp>
+          <p:nvSpPr>
+            <p:cNvPr id="6" name="직사각형 5"/>
+            <p:cNvSpPr/>
+            <p:nvPr/>
+          </p:nvSpPr>
+          <p:spPr>
+            <a:xfrm>
+              <a:off x="0" y="6284686"/>
+              <a:ext cx="12192000" cy="573314"/>
+            </a:xfrm>
+            <a:prstGeom prst="rect">
+              <a:avLst/>
+            </a:prstGeom>
+            <a:solidFill>
+              <a:srgbClr val="EC515F"/>
+            </a:solidFill>
+            <a:ln>
+              <a:noFill/>
+            </a:ln>
+          </p:spPr>
+          <p:style>
+            <a:lnRef idx="2">
+              <a:schemeClr val="accent1">
+                <a:shade val="50000"/>
+              </a:schemeClr>
+            </a:lnRef>
+            <a:fillRef idx="1">
+              <a:schemeClr val="accent1"/>
+            </a:fillRef>
+            <a:effectRef idx="0">
+              <a:schemeClr val="accent1"/>
+            </a:effectRef>
+            <a:fontRef idx="minor">
+              <a:schemeClr val="lt1"/>
+            </a:fontRef>
+          </p:style>
+          <p:txBody>
+            <a:bodyPr anchor="ctr"/>
+            <a:lstStyle/>
+            <a:p>
+              <a:pPr algn="ctr">
+                <a:defRPr lang="ko-KR" altLang="en-US"/>
+              </a:pPr>
+              <a:endParaRPr lang="ko-KR" altLang="en-US">
+                <a:solidFill>
+                  <a:srgbClr val="EC515F"/>
+                </a:solidFill>
+              </a:endParaRPr>
+            </a:p>
+          </p:txBody>
+        </p:sp>
+        <p:sp>
+          <p:nvSpPr>
+            <p:cNvPr id="7" name="이등변 삼각형 6"/>
+            <p:cNvSpPr/>
+            <p:nvPr/>
+          </p:nvSpPr>
+          <p:spPr>
+            <a:xfrm>
+              <a:off x="6043043" y="6284686"/>
+              <a:ext cx="5792537" cy="573314"/>
+            </a:xfrm>
+            <a:prstGeom prst="triangle">
+              <a:avLst>
+                <a:gd name="adj" fmla="val 50000"/>
+              </a:avLst>
+            </a:prstGeom>
+            <a:solidFill>
+              <a:srgbClr val="F47682"/>
+            </a:solidFill>
+            <a:ln>
+              <a:noFill/>
+            </a:ln>
+          </p:spPr>
+          <p:style>
+            <a:lnRef idx="2">
+              <a:schemeClr val="accent1">
+                <a:shade val="50000"/>
+              </a:schemeClr>
+            </a:lnRef>
+            <a:fillRef idx="1">
+              <a:schemeClr val="accent1"/>
+            </a:fillRef>
+            <a:effectRef idx="0">
+              <a:schemeClr val="accent1"/>
+            </a:effectRef>
+            <a:fontRef idx="minor">
+              <a:schemeClr val="lt1"/>
+            </a:fontRef>
+          </p:style>
+          <p:txBody>
+            <a:bodyPr anchor="ctr"/>
+            <a:lstStyle/>
+            <a:p>
+              <a:pPr algn="ctr">
+                <a:defRPr lang="ko-KR" altLang="en-US"/>
+              </a:pPr>
+              <a:endParaRPr lang="ko-KR" altLang="en-US"/>
+            </a:p>
+          </p:txBody>
+        </p:sp>
+        <p:sp>
+          <p:nvSpPr>
+            <p:cNvPr id="8" name="이등변 삼각형 7"/>
+            <p:cNvSpPr/>
+            <p:nvPr/>
+          </p:nvSpPr>
+          <p:spPr>
+            <a:xfrm rot="10800000">
+              <a:off x="-2977" y="6284686"/>
+              <a:ext cx="5689600" cy="573314"/>
+            </a:xfrm>
+            <a:prstGeom prst="triangle">
+              <a:avLst>
+                <a:gd name="adj" fmla="val 50000"/>
+              </a:avLst>
+            </a:prstGeom>
+            <a:solidFill>
+              <a:srgbClr val="F47682"/>
+            </a:solidFill>
+            <a:ln>
+              <a:noFill/>
+            </a:ln>
+          </p:spPr>
+          <p:style>
+            <a:lnRef idx="2">
+              <a:schemeClr val="accent1">
+                <a:shade val="50000"/>
+              </a:schemeClr>
+            </a:lnRef>
+            <a:fillRef idx="1">
+              <a:schemeClr val="accent1"/>
+            </a:fillRef>
+            <a:effectRef idx="0">
+              <a:schemeClr val="accent1"/>
+            </a:effectRef>
+            <a:fontRef idx="minor">
+              <a:schemeClr val="lt1"/>
+            </a:fontRef>
+          </p:style>
+          <p:txBody>
+            <a:bodyPr anchor="ctr"/>
+            <a:lstStyle/>
+            <a:p>
+              <a:pPr algn="ctr">
+                <a:defRPr lang="ko-KR" altLang="en-US"/>
+              </a:pPr>
+              <a:endParaRPr lang="ko-KR" altLang="en-US"/>
+            </a:p>
+          </p:txBody>
+        </p:sp>
+      </p:grpSp>
+      <p:sp>
+        <p:nvSpPr>
+          <p:cNvPr id="14" name="TextBox 13"/>
+          <p:cNvSpPr txBox="1"/>
+          <p:nvPr/>
+        </p:nvSpPr>
+        <p:spPr>
+          <a:xfrm>
+            <a:off x="776614" y="1724958"/>
+            <a:ext cx="10916433" cy="4339650"/>
+          </a:xfrm>
+          <a:prstGeom prst="rect">
+            <a:avLst/>
+          </a:prstGeom>
+          <a:noFill/>
+        </p:spPr>
+        <p:txBody>
+          <a:bodyPr wrap="square" rtlCol="0">
+            <a:spAutoFit/>
+          </a:bodyPr>
+          <a:lstStyle/>
+          <a:p>
+            <a:pPr fontAlgn="base"/>
+            <a:r>
+              <a:rPr lang="ko-KR" altLang="en-US" sz="2400" b="1" dirty="0"/>
+              <a:t>노인 </a:t>
+            </a:r>
+            <a:r>
+              <a:rPr lang="en-US" altLang="ko-KR" sz="2400" b="1" dirty="0"/>
+              <a:t>/ </a:t>
+            </a:r>
+            <a:r>
+              <a:rPr lang="ko-KR" altLang="en-US" sz="2400" b="1" dirty="0"/>
+              <a:t>아동 </a:t>
+            </a:r>
+            <a:r>
+              <a:rPr lang="en-US" altLang="ko-KR" sz="2400" b="1" dirty="0"/>
+              <a:t>1</a:t>
+            </a:r>
+            <a:r>
+              <a:rPr lang="ko-KR" altLang="en-US" sz="2400" b="1" dirty="0"/>
+              <a:t>회 </a:t>
+            </a:r>
+            <a:r>
+              <a:rPr lang="en-US" altLang="ko-KR" sz="2400" b="1" dirty="0">
+                <a:solidFill>
+                  <a:srgbClr val="FF0000"/>
+                </a:solidFill>
+              </a:rPr>
+              <a:t>4</a:t>
+            </a:r>
+            <a:r>
+              <a:rPr lang="ko-KR" altLang="en-US" sz="2400" b="1" dirty="0">
+                <a:solidFill>
+                  <a:srgbClr val="FF0000"/>
+                </a:solidFill>
+              </a:rPr>
+              <a:t>시간</a:t>
+            </a:r>
+            <a:r>
+              <a:rPr lang="ko-KR" altLang="en-US" sz="2400" b="1" dirty="0"/>
+              <a:t>일 경우 </a:t>
+            </a:r>
+            <a:r>
+              <a:rPr lang="en-US" altLang="ko-KR" sz="2400" b="1" dirty="0"/>
+              <a:t>(</a:t>
+            </a:r>
+            <a:r>
+              <a:rPr lang="ko-KR" altLang="en-US" sz="2400" b="1" dirty="0"/>
+              <a:t>오전</a:t>
+            </a:r>
+            <a:r>
+              <a:rPr lang="en-US" altLang="ko-KR" sz="2400" b="1" dirty="0"/>
+              <a:t>/</a:t>
+            </a:r>
+            <a:r>
+              <a:rPr lang="ko-KR" altLang="en-US" sz="2400" b="1" dirty="0"/>
+              <a:t>오후</a:t>
+            </a:r>
+            <a:r>
+              <a:rPr lang="en-US" altLang="ko-KR" sz="2400" b="1" dirty="0"/>
+              <a:t>) </a:t>
+            </a:r>
+          </a:p>
+          <a:p>
+            <a:pPr fontAlgn="base"/>
+            <a:r>
+              <a:rPr lang="en-US" altLang="ko-KR" sz="2400" b="1" dirty="0">
+                <a:solidFill>
+                  <a:srgbClr val="FF0000"/>
+                </a:solidFill>
+              </a:rPr>
+              <a:t>45000</a:t>
+            </a:r>
+            <a:r>
+              <a:rPr lang="ko-KR" altLang="en-US" sz="2400" b="1" dirty="0">
+                <a:solidFill>
+                  <a:srgbClr val="FF0000"/>
+                </a:solidFill>
+              </a:rPr>
+              <a:t>원</a:t>
+            </a:r>
+            <a:endParaRPr lang="en-US" altLang="ko-KR" sz="2400" b="1" dirty="0">
+              <a:solidFill>
+                <a:srgbClr val="FF0000"/>
+              </a:solidFill>
+            </a:endParaRPr>
+          </a:p>
+          <a:p>
+            <a:pPr fontAlgn="base"/>
+            <a:r>
+              <a:rPr lang="en-US" altLang="ko-KR" sz="2400" b="1" dirty="0"/>
+              <a:t>(</a:t>
+            </a:r>
+            <a:r>
+              <a:rPr lang="ko-KR" altLang="en-US" sz="2400" b="1" dirty="0"/>
+              <a:t>근무자에게 돌아갈 금액 </a:t>
+            </a:r>
+            <a:r>
+              <a:rPr lang="en-US" altLang="ko-KR" sz="2400" b="1" dirty="0"/>
+              <a:t>40000</a:t>
+            </a:r>
+            <a:r>
+              <a:rPr lang="ko-KR" altLang="en-US" sz="2400" b="1" dirty="0"/>
+              <a:t>원</a:t>
+            </a:r>
+            <a:r>
+              <a:rPr lang="en-US" altLang="ko-KR" sz="2400" b="1" dirty="0"/>
+              <a:t>[</a:t>
+            </a:r>
+            <a:r>
+              <a:rPr lang="ko-KR" altLang="en-US" sz="2400" b="1" dirty="0"/>
+              <a:t>최저시급 </a:t>
+            </a:r>
+            <a:r>
+              <a:rPr lang="en-US" altLang="ko-KR" sz="2400" b="1" dirty="0"/>
+              <a:t>6450 * 4 + </a:t>
+            </a:r>
+            <a:r>
+              <a:rPr lang="ko-KR" altLang="en-US" sz="2400" b="1" dirty="0"/>
+              <a:t>처우개선비</a:t>
+            </a:r>
+            <a:r>
+              <a:rPr lang="en-US" altLang="ko-KR" sz="2400" b="1" dirty="0"/>
+              <a:t>[</a:t>
+            </a:r>
+            <a:r>
+              <a:rPr lang="ko-KR" altLang="en-US" sz="2400" b="1" dirty="0"/>
+              <a:t>방문요양 </a:t>
+            </a:r>
+            <a:r>
+              <a:rPr lang="en-US" altLang="ko-KR" sz="2400" b="1" dirty="0"/>
+              <a:t>2500</a:t>
+            </a:r>
+            <a:r>
+              <a:rPr lang="ko-KR" altLang="en-US" sz="2400" b="1" dirty="0"/>
+              <a:t>원 </a:t>
+            </a:r>
+            <a:r>
+              <a:rPr lang="en-US" altLang="ko-KR" sz="2400" b="1" dirty="0"/>
+              <a:t>+ 3</a:t>
+            </a:r>
+            <a:r>
+              <a:rPr lang="ko-KR" altLang="en-US" sz="2400" b="1" dirty="0"/>
+              <a:t>시간 이상 </a:t>
+            </a:r>
+            <a:r>
+              <a:rPr lang="en-US" altLang="ko-KR" sz="2400" b="1" dirty="0"/>
+              <a:t>6</a:t>
+            </a:r>
+            <a:r>
+              <a:rPr lang="ko-KR" altLang="en-US" sz="2400" b="1" dirty="0"/>
+              <a:t>시간 미만 </a:t>
+            </a:r>
+            <a:r>
+              <a:rPr lang="en-US" altLang="ko-KR" sz="2400" b="1" dirty="0"/>
+              <a:t>270] + </a:t>
+            </a:r>
+            <a:r>
+              <a:rPr lang="ko-KR" altLang="en-US" sz="2400" b="1" dirty="0" err="1"/>
+              <a:t>방문시</a:t>
+            </a:r>
+            <a:r>
+              <a:rPr lang="ko-KR" altLang="en-US" sz="2400" b="1" dirty="0"/>
+              <a:t> 교통비 약 </a:t>
+            </a:r>
+            <a:r>
+              <a:rPr lang="en-US" altLang="ko-KR" sz="2400" b="1" dirty="0"/>
+              <a:t>2300</a:t>
+            </a:r>
+            <a:r>
+              <a:rPr lang="ko-KR" altLang="en-US" sz="2400" b="1" dirty="0"/>
+              <a:t>원 등 </a:t>
+            </a:r>
+            <a:r>
+              <a:rPr lang="en-US" altLang="ko-KR" sz="2400" b="1" dirty="0"/>
+              <a:t>] </a:t>
+            </a:r>
+          </a:p>
+          <a:p>
+            <a:pPr fontAlgn="base"/>
+            <a:r>
+              <a:rPr lang="en-US" altLang="ko-KR" sz="2400" b="1" dirty="0"/>
+              <a:t>+ </a:t>
+            </a:r>
+            <a:r>
+              <a:rPr lang="ko-KR" altLang="en-US" sz="2400" b="1" dirty="0"/>
+              <a:t>중계수수료 </a:t>
+            </a:r>
+            <a:r>
+              <a:rPr lang="en-US" altLang="ko-KR" sz="2400" b="1" dirty="0"/>
+              <a:t>5000</a:t>
+            </a:r>
+            <a:r>
+              <a:rPr lang="ko-KR" altLang="en-US" sz="2400" b="1" dirty="0"/>
+              <a:t>원</a:t>
+            </a:r>
+            <a:r>
+              <a:rPr lang="en-US" altLang="ko-KR" sz="2400" b="1" dirty="0"/>
+              <a:t>)</a:t>
+            </a:r>
+            <a:endParaRPr lang="ko-KR" altLang="en-US" sz="2400" b="1" dirty="0"/>
+          </a:p>
+          <a:p>
+            <a:pPr fontAlgn="base"/>
+            <a:endParaRPr lang="en-US" altLang="ko-KR" sz="2400" b="1" dirty="0"/>
+          </a:p>
+          <a:p>
+            <a:pPr fontAlgn="base"/>
+            <a:r>
+              <a:rPr lang="en-US" altLang="ko-KR" sz="2400" b="1" dirty="0">
+                <a:solidFill>
+                  <a:srgbClr val="FF0000"/>
+                </a:solidFill>
+              </a:rPr>
+              <a:t>8</a:t>
+            </a:r>
+            <a:r>
+              <a:rPr lang="ko-KR" altLang="en-US" sz="2400" b="1" dirty="0">
+                <a:solidFill>
+                  <a:srgbClr val="FF0000"/>
+                </a:solidFill>
+              </a:rPr>
+              <a:t>시간</a:t>
+            </a:r>
+            <a:r>
+              <a:rPr lang="ko-KR" altLang="en-US" sz="2400" b="1" dirty="0"/>
+              <a:t>일 경우 </a:t>
+            </a:r>
+            <a:r>
+              <a:rPr lang="en-US" altLang="ko-KR" sz="2400" b="1" dirty="0"/>
+              <a:t>(</a:t>
+            </a:r>
+            <a:r>
+              <a:rPr lang="ko-KR" altLang="en-US" sz="2400" b="1" dirty="0"/>
+              <a:t>오전</a:t>
+            </a:r>
+            <a:r>
+              <a:rPr lang="en-US" altLang="ko-KR" sz="2400" b="1" dirty="0"/>
+              <a:t>/</a:t>
+            </a:r>
+            <a:r>
+              <a:rPr lang="ko-KR" altLang="en-US" sz="2400" b="1" dirty="0"/>
+              <a:t>오후</a:t>
+            </a:r>
+            <a:r>
+              <a:rPr lang="en-US" altLang="ko-KR" sz="2400" b="1" dirty="0"/>
+              <a:t>[</a:t>
+            </a:r>
+            <a:r>
+              <a:rPr lang="ko-KR" altLang="en-US" sz="2400" b="1" dirty="0"/>
+              <a:t>오전</a:t>
+            </a:r>
+            <a:r>
+              <a:rPr lang="en-US" altLang="ko-KR" sz="2400" b="1" dirty="0"/>
+              <a:t>8</a:t>
+            </a:r>
+            <a:r>
+              <a:rPr lang="ko-KR" altLang="en-US" sz="2400" b="1" dirty="0"/>
+              <a:t>시</a:t>
+            </a:r>
+            <a:r>
+              <a:rPr lang="en-US" altLang="ko-KR" sz="2400" b="1" dirty="0"/>
+              <a:t>~</a:t>
+            </a:r>
+            <a:r>
+              <a:rPr lang="ko-KR" altLang="en-US" sz="2400" b="1" dirty="0"/>
+              <a:t>오후</a:t>
+            </a:r>
+            <a:r>
+              <a:rPr lang="en-US" altLang="ko-KR" sz="2400" b="1" dirty="0"/>
+              <a:t>10</a:t>
+            </a:r>
+            <a:r>
+              <a:rPr lang="ko-KR" altLang="en-US" sz="2400" b="1" dirty="0"/>
+              <a:t>시 사이</a:t>
+            </a:r>
+            <a:r>
+              <a:rPr lang="en-US" altLang="ko-KR" sz="2400" b="1" dirty="0"/>
+              <a:t>]) </a:t>
+            </a:r>
+          </a:p>
+          <a:p>
+            <a:pPr fontAlgn="base"/>
+            <a:r>
+              <a:rPr lang="en-US" altLang="ko-KR" sz="2400" b="1" dirty="0">
+                <a:solidFill>
+                  <a:srgbClr val="FF0000"/>
+                </a:solidFill>
+              </a:rPr>
+              <a:t>85000</a:t>
+            </a:r>
+            <a:r>
+              <a:rPr lang="ko-KR" altLang="en-US" sz="2400" b="1" dirty="0">
+                <a:solidFill>
+                  <a:srgbClr val="FF0000"/>
+                </a:solidFill>
+              </a:rPr>
+              <a:t>원</a:t>
+            </a:r>
+            <a:endParaRPr lang="ko-KR" altLang="en-US" sz="2400" b="1" dirty="0"/>
+          </a:p>
+          <a:p>
+            <a:pPr fontAlgn="base"/>
+            <a:endParaRPr lang="en-US" altLang="ko-KR" sz="2400" b="1" dirty="0"/>
+          </a:p>
+          <a:p>
+            <a:pPr fontAlgn="base"/>
+            <a:r>
+              <a:rPr lang="en-US" altLang="ko-KR" sz="2000" b="1" dirty="0"/>
+              <a:t># </a:t>
+            </a:r>
+            <a:r>
+              <a:rPr lang="ko-KR" altLang="en-US" sz="2000" b="1" dirty="0"/>
+              <a:t>오후</a:t>
+            </a:r>
+            <a:r>
+              <a:rPr lang="en-US" altLang="ko-KR" sz="2000" b="1" dirty="0"/>
+              <a:t>10</a:t>
+            </a:r>
+            <a:r>
+              <a:rPr lang="ko-KR" altLang="en-US" sz="2000" b="1" dirty="0"/>
+              <a:t>시</a:t>
+            </a:r>
+            <a:r>
+              <a:rPr lang="en-US" altLang="ko-KR" sz="2000" b="1" dirty="0"/>
+              <a:t>~</a:t>
+            </a:r>
+            <a:r>
+              <a:rPr lang="ko-KR" altLang="en-US" sz="2000" b="1" dirty="0"/>
+              <a:t>아침 </a:t>
+            </a:r>
+            <a:r>
+              <a:rPr lang="en-US" altLang="ko-KR" sz="2000" b="1" dirty="0"/>
+              <a:t>8</a:t>
+            </a:r>
+            <a:r>
+              <a:rPr lang="ko-KR" altLang="en-US" sz="2000" b="1" dirty="0"/>
+              <a:t>시 야간의 경우 중계수수료를 뺀 금액에서 </a:t>
+            </a:r>
+            <a:r>
+              <a:rPr lang="en-US" altLang="ko-KR" sz="2000" b="1" dirty="0">
+                <a:solidFill>
+                  <a:srgbClr val="FF0000"/>
+                </a:solidFill>
+              </a:rPr>
+              <a:t>1.5</a:t>
+            </a:r>
+            <a:r>
+              <a:rPr lang="ko-KR" altLang="en-US" sz="2000" b="1" dirty="0">
+                <a:solidFill>
+                  <a:srgbClr val="FF0000"/>
+                </a:solidFill>
+              </a:rPr>
+              <a:t>배</a:t>
+            </a:r>
+            <a:r>
+              <a:rPr lang="en-US" altLang="ko-KR" sz="2000" b="1" dirty="0"/>
+              <a:t>(</a:t>
+            </a:r>
+            <a:r>
+              <a:rPr lang="ko-KR" altLang="en-US" sz="2000" b="1" dirty="0"/>
+              <a:t>야간수당</a:t>
+            </a:r>
+            <a:r>
+              <a:rPr lang="en-US" altLang="ko-KR" sz="2000" b="1" dirty="0"/>
+              <a:t>)</a:t>
+            </a:r>
+            <a:endParaRPr lang="ko-KR" altLang="en-US" sz="2000" b="1" dirty="0"/>
+          </a:p>
+          <a:p>
+            <a:pPr fontAlgn="base"/>
+            <a:r>
+              <a:rPr lang="ko-KR" altLang="en-US" sz="2000" b="1" dirty="0"/>
+              <a:t>아동의 경우 </a:t>
+            </a:r>
+            <a:r>
+              <a:rPr lang="ko-KR" altLang="en-US" sz="2000" b="1" dirty="0" err="1"/>
+              <a:t>등하교</a:t>
+            </a:r>
+            <a:r>
+              <a:rPr lang="en-US" altLang="ko-KR" sz="2000" b="1" dirty="0"/>
+              <a:t>/</a:t>
+            </a:r>
+            <a:r>
+              <a:rPr lang="ko-KR" altLang="en-US" sz="2000" b="1" dirty="0" err="1"/>
+              <a:t>등하원</a:t>
+            </a:r>
+            <a:r>
+              <a:rPr lang="ko-KR" altLang="en-US" sz="2000" b="1" dirty="0"/>
+              <a:t> 서비스 </a:t>
+            </a:r>
+            <a:r>
+              <a:rPr lang="en-US" altLang="ko-KR" sz="2000" b="1" dirty="0">
+                <a:solidFill>
+                  <a:srgbClr val="FF0000"/>
+                </a:solidFill>
+              </a:rPr>
+              <a:t>1</a:t>
+            </a:r>
+            <a:r>
+              <a:rPr lang="ko-KR" altLang="en-US" sz="2000" b="1" dirty="0">
+                <a:solidFill>
+                  <a:srgbClr val="FF0000"/>
+                </a:solidFill>
+              </a:rPr>
+              <a:t>만원</a:t>
+            </a:r>
+            <a:r>
+              <a:rPr lang="ko-KR" altLang="en-US" sz="2000" b="1" dirty="0"/>
+              <a:t> </a:t>
+            </a:r>
+            <a:r>
+              <a:rPr lang="en-US" altLang="ko-KR" sz="2000" b="1" dirty="0"/>
+              <a:t>(</a:t>
+            </a:r>
+            <a:r>
+              <a:rPr lang="ko-KR" altLang="en-US" sz="2000" b="1" dirty="0"/>
+              <a:t>수수료 천원</a:t>
+            </a:r>
+            <a:r>
+              <a:rPr lang="en-US" altLang="ko-KR" sz="2000" b="1" dirty="0"/>
+              <a:t>,</a:t>
+            </a:r>
+            <a:r>
+              <a:rPr lang="ko-KR" altLang="en-US" sz="2000" b="1" dirty="0"/>
+              <a:t> </a:t>
+            </a:r>
+            <a:r>
+              <a:rPr lang="en-US" altLang="ko-KR" sz="2000" b="1" dirty="0"/>
+              <a:t>9</a:t>
+            </a:r>
+            <a:r>
+              <a:rPr lang="ko-KR" altLang="en-US" sz="2000" b="1" dirty="0"/>
+              <a:t>천원은 근무자에게 </a:t>
+            </a:r>
+            <a:r>
+              <a:rPr lang="ko-KR" altLang="en-US" sz="2000" b="1" dirty="0" err="1"/>
+              <a:t>돌아감</a:t>
+            </a:r>
+            <a:r>
+              <a:rPr lang="en-US" altLang="ko-KR" sz="2000" b="1" dirty="0"/>
+              <a:t>)</a:t>
+            </a:r>
+            <a:endParaRPr lang="ko-KR" altLang="en-US" sz="2000" b="1" dirty="0"/>
+          </a:p>
+          <a:p>
+            <a:pPr fontAlgn="base"/>
+            <a:r>
+              <a:rPr lang="en-US" altLang="ko-KR" sz="2000" b="1" dirty="0"/>
+              <a:t># </a:t>
+            </a:r>
+            <a:r>
+              <a:rPr lang="ko-KR" altLang="en-US" sz="2000" b="1" dirty="0"/>
+              <a:t>외출서비스의 경우</a:t>
+            </a:r>
+            <a:r>
+              <a:rPr lang="en-US" altLang="ko-KR" sz="2000" b="1" dirty="0"/>
+              <a:t>, </a:t>
+            </a:r>
+            <a:r>
+              <a:rPr lang="ko-KR" altLang="en-US" sz="2000" b="1" dirty="0"/>
+              <a:t>가는데 드는 교통비는 보비서비스 신청자 부담</a:t>
+            </a:r>
+          </a:p>
+        </p:txBody>
+      </p:sp>
+    </p:spTree>
+    <p:extLst>
+      <p:ext uri="{BB962C8B-B14F-4D97-AF65-F5344CB8AC3E}">
+        <p14:creationId xmlns:p14="http://schemas.microsoft.com/office/powerpoint/2010/main" val="601372931"/>
+      </p:ext>
+    </p:extLst>
+  </p:cSld>
+  <p:clrMapOvr>
+    <a:masterClrMapping/>
+  </p:clrMapOvr>
+  <p:transition/>
+</p:sld>
+</file>
+
+<file path=ppt/slides/slide13.xml><?xml version="1.0" encoding="utf-8"?>
+<p:sld xmlns:a="http://schemas.openxmlformats.org/drawingml/2006/main" xmlns:r="http://schemas.openxmlformats.org/officeDocument/2006/relationships" xmlns:p="http://schemas.openxmlformats.org/presentationml/2006/main">
+  <p:cSld>
+    <p:bg>
+      <p:bgPr>
+        <a:solidFill>
+          <a:srgbClr val="F7F7F7"/>
+        </a:solidFill>
+        <a:effectLst/>
+      </p:bgPr>
+    </p:bg>
+    <p:spTree>
+      <p:nvGrpSpPr>
+        <p:cNvPr id="1" name=""/>
+        <p:cNvGrpSpPr/>
+        <p:nvPr/>
+      </p:nvGrpSpPr>
+      <p:grpSpPr>
+        <a:xfrm>
+          <a:off x="0" y="0"/>
+          <a:ext cx="0" cy="0"/>
+          <a:chOff x="0" y="0"/>
+          <a:chExt cx="0" cy="0"/>
+        </a:xfrm>
+      </p:grpSpPr>
+      <p:sp>
+        <p:nvSpPr>
+          <p:cNvPr id="3" name="TextBox 2"/>
+          <p:cNvSpPr txBox="1"/>
+          <p:nvPr/>
+        </p:nvSpPr>
+        <p:spPr>
+          <a:xfrm>
+            <a:off x="270933" y="237069"/>
+            <a:ext cx="2782781" cy="570651"/>
+          </a:xfrm>
+          <a:prstGeom prst="rect">
+            <a:avLst/>
+          </a:prstGeom>
+          <a:noFill/>
+        </p:spPr>
+        <p:txBody>
+          <a:bodyPr wrap="none">
+            <a:spAutoFit/>
+          </a:bodyPr>
+          <a:lstStyle/>
+          <a:p>
+            <a:pPr lvl="0">
               <a:defRPr lang="ko-KR" altLang="en-US"/>
             </a:pPr>
             <a:r>
-              <a:rPr lang="ko-KR" altLang="en-US" b="1"/>
-              <a:t>종류 및 시간)</a:t>
-            </a:r>
-            <a:endParaRPr lang="ko-KR" altLang="en-US" b="1"/>
-          </a:p>
-        </p:txBody>
-      </p:sp>
-      <p:sp>
-        <p:nvSpPr>
-          <p:cNvPr id="51" name=""/>
-          <p:cNvSpPr txBox="1"/>
-          <p:nvPr/>
-        </p:nvSpPr>
-        <p:spPr>
-          <a:xfrm>
-            <a:off x="8519584" y="3429000"/>
-            <a:ext cx="1428750" cy="906145"/>
+              <a:rPr lang="ko-KR" altLang="en-US" sz="3200" b="1">
+                <a:solidFill>
+                  <a:srgbClr val="3F2124"/>
+                </a:solidFill>
+                <a:latin typeface="나눔바른고딕"/>
+                <a:ea typeface="나눔바른고딕"/>
+              </a:rPr>
+              <a:t>국내 경쟁 모델</a:t>
+            </a:r>
+          </a:p>
+        </p:txBody>
+      </p:sp>
+      <p:grpSp>
+        <p:nvGrpSpPr>
+          <p:cNvPr id="5" name="그룹 4"/>
+          <p:cNvGrpSpPr/>
+          <p:nvPr/>
+        </p:nvGrpSpPr>
+        <p:grpSpPr>
+          <a:xfrm>
+            <a:off x="-2977" y="6284686"/>
+            <a:ext cx="12194977" cy="573314"/>
+            <a:chOff x="-2977" y="6284686"/>
+            <a:chExt cx="12194977" cy="573314"/>
+          </a:xfrm>
+        </p:grpSpPr>
+        <p:sp>
+          <p:nvSpPr>
+            <p:cNvPr id="6" name="직사각형 5"/>
+            <p:cNvSpPr/>
+            <p:nvPr/>
+          </p:nvSpPr>
+          <p:spPr>
+            <a:xfrm>
+              <a:off x="0" y="6284686"/>
+              <a:ext cx="12192000" cy="573314"/>
+            </a:xfrm>
+            <a:prstGeom prst="rect">
+              <a:avLst/>
+            </a:prstGeom>
+            <a:solidFill>
+              <a:srgbClr val="EC515F"/>
+            </a:solidFill>
+            <a:ln>
+              <a:noFill/>
+            </a:ln>
+          </p:spPr>
+          <p:style>
+            <a:lnRef idx="2">
+              <a:schemeClr val="accent1">
+                <a:shade val="50000"/>
+              </a:schemeClr>
+            </a:lnRef>
+            <a:fillRef idx="1">
+              <a:schemeClr val="accent1"/>
+            </a:fillRef>
+            <a:effectRef idx="0">
+              <a:schemeClr val="accent1"/>
+            </a:effectRef>
+            <a:fontRef idx="minor">
+              <a:schemeClr val="lt1"/>
+            </a:fontRef>
+          </p:style>
+          <p:txBody>
+            <a:bodyPr anchor="ctr"/>
+            <a:lstStyle/>
+            <a:p>
+              <a:pPr algn="ctr">
+                <a:defRPr lang="ko-KR" altLang="en-US"/>
+              </a:pPr>
+              <a:endParaRPr lang="ko-KR" altLang="en-US">
+                <a:solidFill>
+                  <a:srgbClr val="EC515F"/>
+                </a:solidFill>
+              </a:endParaRPr>
+            </a:p>
+          </p:txBody>
+        </p:sp>
+        <p:sp>
+          <p:nvSpPr>
+            <p:cNvPr id="7" name="이등변 삼각형 6"/>
+            <p:cNvSpPr/>
+            <p:nvPr/>
+          </p:nvSpPr>
+          <p:spPr>
+            <a:xfrm>
+              <a:off x="6043043" y="6284686"/>
+              <a:ext cx="5792537" cy="573314"/>
+            </a:xfrm>
+            <a:prstGeom prst="triangle">
+              <a:avLst>
+                <a:gd name="adj" fmla="val 50000"/>
+              </a:avLst>
+            </a:prstGeom>
+            <a:solidFill>
+              <a:srgbClr val="F47682"/>
+            </a:solidFill>
+            <a:ln>
+              <a:noFill/>
+            </a:ln>
+          </p:spPr>
+          <p:style>
+            <a:lnRef idx="2">
+              <a:schemeClr val="accent1">
+                <a:shade val="50000"/>
+              </a:schemeClr>
+            </a:lnRef>
+            <a:fillRef idx="1">
+              <a:schemeClr val="accent1"/>
+            </a:fillRef>
+            <a:effectRef idx="0">
+              <a:schemeClr val="accent1"/>
+            </a:effectRef>
+            <a:fontRef idx="minor">
+              <a:schemeClr val="lt1"/>
+            </a:fontRef>
+          </p:style>
+          <p:txBody>
+            <a:bodyPr anchor="ctr"/>
+            <a:lstStyle/>
+            <a:p>
+              <a:pPr algn="ctr">
+                <a:defRPr lang="ko-KR" altLang="en-US"/>
+              </a:pPr>
+              <a:endParaRPr lang="ko-KR" altLang="en-US"/>
+            </a:p>
+          </p:txBody>
+        </p:sp>
+        <p:sp>
+          <p:nvSpPr>
+            <p:cNvPr id="8" name="이등변 삼각형 7"/>
+            <p:cNvSpPr/>
+            <p:nvPr/>
+          </p:nvSpPr>
+          <p:spPr>
+            <a:xfrm rot="10800000">
+              <a:off x="-2977" y="6284686"/>
+              <a:ext cx="5689600" cy="573314"/>
+            </a:xfrm>
+            <a:prstGeom prst="triangle">
+              <a:avLst>
+                <a:gd name="adj" fmla="val 50000"/>
+              </a:avLst>
+            </a:prstGeom>
+            <a:solidFill>
+              <a:srgbClr val="F47682"/>
+            </a:solidFill>
+            <a:ln>
+              <a:noFill/>
+            </a:ln>
+          </p:spPr>
+          <p:style>
+            <a:lnRef idx="2">
+              <a:schemeClr val="accent1">
+                <a:shade val="50000"/>
+              </a:schemeClr>
+            </a:lnRef>
+            <a:fillRef idx="1">
+              <a:schemeClr val="accent1"/>
+            </a:fillRef>
+            <a:effectRef idx="0">
+              <a:schemeClr val="accent1"/>
+            </a:effectRef>
+            <a:fontRef idx="minor">
+              <a:schemeClr val="lt1"/>
+            </a:fontRef>
+          </p:style>
+          <p:txBody>
+            <a:bodyPr anchor="ctr"/>
+            <a:lstStyle/>
+            <a:p>
+              <a:pPr algn="ctr">
+                <a:defRPr lang="ko-KR" altLang="en-US"/>
+              </a:pPr>
+              <a:endParaRPr lang="ko-KR" altLang="en-US"/>
+            </a:p>
+          </p:txBody>
+        </p:sp>
+      </p:grpSp>
+      <p:sp>
+        <p:nvSpPr>
+          <p:cNvPr id="9" name="직사각형 8"/>
+          <p:cNvSpPr/>
+          <p:nvPr/>
+        </p:nvSpPr>
+        <p:spPr>
+          <a:xfrm>
+            <a:off x="1062958" y="1186472"/>
+            <a:ext cx="2675467" cy="1727200"/>
           </a:xfrm>
           <a:prstGeom prst="rect">
             <a:avLst/>
           </a:prstGeom>
-        </p:spPr>
-        <p:txBody>
-          <a:bodyPr wrap="square">
-            <a:spAutoFit/>
-          </a:bodyPr>
-          <a:p>
-            <a:pPr>
-              <a:defRPr lang="ko-KR" altLang="en-US"/>
-            </a:pPr>
-            <a:r>
-              <a:rPr lang="ko-KR" altLang="en-US" b="1"/>
-              <a:t>서비스 받고 싶은 시간 설정</a:t>
-            </a:r>
-            <a:endParaRPr lang="ko-KR" altLang="en-US" b="1"/>
-          </a:p>
-        </p:txBody>
-      </p:sp>
-      <p:sp>
-        <p:nvSpPr>
-          <p:cNvPr id="53" name="타원 20"/>
-          <p:cNvSpPr/>
-          <p:nvPr/>
-        </p:nvSpPr>
-        <p:spPr>
-          <a:xfrm>
-            <a:off x="10722995" y="2436281"/>
-            <a:ext cx="627783" cy="617200"/>
-          </a:xfrm>
-          <a:prstGeom prst="ellipse">
-            <a:avLst/>
-          </a:prstGeom>
-          <a:solidFill>
-            <a:srgbClr val="f47682"/>
-          </a:solidFill>
+          <a:noFill/>
           <a:ln>
-            <a:noFill/>
+            <a:solidFill>
+              <a:schemeClr val="bg1">
+                <a:lumMod val="65000"/>
+              </a:schemeClr>
+            </a:solidFill>
+            <a:prstDash val="dash"/>
           </a:ln>
         </p:spPr>
         <p:style>
@@ -4226,51 +5879,648 @@
             <a:pPr algn="ctr">
               <a:defRPr lang="ko-KR" altLang="en-US"/>
             </a:pPr>
-            <a:endParaRPr lang="ko-KR" altLang="en-US"/>
-          </a:p>
-        </p:txBody>
-      </p:sp>
-      <p:sp>
-        <p:nvSpPr>
-          <p:cNvPr id="56" name=""/>
-          <p:cNvSpPr txBox="1"/>
-          <p:nvPr/>
-        </p:nvSpPr>
-        <p:spPr>
-          <a:xfrm>
-            <a:off x="10419292" y="3428999"/>
-            <a:ext cx="1407584" cy="905087"/>
+            <a:r>
+              <a:rPr lang="ko-KR" altLang="en-US">
+                <a:solidFill>
+                  <a:schemeClr val="bg1">
+                    <a:lumMod val="65000"/>
+                  </a:schemeClr>
+                </a:solidFill>
+              </a:rPr>
+              <a:t>이미지삽입</a:t>
+            </a:r>
+          </a:p>
+        </p:txBody>
+      </p:sp>
+      <p:sp>
+        <p:nvSpPr>
+          <p:cNvPr id="10" name="직사각형 9"/>
+          <p:cNvSpPr/>
+          <p:nvPr/>
+        </p:nvSpPr>
+        <p:spPr>
+          <a:xfrm>
+            <a:off x="4771358" y="1186472"/>
+            <a:ext cx="2675467" cy="1727200"/>
           </a:xfrm>
           <a:prstGeom prst="rect">
             <a:avLst/>
           </a:prstGeom>
+          <a:noFill/>
+          <a:ln>
+            <a:solidFill>
+              <a:schemeClr val="bg1">
+                <a:lumMod val="65000"/>
+              </a:schemeClr>
+            </a:solidFill>
+            <a:prstDash val="dash"/>
+          </a:ln>
+        </p:spPr>
+        <p:style>
+          <a:lnRef idx="2">
+            <a:schemeClr val="accent1">
+              <a:shade val="50000"/>
+            </a:schemeClr>
+          </a:lnRef>
+          <a:fillRef idx="1">
+            <a:schemeClr val="accent1"/>
+          </a:fillRef>
+          <a:effectRef idx="0">
+            <a:schemeClr val="accent1"/>
+          </a:effectRef>
+          <a:fontRef idx="minor">
+            <a:schemeClr val="lt1"/>
+          </a:fontRef>
+        </p:style>
+        <p:txBody>
+          <a:bodyPr anchor="ctr"/>
+          <a:lstStyle/>
+          <a:p>
+            <a:pPr algn="ctr">
+              <a:defRPr lang="ko-KR" altLang="en-US"/>
+            </a:pPr>
+            <a:r>
+              <a:rPr lang="ko-KR" altLang="en-US">
+                <a:solidFill>
+                  <a:schemeClr val="bg1">
+                    <a:lumMod val="65000"/>
+                  </a:schemeClr>
+                </a:solidFill>
+              </a:rPr>
+              <a:t>아미지삽입</a:t>
+            </a:r>
+          </a:p>
+        </p:txBody>
+      </p:sp>
+      <p:sp>
+        <p:nvSpPr>
+          <p:cNvPr id="11" name="직사각형 10"/>
+          <p:cNvSpPr/>
+          <p:nvPr/>
+        </p:nvSpPr>
+        <p:spPr>
+          <a:xfrm>
+            <a:off x="8479758" y="1186472"/>
+            <a:ext cx="2675467" cy="1727200"/>
+          </a:xfrm>
+          <a:prstGeom prst="rect">
+            <a:avLst/>
+          </a:prstGeom>
+          <a:noFill/>
+          <a:ln>
+            <a:solidFill>
+              <a:schemeClr val="bg1">
+                <a:lumMod val="65000"/>
+              </a:schemeClr>
+            </a:solidFill>
+            <a:prstDash val="dash"/>
+          </a:ln>
+        </p:spPr>
+        <p:style>
+          <a:lnRef idx="2">
+            <a:schemeClr val="accent1">
+              <a:shade val="50000"/>
+            </a:schemeClr>
+          </a:lnRef>
+          <a:fillRef idx="1">
+            <a:schemeClr val="accent1"/>
+          </a:fillRef>
+          <a:effectRef idx="0">
+            <a:schemeClr val="accent1"/>
+          </a:effectRef>
+          <a:fontRef idx="minor">
+            <a:schemeClr val="lt1"/>
+          </a:fontRef>
+        </p:style>
+        <p:txBody>
+          <a:bodyPr anchor="ctr"/>
+          <a:lstStyle/>
+          <a:p>
+            <a:pPr algn="ctr">
+              <a:defRPr lang="ko-KR" altLang="en-US"/>
+            </a:pPr>
+            <a:r>
+              <a:rPr lang="ko-KR" altLang="en-US">
+                <a:solidFill>
+                  <a:schemeClr val="bg1">
+                    <a:lumMod val="65000"/>
+                  </a:schemeClr>
+                </a:solidFill>
+              </a:rPr>
+              <a:t>이미지삽입</a:t>
+            </a:r>
+          </a:p>
+        </p:txBody>
+      </p:sp>
+      <p:sp>
+        <p:nvSpPr>
+          <p:cNvPr id="16" name="모서리가 둥근 직사각형 15"/>
+          <p:cNvSpPr/>
+          <p:nvPr/>
+        </p:nvSpPr>
+        <p:spPr>
+          <a:xfrm>
+            <a:off x="1399241" y="3244334"/>
+            <a:ext cx="2002901" cy="369332"/>
+          </a:xfrm>
+          <a:prstGeom prst="roundRect">
+            <a:avLst>
+              <a:gd name="adj" fmla="val 16667"/>
+            </a:avLst>
+          </a:prstGeom>
+          <a:solidFill>
+            <a:srgbClr val="EC515F"/>
+          </a:solidFill>
+          <a:ln>
+            <a:noFill/>
+          </a:ln>
+        </p:spPr>
+        <p:style>
+          <a:lnRef idx="2">
+            <a:schemeClr val="accent1">
+              <a:shade val="50000"/>
+            </a:schemeClr>
+          </a:lnRef>
+          <a:fillRef idx="1">
+            <a:schemeClr val="accent1"/>
+          </a:fillRef>
+          <a:effectRef idx="0">
+            <a:schemeClr val="accent1"/>
+          </a:effectRef>
+          <a:fontRef idx="minor">
+            <a:schemeClr val="lt1"/>
+          </a:fontRef>
+        </p:style>
+        <p:txBody>
+          <a:bodyPr anchor="ctr"/>
+          <a:lstStyle/>
+          <a:p>
+            <a:pPr algn="ctr">
+              <a:defRPr lang="ko-KR" altLang="en-US"/>
+            </a:pPr>
+            <a:r>
+              <a:rPr lang="ko-KR" altLang="en-US" b="1">
+                <a:latin typeface="나눔바른고딕"/>
+                <a:ea typeface="나눔바른고딕"/>
+              </a:rPr>
+              <a:t>급구</a:t>
+            </a:r>
+          </a:p>
+        </p:txBody>
+      </p:sp>
+      <p:sp>
+        <p:nvSpPr>
+          <p:cNvPr id="17" name="모서리가 둥근 직사각형 16"/>
+          <p:cNvSpPr/>
+          <p:nvPr/>
+        </p:nvSpPr>
+        <p:spPr>
+          <a:xfrm>
+            <a:off x="5107641" y="3244334"/>
+            <a:ext cx="2002901" cy="580999"/>
+          </a:xfrm>
+          <a:prstGeom prst="roundRect">
+            <a:avLst>
+              <a:gd name="adj" fmla="val 16667"/>
+            </a:avLst>
+          </a:prstGeom>
+          <a:solidFill>
+            <a:srgbClr val="EC515F"/>
+          </a:solidFill>
+          <a:ln>
+            <a:noFill/>
+          </a:ln>
+        </p:spPr>
+        <p:style>
+          <a:lnRef idx="2">
+            <a:schemeClr val="accent1">
+              <a:shade val="50000"/>
+            </a:schemeClr>
+          </a:lnRef>
+          <a:fillRef idx="1">
+            <a:schemeClr val="accent1"/>
+          </a:fillRef>
+          <a:effectRef idx="0">
+            <a:schemeClr val="accent1"/>
+          </a:effectRef>
+          <a:fontRef idx="minor">
+            <a:schemeClr val="lt1"/>
+          </a:fontRef>
+        </p:style>
+        <p:txBody>
+          <a:bodyPr anchor="ctr"/>
+          <a:lstStyle/>
+          <a:p>
+            <a:pPr algn="ctr">
+              <a:defRPr lang="ko-KR" altLang="en-US"/>
+            </a:pPr>
+            <a:r>
+              <a:rPr lang="ko-KR" altLang="en-US" b="1">
+                <a:latin typeface="나눔바른고딕"/>
+                <a:ea typeface="나눔바른고딕"/>
+              </a:rPr>
+              <a:t>1등부업 드림큐 단기알바</a:t>
+            </a:r>
+          </a:p>
+        </p:txBody>
+      </p:sp>
+      <p:sp>
+        <p:nvSpPr>
+          <p:cNvPr id="18" name="모서리가 둥근 직사각형 17"/>
+          <p:cNvSpPr/>
+          <p:nvPr/>
+        </p:nvSpPr>
+        <p:spPr>
+          <a:xfrm>
+            <a:off x="8816041" y="3244334"/>
+            <a:ext cx="2002901" cy="369332"/>
+          </a:xfrm>
+          <a:prstGeom prst="roundRect">
+            <a:avLst>
+              <a:gd name="adj" fmla="val 16667"/>
+            </a:avLst>
+          </a:prstGeom>
+          <a:solidFill>
+            <a:srgbClr val="EC515F"/>
+          </a:solidFill>
+          <a:ln>
+            <a:noFill/>
+          </a:ln>
+        </p:spPr>
+        <p:style>
+          <a:lnRef idx="2">
+            <a:schemeClr val="accent1">
+              <a:shade val="50000"/>
+            </a:schemeClr>
+          </a:lnRef>
+          <a:fillRef idx="1">
+            <a:schemeClr val="accent1"/>
+          </a:fillRef>
+          <a:effectRef idx="0">
+            <a:schemeClr val="accent1"/>
+          </a:effectRef>
+          <a:fontRef idx="minor">
+            <a:schemeClr val="lt1"/>
+          </a:fontRef>
+        </p:style>
+        <p:txBody>
+          <a:bodyPr anchor="ctr"/>
+          <a:lstStyle/>
+          <a:p>
+            <a:pPr algn="ctr">
+              <a:defRPr lang="ko-KR" altLang="en-US"/>
+            </a:pPr>
+            <a:r>
+              <a:rPr lang="ko-KR" altLang="en-US" b="1">
+                <a:latin typeface="나눔바른고딕"/>
+                <a:ea typeface="나눔바른고딕"/>
+              </a:rPr>
+              <a:t>일당천국</a:t>
+            </a:r>
+          </a:p>
+        </p:txBody>
+      </p:sp>
+      <p:sp>
+        <p:nvSpPr>
+          <p:cNvPr id="19" name="TextBox 18"/>
+          <p:cNvSpPr txBox="1"/>
+          <p:nvPr/>
+        </p:nvSpPr>
+        <p:spPr>
+          <a:xfrm>
+            <a:off x="1051183" y="3825529"/>
+            <a:ext cx="2815432" cy="1001741"/>
+          </a:xfrm>
+          <a:prstGeom prst="rect">
+            <a:avLst/>
+          </a:prstGeom>
+          <a:noFill/>
         </p:spPr>
         <p:txBody>
           <a:bodyPr wrap="square">
             <a:spAutoFit/>
           </a:bodyPr>
+          <a:lstStyle/>
           <a:p>
             <a:pPr>
               <a:defRPr lang="ko-KR" altLang="en-US"/>
             </a:pPr>
             <a:r>
-              <a:rPr lang="ko-KR" altLang="en-US" b="1"/>
-              <a:t>특이사항 및 하고싶은 말 입력</a:t>
-            </a:r>
-            <a:endParaRPr lang="ko-KR" altLang="en-US" b="1"/>
-          </a:p>
-        </p:txBody>
-      </p:sp>
+              <a:rPr lang="ko-KR" altLang="en-US" sz="1500">
+                <a:latin typeface="맑은 고딕"/>
+                <a:ea typeface="맑은 고딕"/>
+              </a:rPr>
+              <a:t>-</a:t>
+            </a:r>
+            <a:r>
+              <a:rPr lang="ko-KR" altLang="ko-KR" sz="1500">
+                <a:latin typeface="맑은 고딕"/>
+                <a:ea typeface="맑은 고딕"/>
+              </a:rPr>
+              <a:t>수도권에 집중</a:t>
+            </a:r>
+            <a:r>
+              <a:rPr lang="ko-KR" altLang="en-US" sz="1500">
+                <a:latin typeface="맑은 고딕"/>
+                <a:ea typeface="맑은 고딕"/>
+              </a:rPr>
+              <a:t>됨.</a:t>
+            </a:r>
+          </a:p>
+          <a:p>
+            <a:pPr>
+              <a:defRPr lang="ko-KR" altLang="en-US"/>
+            </a:pPr>
+            <a:r>
+              <a:rPr lang="ko-KR" altLang="en-US" sz="1500">
+                <a:latin typeface="맑은 고딕"/>
+                <a:ea typeface="맑은 고딕"/>
+              </a:rPr>
+              <a:t>-</a:t>
+            </a:r>
+            <a:r>
+              <a:rPr lang="ko-KR" altLang="ko-KR" sz="1500">
+                <a:latin typeface="맑은 고딕"/>
+                <a:ea typeface="맑은 고딕"/>
+              </a:rPr>
+              <a:t>사용자 후기에 따르면 </a:t>
+            </a:r>
+            <a:r>
+              <a:rPr lang="ko-KR" altLang="en-US" sz="1500">
+                <a:latin typeface="맑은 고딕"/>
+                <a:ea typeface="맑은 고딕"/>
+              </a:rPr>
+              <a:t>일반 알바사이트와 다름없고 급구알바가 딱히 없음.</a:t>
+            </a:r>
+          </a:p>
+        </p:txBody>
+      </p:sp>
+      <p:sp>
+        <p:nvSpPr>
+          <p:cNvPr id="20" name="TextBox 19"/>
+          <p:cNvSpPr txBox="1"/>
+          <p:nvPr/>
+        </p:nvSpPr>
+        <p:spPr>
+          <a:xfrm>
+            <a:off x="4572000" y="3952527"/>
+            <a:ext cx="3175265" cy="998568"/>
+          </a:xfrm>
+          <a:prstGeom prst="rect">
+            <a:avLst/>
+          </a:prstGeom>
+          <a:noFill/>
+        </p:spPr>
+        <p:txBody>
+          <a:bodyPr wrap="square">
+            <a:spAutoFit/>
+          </a:bodyPr>
+          <a:lstStyle/>
+          <a:p>
+            <a:pPr>
+              <a:defRPr lang="ko-KR" altLang="en-US"/>
+            </a:pPr>
+            <a:r>
+              <a:rPr lang="ko-KR" altLang="en-US" sz="1500">
+                <a:latin typeface="맑은 고딕"/>
+                <a:ea typeface="맑은 고딕"/>
+              </a:rPr>
+              <a:t>-알바의 양이 적음.</a:t>
+            </a:r>
+          </a:p>
+          <a:p>
+            <a:pPr>
+              <a:defRPr lang="ko-KR" altLang="en-US"/>
+            </a:pPr>
+            <a:r>
+              <a:rPr lang="ko-KR" altLang="en-US" sz="1500">
+                <a:latin typeface="맑은 고딕"/>
+                <a:ea typeface="맑은 고딕"/>
+              </a:rPr>
+              <a:t>-지역이 세분화 되어 있지 않아 적절한 지역의 알바를 찾기 힘듬.</a:t>
+            </a:r>
+          </a:p>
+          <a:p>
+            <a:pPr>
+              <a:defRPr lang="ko-KR" altLang="en-US"/>
+            </a:pPr>
+            <a:r>
+              <a:rPr lang="ko-KR" altLang="ko-KR" sz="1500">
+                <a:latin typeface="맑은 고딕"/>
+                <a:ea typeface="한컴바탕"/>
+              </a:rPr>
+              <a:t>  </a:t>
+            </a:r>
+          </a:p>
+        </p:txBody>
+      </p:sp>
+      <p:sp>
+        <p:nvSpPr>
+          <p:cNvPr id="21" name="TextBox 20"/>
+          <p:cNvSpPr txBox="1"/>
+          <p:nvPr/>
+        </p:nvSpPr>
+        <p:spPr>
+          <a:xfrm>
+            <a:off x="8605567" y="3841128"/>
+            <a:ext cx="2931849" cy="547992"/>
+          </a:xfrm>
+          <a:prstGeom prst="rect">
+            <a:avLst/>
+          </a:prstGeom>
+          <a:noFill/>
+        </p:spPr>
+        <p:txBody>
+          <a:bodyPr wrap="square">
+            <a:spAutoFit/>
+          </a:bodyPr>
+          <a:lstStyle/>
+          <a:p>
+            <a:pPr>
+              <a:defRPr lang="ko-KR" altLang="en-US"/>
+            </a:pPr>
+            <a:r>
+              <a:rPr lang="ko-KR" altLang="en-US" sz="1500">
+                <a:latin typeface="맑은 고딕"/>
+                <a:ea typeface="맑은 고딕"/>
+              </a:rPr>
+              <a:t>-</a:t>
+            </a:r>
+            <a:r>
+              <a:rPr lang="ko-KR" altLang="ko-KR" sz="1500">
+                <a:latin typeface="맑은 고딕"/>
+                <a:ea typeface="맑은 고딕"/>
+              </a:rPr>
+              <a:t>장기 직원만 구함</a:t>
+            </a:r>
+            <a:r>
+              <a:rPr lang="ko-KR" altLang="en-US" sz="1500">
+                <a:latin typeface="맑은 고딕"/>
+                <a:ea typeface="맑은 고딕"/>
+              </a:rPr>
+              <a:t>.</a:t>
+            </a:r>
+          </a:p>
+          <a:p>
+            <a:pPr>
+              <a:defRPr lang="ko-KR" altLang="en-US"/>
+            </a:pPr>
+            <a:r>
+              <a:rPr lang="ko-KR" altLang="en-US" sz="1500">
+                <a:latin typeface="맑은 고딕"/>
+                <a:ea typeface="맑은 고딕"/>
+              </a:rPr>
+              <a:t>-</a:t>
+            </a:r>
+            <a:r>
+              <a:rPr lang="ko-KR" altLang="ko-KR" sz="1500">
+                <a:latin typeface="맑은 고딕"/>
+                <a:ea typeface="맑은 고딕"/>
+              </a:rPr>
+              <a:t>푸쉬알람이 너무 많이 뜸.</a:t>
+            </a:r>
+          </a:p>
+        </p:txBody>
+      </p:sp>
+      <p:sp>
+        <p:nvSpPr>
+          <p:cNvPr id="22" name="TextBox 21"/>
+          <p:cNvSpPr txBox="1"/>
+          <p:nvPr/>
+        </p:nvSpPr>
+        <p:spPr>
+          <a:xfrm>
+            <a:off x="545042" y="5270500"/>
+            <a:ext cx="11419416" cy="366395"/>
+          </a:xfrm>
+          <a:prstGeom prst="rect">
+            <a:avLst/>
+          </a:prstGeom>
+        </p:spPr>
+        <p:txBody>
+          <a:bodyPr wrap="square">
+            <a:spAutoFit/>
+          </a:bodyPr>
+          <a:lstStyle/>
+          <a:p>
+            <a:pPr>
+              <a:defRPr lang="ko-KR" altLang="en-US"/>
+            </a:pPr>
+            <a:r>
+              <a:rPr lang="ko-KR" altLang="en-US" b="1">
+                <a:solidFill>
+                  <a:srgbClr val="EC515F"/>
+                </a:solidFill>
+                <a:latin typeface="맑은 고딕"/>
+                <a:ea typeface="맑은 고딕"/>
+              </a:rPr>
+              <a:t>문제점 보완 :</a:t>
+            </a:r>
+            <a:r>
+              <a:rPr lang="en-US" altLang="ko-KR" b="1">
+                <a:solidFill>
+                  <a:srgbClr val="EC515F"/>
+                </a:solidFill>
+                <a:latin typeface="맑은 고딕"/>
+                <a:ea typeface="맑은 고딕"/>
+              </a:rPr>
+              <a:t> </a:t>
+            </a:r>
+            <a:r>
+              <a:rPr lang="ko-KR" altLang="ko-KR" b="1">
+                <a:solidFill>
+                  <a:srgbClr val="EC515F"/>
+                </a:solidFill>
+                <a:latin typeface="맑은 고딕"/>
+                <a:ea typeface="맑은 고딕"/>
+              </a:rPr>
+              <a:t>세분화된 지역, 단기 알바 위주, 자신이 일하고 싶어하는 날짜 이외의 날엔 알람이 가지 않음.</a:t>
+            </a:r>
+          </a:p>
+        </p:txBody>
+      </p:sp>
+      <p:pic>
+        <p:nvPicPr>
+          <p:cNvPr id="23" name="그림 22"/>
+          <p:cNvPicPr>
+            <a:picLocks noChangeAspect="1"/>
+          </p:cNvPicPr>
+          <p:nvPr/>
+        </p:nvPicPr>
+        <p:blipFill rotWithShape="1">
+          <a:blip r:embed="rId2"/>
+          <a:stretch>
+            <a:fillRect/>
+          </a:stretch>
+        </p:blipFill>
+        <p:spPr>
+          <a:xfrm>
+            <a:off x="1670050" y="1195917"/>
+            <a:ext cx="1413455" cy="1725083"/>
+          </a:xfrm>
+          <a:prstGeom prst="rect">
+            <a:avLst/>
+          </a:prstGeom>
+        </p:spPr>
+      </p:pic>
+      <p:pic>
+        <p:nvPicPr>
+          <p:cNvPr id="24" name="그림 23"/>
+          <p:cNvPicPr>
+            <a:picLocks noChangeAspect="1"/>
+          </p:cNvPicPr>
+          <p:nvPr/>
+        </p:nvPicPr>
+        <p:blipFill rotWithShape="1">
+          <a:blip r:embed="rId3"/>
+          <a:stretch>
+            <a:fillRect/>
+          </a:stretch>
+        </p:blipFill>
+        <p:spPr>
+          <a:xfrm>
+            <a:off x="9144000" y="1185332"/>
+            <a:ext cx="1329267" cy="1703916"/>
+          </a:xfrm>
+          <a:prstGeom prst="rect">
+            <a:avLst/>
+          </a:prstGeom>
+        </p:spPr>
+      </p:pic>
+      <p:pic>
+        <p:nvPicPr>
+          <p:cNvPr id="25" name="그림 24"/>
+          <p:cNvPicPr>
+            <a:picLocks noChangeAspect="1"/>
+          </p:cNvPicPr>
+          <p:nvPr/>
+        </p:nvPicPr>
+        <p:blipFill rotWithShape="1">
+          <a:blip r:embed="rId4"/>
+          <a:stretch>
+            <a:fillRect/>
+          </a:stretch>
+        </p:blipFill>
+        <p:spPr>
+          <a:xfrm>
+            <a:off x="4917016" y="1576916"/>
+            <a:ext cx="2400300" cy="952500"/>
+          </a:xfrm>
+          <a:prstGeom prst="rect">
+            <a:avLst/>
+          </a:prstGeom>
+        </p:spPr>
+      </p:pic>
     </p:spTree>
   </p:cSld>
   <p:clrMapOvr>
     <a:masterClrMapping/>
   </p:clrMapOvr>
-  <p:transition xmlns:mc="http://schemas.openxmlformats.org/markup-compatibility/2006" xmlns:hp="http://schemas.haansoft.com/office/presentation/8.0" mc:Ignorable="hp" hp:hslDur="500"/>
+  <p:transition/>
 </p:sld>
 </file>
 
-<file path=ppt/slides/slide11.xml><?xml version="1.0" encoding="utf-8"?>
+<file path=ppt/slides/slide14.xml><?xml version="1.0" encoding="utf-8"?>
 <p:sld xmlns:a="http://schemas.openxmlformats.org/drawingml/2006/main" xmlns:r="http://schemas.openxmlformats.org/officeDocument/2006/relationships" xmlns:p="http://schemas.openxmlformats.org/presentationml/2006/main">
   <p:cSld>
     <p:bg>
@@ -4501,13 +6751,14 @@
 </file>
 
 <file path=ppt/slides/slide2.xml><?xml version="1.0" encoding="utf-8"?>
-<p:sld xmlns:r="http://schemas.openxmlformats.org/officeDocument/2006/relationships" xmlns:c="http://schemas.openxmlformats.org/drawingml/2006/chart" xmlns:a="http://schemas.openxmlformats.org/drawingml/2006/main" xmlns:dgm="http://schemas.openxmlformats.org/drawingml/2006/diagram" xmlns:dsp="http://schemas.microsoft.com/office/drawing/2008/diagram" xmlns:p="http://schemas.openxmlformats.org/presentationml/2006/main">
+<p:sld xmlns:a="http://schemas.openxmlformats.org/drawingml/2006/main" xmlns:r="http://schemas.openxmlformats.org/officeDocument/2006/relationships" xmlns:p="http://schemas.openxmlformats.org/presentationml/2006/main">
   <p:cSld>
     <p:bg>
-      <p:bgPr shadeToTitle="0">
+      <p:bgPr>
         <a:solidFill>
-          <a:srgbClr val="f7f7f7"/>
+          <a:srgbClr val="F7F7F7"/>
         </a:solidFill>
+        <a:effectLst/>
       </p:bgPr>
     </p:bg>
     <p:spTree>
@@ -4541,7 +6792,7 @@
             </a:avLst>
           </a:prstGeom>
           <a:solidFill>
-            <a:srgbClr val="f47682"/>
+            <a:srgbClr val="F47682"/>
           </a:solidFill>
           <a:ln>
             <a:noFill/>
@@ -4626,7 +6877,7 @@
             <a:avLst/>
           </a:prstGeom>
           <a:solidFill>
-            <a:srgbClr val="f47682"/>
+            <a:srgbClr val="F47682"/>
           </a:solidFill>
           <a:ln>
             <a:noFill/>
@@ -4674,7 +6925,7 @@
             <a:avLst/>
           </a:prstGeom>
           <a:solidFill>
-            <a:srgbClr val="f47682"/>
+            <a:srgbClr val="F47682"/>
           </a:solidFill>
           <a:ln>
             <a:noFill/>
@@ -4722,7 +6973,7 @@
             <a:avLst/>
           </a:prstGeom>
           <a:solidFill>
-            <a:srgbClr val="f47682"/>
+            <a:srgbClr val="F47682"/>
           </a:solidFill>
           <a:ln>
             <a:noFill/>
@@ -4770,7 +7021,7 @@
             <a:avLst/>
           </a:prstGeom>
           <a:solidFill>
-            <a:srgbClr val="f47682"/>
+            <a:srgbClr val="F47682"/>
           </a:solidFill>
           <a:ln>
             <a:noFill/>
@@ -4819,7 +7070,7 @@
           </a:prstGeom>
           <a:ln w="38100">
             <a:solidFill>
-              <a:srgbClr val="f47682"/>
+              <a:srgbClr val="F47682"/>
             </a:solidFill>
           </a:ln>
         </p:spPr>
@@ -4854,7 +7105,7 @@
           </a:prstGeom>
           <a:ln w="38100">
             <a:solidFill>
-              <a:srgbClr val="f47682"/>
+              <a:srgbClr val="F47682"/>
             </a:solidFill>
           </a:ln>
         </p:spPr>
@@ -4889,7 +7140,7 @@
           </a:prstGeom>
           <a:ln w="38100">
             <a:solidFill>
-              <a:srgbClr val="f47682"/>
+              <a:srgbClr val="F47682"/>
             </a:solidFill>
           </a:ln>
         </p:spPr>
@@ -4924,7 +7175,7 @@
           </a:prstGeom>
           <a:ln w="38100">
             <a:solidFill>
-              <a:srgbClr val="f47682"/>
+              <a:srgbClr val="F47682"/>
             </a:solidFill>
           </a:ln>
         </p:spPr>
@@ -5184,7 +7435,7 @@
             </a:avLst>
           </a:prstGeom>
           <a:solidFill>
-            <a:srgbClr val="f47682"/>
+            <a:srgbClr val="F47682"/>
           </a:solidFill>
           <a:ln>
             <a:noFill/>
@@ -5220,10 +7471,6 @@
               </a:rPr>
               <a:t>기획 이유</a:t>
             </a:r>
-            <a:endParaRPr lang="ko-KR" altLang="en-US" b="1">
-              <a:latin typeface="나눔바른고딕"/>
-              <a:ea typeface="나눔바른고딕"/>
-            </a:endParaRPr>
           </a:p>
         </p:txBody>
       </p:sp>
@@ -5244,7 +7491,7 @@
             </a:avLst>
           </a:prstGeom>
           <a:solidFill>
-            <a:srgbClr val="f47682"/>
+            <a:srgbClr val="F47682"/>
           </a:solidFill>
           <a:ln>
             <a:noFill/>
@@ -5280,10 +7527,6 @@
               </a:rPr>
               <a:t>서비스 소개</a:t>
             </a:r>
-            <a:endParaRPr lang="ko-KR" altLang="en-US" b="1">
-              <a:latin typeface="나눔바른고딕"/>
-              <a:ea typeface="나눔바른고딕"/>
-            </a:endParaRPr>
           </a:p>
         </p:txBody>
       </p:sp>
@@ -5304,7 +7547,7 @@
             </a:avLst>
           </a:prstGeom>
           <a:solidFill>
-            <a:srgbClr val="f47682"/>
+            <a:srgbClr val="F47682"/>
           </a:solidFill>
           <a:ln>
             <a:noFill/>
@@ -5340,10 +7583,6 @@
               </a:rPr>
               <a:t>국내 경쟁모델</a:t>
             </a:r>
-            <a:endParaRPr lang="ko-KR" altLang="en-US" b="1">
-              <a:latin typeface="나눔바른고딕"/>
-              <a:ea typeface="나눔바른고딕"/>
-            </a:endParaRPr>
           </a:p>
         </p:txBody>
       </p:sp>
@@ -5364,7 +7603,7 @@
             </a:avLst>
           </a:prstGeom>
           <a:solidFill>
-            <a:srgbClr val="f47682"/>
+            <a:srgbClr val="F47682"/>
           </a:solidFill>
           <a:ln>
             <a:noFill/>
@@ -5400,10 +7639,6 @@
               </a:rPr>
               <a:t>사용자 측면</a:t>
             </a:r>
-            <a:endParaRPr lang="ko-KR" altLang="en-US" b="1">
-              <a:latin typeface="나눔바른고딕"/>
-              <a:ea typeface="나눔바른고딕"/>
-            </a:endParaRPr>
           </a:p>
         </p:txBody>
       </p:sp>
@@ -5412,18 +7647,19 @@
   <p:clrMapOvr>
     <a:masterClrMapping/>
   </p:clrMapOvr>
-  <p:transition xmlns:mc="http://schemas.openxmlformats.org/markup-compatibility/2006" xmlns:hp="http://schemas.haansoft.com/office/presentation/8.0" mc:Ignorable="hp" hp:hslDur="500"/>
+  <p:transition/>
 </p:sld>
 </file>
 
 <file path=ppt/slides/slide3.xml><?xml version="1.0" encoding="utf-8"?>
-<p:sld xmlns:r="http://schemas.openxmlformats.org/officeDocument/2006/relationships" xmlns:c="http://schemas.openxmlformats.org/drawingml/2006/chart" xmlns:a="http://schemas.openxmlformats.org/drawingml/2006/main" xmlns:dgm="http://schemas.openxmlformats.org/drawingml/2006/diagram" xmlns:dsp="http://schemas.microsoft.com/office/drawing/2008/diagram" xmlns:p="http://schemas.openxmlformats.org/presentationml/2006/main">
+<p:sld xmlns:a="http://schemas.openxmlformats.org/drawingml/2006/main" xmlns:r="http://schemas.openxmlformats.org/officeDocument/2006/relationships" xmlns:p="http://schemas.openxmlformats.org/presentationml/2006/main">
   <p:cSld>
     <p:bg>
-      <p:bgPr shadeToTitle="0">
+      <p:bgPr>
         <a:solidFill>
-          <a:srgbClr val="f7f7f7"/>
+          <a:srgbClr val="F7F7F7"/>
         </a:solidFill>
+        <a:effectLst/>
       </p:bgPr>
     </p:bg>
     <p:spTree>
@@ -5468,20 +7704,13 @@
             <a:r>
               <a:rPr lang="ko-KR" altLang="en-US" sz="3200" b="1">
                 <a:solidFill>
-                  <a:srgbClr val="3f2124"/>
+                  <a:srgbClr val="3F2124"/>
                 </a:solidFill>
                 <a:latin typeface="나눔바른고딕"/>
                 <a:ea typeface="나눔바른고딕"/>
               </a:rPr>
               <a:t>서비스 기획 이유</a:t>
             </a:r>
-            <a:endParaRPr lang="ko-KR" altLang="en-US" sz="3200" b="1">
-              <a:solidFill>
-                <a:srgbClr val="3f2124"/>
-              </a:solidFill>
-              <a:latin typeface="나눔바른고딕"/>
-              <a:ea typeface="나눔바른고딕"/>
-            </a:endParaRPr>
           </a:p>
         </p:txBody>
       </p:sp>
@@ -5513,20 +7742,13 @@
             <a:r>
               <a:rPr lang="ko-KR" altLang="en-US" sz="2700" b="1">
                 <a:solidFill>
-                  <a:srgbClr val="ec515f"/>
+                  <a:srgbClr val="EC515F"/>
                 </a:solidFill>
                 <a:latin typeface="나눔바른고딕"/>
                 <a:ea typeface="나눔바른고딕"/>
               </a:rPr>
               <a:t>1. 독거노인의 증가</a:t>
             </a:r>
-            <a:endParaRPr lang="ko-KR" altLang="en-US" sz="2700" b="1">
-              <a:solidFill>
-                <a:srgbClr val="ec515f"/>
-              </a:solidFill>
-              <a:latin typeface="나눔바른고딕"/>
-              <a:ea typeface="나눔바른고딕"/>
-            </a:endParaRPr>
           </a:p>
         </p:txBody>
       </p:sp>
@@ -5537,7 +7759,7 @@
           <p:nvPr/>
         </p:nvGrpSpPr>
         <p:grpSpPr>
-          <a:xfrm rot="0">
+          <a:xfrm>
             <a:off x="-2977" y="6284686"/>
             <a:ext cx="12194977" cy="573314"/>
             <a:chOff x="-2977" y="6284686"/>
@@ -5559,7 +7781,7 @@
               <a:avLst/>
             </a:prstGeom>
             <a:solidFill>
-              <a:srgbClr val="ec515f"/>
+              <a:srgbClr val="EC515F"/>
             </a:solidFill>
             <a:ln>
               <a:noFill/>
@@ -5590,7 +7812,7 @@
               </a:pPr>
               <a:endParaRPr lang="ko-KR" altLang="en-US">
                 <a:solidFill>
-                  <a:srgbClr val="ec515f"/>
+                  <a:srgbClr val="EC515F"/>
                 </a:solidFill>
               </a:endParaRPr>
             </a:p>
@@ -5613,7 +7835,7 @@
               </a:avLst>
             </a:prstGeom>
             <a:solidFill>
-              <a:srgbClr val="f47682"/>
+              <a:srgbClr val="F47682"/>
             </a:solidFill>
             <a:ln>
               <a:noFill/>
@@ -5663,7 +7885,7 @@
               </a:avLst>
             </a:prstGeom>
             <a:solidFill>
-              <a:srgbClr val="f47682"/>
+              <a:srgbClr val="F47682"/>
             </a:solidFill>
             <a:ln>
               <a:noFill/>
@@ -5699,7 +7921,7 @@
       </p:grpSp>
       <p:pic>
         <p:nvPicPr>
-          <p:cNvPr id="34" name=""/>
+          <p:cNvPr id="34" name="그림 33"/>
           <p:cNvPicPr>
             <a:picLocks noChangeAspect="1"/>
           </p:cNvPicPr>
@@ -5767,18 +7989,19 @@
   <p:clrMapOvr>
     <a:masterClrMapping/>
   </p:clrMapOvr>
-  <p:transition xmlns:mc="http://schemas.openxmlformats.org/markup-compatibility/2006" xmlns:hp="http://schemas.haansoft.com/office/presentation/8.0" mc:Ignorable="hp" hp:hslDur="500"/>
+  <p:transition/>
 </p:sld>
 </file>
 
 <file path=ppt/slides/slide4.xml><?xml version="1.0" encoding="utf-8"?>
-<p:sld xmlns:r="http://schemas.openxmlformats.org/officeDocument/2006/relationships" xmlns:c="http://schemas.openxmlformats.org/drawingml/2006/chart" xmlns:a="http://schemas.openxmlformats.org/drawingml/2006/main" xmlns:dgm="http://schemas.openxmlformats.org/drawingml/2006/diagram" xmlns:dsp="http://schemas.microsoft.com/office/drawing/2008/diagram" xmlns:p="http://schemas.openxmlformats.org/presentationml/2006/main">
+<p:sld xmlns:a="http://schemas.openxmlformats.org/drawingml/2006/main" xmlns:r="http://schemas.openxmlformats.org/officeDocument/2006/relationships" xmlns:p="http://schemas.openxmlformats.org/presentationml/2006/main">
   <p:cSld>
     <p:bg>
-      <p:bgPr shadeToTitle="0">
+      <p:bgPr>
         <a:solidFill>
-          <a:srgbClr val="f7f7f7"/>
+          <a:srgbClr val="F7F7F7"/>
         </a:solidFill>
+        <a:effectLst/>
       </p:bgPr>
     </p:bg>
     <p:spTree>
@@ -5823,20 +8046,13 @@
             <a:r>
               <a:rPr lang="ko-KR" altLang="en-US" sz="3200" b="1">
                 <a:solidFill>
-                  <a:srgbClr val="3f2124"/>
+                  <a:srgbClr val="3F2124"/>
                 </a:solidFill>
                 <a:latin typeface="나눔바른고딕"/>
                 <a:ea typeface="나눔바른고딕"/>
               </a:rPr>
               <a:t>서비스 기획 이유</a:t>
             </a:r>
-            <a:endParaRPr lang="ko-KR" altLang="en-US" sz="3200" b="1">
-              <a:solidFill>
-                <a:srgbClr val="3f2124"/>
-              </a:solidFill>
-              <a:latin typeface="나눔바른고딕"/>
-              <a:ea typeface="나눔바른고딕"/>
-            </a:endParaRPr>
           </a:p>
         </p:txBody>
       </p:sp>
@@ -5849,7 +8065,7 @@
         <p:spPr>
           <a:xfrm>
             <a:off x="1339500" y="2931085"/>
-            <a:ext cx="3452307" cy="497915"/>
+            <a:ext cx="3452307" cy="507831"/>
           </a:xfrm>
           <a:prstGeom prst="rect">
             <a:avLst/>
@@ -5866,22 +8082,25 @@
               <a:defRPr lang="ko-KR" altLang="en-US"/>
             </a:pPr>
             <a:r>
-              <a:rPr lang="ko-KR" altLang="en-US" sz="2700" b="1">
+              <a:rPr lang="en-US" altLang="ko-KR" sz="2700" b="1" dirty="0">
                 <a:solidFill>
-                  <a:srgbClr val="ec515f"/>
+                  <a:srgbClr val="EC515F"/>
                 </a:solidFill>
                 <a:latin typeface="나눔바른고딕"/>
                 <a:ea typeface="나눔바른고딕"/>
               </a:rPr>
-              <a:t>1. 맞벌이부부의 증가</a:t>
-            </a:r>
-            <a:endParaRPr lang="ko-KR" altLang="en-US" sz="2700" b="1">
-              <a:solidFill>
-                <a:srgbClr val="ec515f"/>
-              </a:solidFill>
-              <a:latin typeface="나눔바른고딕"/>
-              <a:ea typeface="나눔바른고딕"/>
-            </a:endParaRPr>
+              <a:t>2</a:t>
+            </a:r>
+            <a:r>
+              <a:rPr lang="ko-KR" altLang="en-US" sz="2700" b="1" dirty="0">
+                <a:solidFill>
+                  <a:srgbClr val="EC515F"/>
+                </a:solidFill>
+                <a:latin typeface="나눔바른고딕"/>
+                <a:ea typeface="나눔바른고딕"/>
+              </a:rPr>
+              <a:t>. 맞벌이부부의 증가</a:t>
+            </a:r>
           </a:p>
         </p:txBody>
       </p:sp>
@@ -5892,7 +8111,7 @@
           <p:nvPr/>
         </p:nvGrpSpPr>
         <p:grpSpPr>
-          <a:xfrm rot="0">
+          <a:xfrm>
             <a:off x="-2977" y="6284686"/>
             <a:ext cx="12194977" cy="573314"/>
             <a:chOff x="-2977" y="6284686"/>
@@ -5914,7 +8133,7 @@
               <a:avLst/>
             </a:prstGeom>
             <a:solidFill>
-              <a:srgbClr val="ec515f"/>
+              <a:srgbClr val="EC515F"/>
             </a:solidFill>
             <a:ln>
               <a:noFill/>
@@ -5945,7 +8164,7 @@
               </a:pPr>
               <a:endParaRPr lang="ko-KR" altLang="en-US">
                 <a:solidFill>
-                  <a:srgbClr val="ec515f"/>
+                  <a:srgbClr val="EC515F"/>
                 </a:solidFill>
               </a:endParaRPr>
             </a:p>
@@ -5968,7 +8187,7 @@
               </a:avLst>
             </a:prstGeom>
             <a:solidFill>
-              <a:srgbClr val="f47682"/>
+              <a:srgbClr val="F47682"/>
             </a:solidFill>
             <a:ln>
               <a:noFill/>
@@ -6018,7 +8237,7 @@
               </a:avLst>
             </a:prstGeom>
             <a:solidFill>
-              <a:srgbClr val="f47682"/>
+              <a:srgbClr val="F47682"/>
             </a:solidFill>
             <a:ln>
               <a:noFill/>
@@ -6092,7 +8311,7 @@
       </p:cxnSp>
       <p:pic>
         <p:nvPicPr>
-          <p:cNvPr id="36" name=""/>
+          <p:cNvPr id="36" name="그림 35"/>
           <p:cNvPicPr>
             <a:picLocks noChangeAspect="1"/>
           </p:cNvPicPr>
@@ -6119,7 +8338,7 @@
       </p:pic>
       <p:pic>
         <p:nvPicPr>
-          <p:cNvPr id="37" name=""/>
+          <p:cNvPr id="37" name="그림 36"/>
           <p:cNvPicPr>
             <a:picLocks noChangeAspect="1"/>
           </p:cNvPicPr>
@@ -6146,7 +8365,7 @@
       </p:pic>
       <p:pic>
         <p:nvPicPr>
-          <p:cNvPr id="38" name=""/>
+          <p:cNvPr id="38" name="그림 37"/>
           <p:cNvPicPr>
             <a:picLocks noChangeAspect="1"/>
           </p:cNvPicPr>
@@ -6176,7 +8395,7 @@
   <p:clrMapOvr>
     <a:masterClrMapping/>
   </p:clrMapOvr>
-  <p:transition xmlns:mc="http://schemas.openxmlformats.org/markup-compatibility/2006" xmlns:hp="http://schemas.haansoft.com/office/presentation/8.0" mc:Ignorable="hp" hp:hslDur="500"/>
+  <p:transition/>
   <p:timing>
     <p:tnLst>
       <p:par>
@@ -6301,13 +8520,14 @@
 </file>
 
 <file path=ppt/slides/slide5.xml><?xml version="1.0" encoding="utf-8"?>
-<p:sld xmlns:r="http://schemas.openxmlformats.org/officeDocument/2006/relationships" xmlns:c="http://schemas.openxmlformats.org/drawingml/2006/chart" xmlns:a="http://schemas.openxmlformats.org/drawingml/2006/main" xmlns:dgm="http://schemas.openxmlformats.org/drawingml/2006/diagram" xmlns:dsp="http://schemas.microsoft.com/office/drawing/2008/diagram" xmlns:p="http://schemas.openxmlformats.org/presentationml/2006/main">
+<p:sld xmlns:a="http://schemas.openxmlformats.org/drawingml/2006/main" xmlns:r="http://schemas.openxmlformats.org/officeDocument/2006/relationships" xmlns:p="http://schemas.openxmlformats.org/presentationml/2006/main">
   <p:cSld>
     <p:bg>
-      <p:bgPr shadeToTitle="0">
+      <p:bgPr>
         <a:solidFill>
-          <a:srgbClr val="f7f7f7"/>
+          <a:srgbClr val="F7F7F7"/>
         </a:solidFill>
+        <a:effectLst/>
       </p:bgPr>
     </p:bg>
     <p:spTree>
@@ -6352,20 +8572,13 @@
             <a:r>
               <a:rPr lang="ko-KR" altLang="en-US" sz="3200" b="1">
                 <a:solidFill>
-                  <a:srgbClr val="3f2124"/>
+                  <a:srgbClr val="3F2124"/>
                 </a:solidFill>
                 <a:latin typeface="나눔바른고딕"/>
                 <a:ea typeface="나눔바른고딕"/>
               </a:rPr>
               <a:t>서비스 기획 이유</a:t>
             </a:r>
-            <a:endParaRPr lang="ko-KR" altLang="en-US" sz="3200" b="1">
-              <a:solidFill>
-                <a:srgbClr val="3f2124"/>
-              </a:solidFill>
-              <a:latin typeface="나눔바른고딕"/>
-              <a:ea typeface="나눔바른고딕"/>
-            </a:endParaRPr>
           </a:p>
         </p:txBody>
       </p:sp>
@@ -6378,7 +8591,7 @@
         <p:spPr>
           <a:xfrm>
             <a:off x="3035157" y="1633172"/>
-            <a:ext cx="7911265" cy="498522"/>
+            <a:ext cx="7911265" cy="507831"/>
           </a:xfrm>
           <a:prstGeom prst="rect">
             <a:avLst/>
@@ -6395,22 +8608,32 @@
               <a:defRPr lang="ko-KR" altLang="en-US"/>
             </a:pPr>
             <a:r>
-              <a:rPr lang="ko-KR" altLang="en-US" sz="2700" b="1">
+              <a:rPr lang="ko-KR" altLang="en-US" sz="2700" b="1" dirty="0">
                 <a:solidFill>
-                  <a:srgbClr val="ec515f"/>
+                  <a:srgbClr val="EC515F"/>
                 </a:solidFill>
-                <a:latin typeface="나눔바른고딕"/>
                 <a:ea typeface="나눔바른고딕"/>
               </a:rPr>
-              <a:t>많은 사람들이 돌봄서비스의 필요성을 느낌</a:t>
-            </a:r>
-            <a:endParaRPr lang="ko-KR" altLang="en-US" sz="2700" b="1">
-              <a:solidFill>
-                <a:srgbClr val="ec515f"/>
-              </a:solidFill>
-              <a:latin typeface="나눔바른고딕"/>
-              <a:ea typeface="나눔바른고딕"/>
-            </a:endParaRPr>
+              <a:t>많은 사람들이 </a:t>
+            </a:r>
+            <a:r>
+              <a:rPr lang="ko-KR" altLang="en-US" sz="2700" b="1" dirty="0" err="1">
+                <a:solidFill>
+                  <a:srgbClr val="EC515F"/>
+                </a:solidFill>
+                <a:ea typeface="나눔바른고딕"/>
+              </a:rPr>
+              <a:t>돌봄서비스의</a:t>
+            </a:r>
+            <a:r>
+              <a:rPr lang="ko-KR" altLang="en-US" sz="2700" b="1" dirty="0">
+                <a:solidFill>
+                  <a:srgbClr val="EC515F"/>
+                </a:solidFill>
+                <a:ea typeface="나눔바른고딕"/>
+              </a:rPr>
+              <a:t> 필요성을 느낌</a:t>
+            </a:r>
           </a:p>
         </p:txBody>
       </p:sp>
@@ -6421,7 +8644,7 @@
           <p:nvPr/>
         </p:nvGrpSpPr>
         <p:grpSpPr>
-          <a:xfrm rot="0">
+          <a:xfrm>
             <a:off x="-2977" y="6284686"/>
             <a:ext cx="12194977" cy="573314"/>
             <a:chOff x="-2977" y="6284686"/>
@@ -6443,7 +8666,7 @@
               <a:avLst/>
             </a:prstGeom>
             <a:solidFill>
-              <a:srgbClr val="ec515f"/>
+              <a:srgbClr val="EC515F"/>
             </a:solidFill>
             <a:ln>
               <a:noFill/>
@@ -6474,7 +8697,7 @@
               </a:pPr>
               <a:endParaRPr lang="ko-KR" altLang="en-US">
                 <a:solidFill>
-                  <a:srgbClr val="ec515f"/>
+                  <a:srgbClr val="EC515F"/>
                 </a:solidFill>
               </a:endParaRPr>
             </a:p>
@@ -6497,7 +8720,7 @@
               </a:avLst>
             </a:prstGeom>
             <a:solidFill>
-              <a:srgbClr val="f47682"/>
+              <a:srgbClr val="F47682"/>
             </a:solidFill>
             <a:ln>
               <a:noFill/>
@@ -6547,7 +8770,7 @@
               </a:avLst>
             </a:prstGeom>
             <a:solidFill>
-              <a:srgbClr val="f47682"/>
+              <a:srgbClr val="F47682"/>
             </a:solidFill>
             <a:ln>
               <a:noFill/>
@@ -6583,7 +8806,7 @@
       </p:grpSp>
       <p:pic>
         <p:nvPicPr>
-          <p:cNvPr id="40" name=""/>
+          <p:cNvPr id="40" name="그림 39"/>
           <p:cNvPicPr>
             <a:picLocks noChangeAspect="1"/>
           </p:cNvPicPr>
@@ -6613,18 +8836,19 @@
   <p:clrMapOvr>
     <a:masterClrMapping/>
   </p:clrMapOvr>
-  <p:transition xmlns:mc="http://schemas.openxmlformats.org/markup-compatibility/2006" xmlns:hp="http://schemas.haansoft.com/office/presentation/8.0" mc:Ignorable="hp" hp:hslDur="500"/>
+  <p:transition/>
 </p:sld>
 </file>
 
 <file path=ppt/slides/slide6.xml><?xml version="1.0" encoding="utf-8"?>
-<p:sld xmlns:r="http://schemas.openxmlformats.org/officeDocument/2006/relationships" xmlns:c="http://schemas.openxmlformats.org/drawingml/2006/chart" xmlns:a="http://schemas.openxmlformats.org/drawingml/2006/main" xmlns:dgm="http://schemas.openxmlformats.org/drawingml/2006/diagram" xmlns:dsp="http://schemas.microsoft.com/office/drawing/2008/diagram" xmlns:p="http://schemas.openxmlformats.org/presentationml/2006/main">
+<p:sld xmlns:a="http://schemas.openxmlformats.org/drawingml/2006/main" xmlns:r="http://schemas.openxmlformats.org/officeDocument/2006/relationships" xmlns:p="http://schemas.openxmlformats.org/presentationml/2006/main">
   <p:cSld>
     <p:bg>
-      <p:bgPr shadeToTitle="0">
+      <p:bgPr>
         <a:solidFill>
-          <a:srgbClr val="f7f7f7"/>
+          <a:srgbClr val="F7F7F7"/>
         </a:solidFill>
+        <a:effectLst/>
       </p:bgPr>
     </p:bg>
     <p:spTree>
@@ -6669,20 +8893,13 @@
             <a:r>
               <a:rPr lang="ko-KR" altLang="en-US" sz="3200" b="1">
                 <a:solidFill>
-                  <a:srgbClr val="3f2124"/>
+                  <a:srgbClr val="3F2124"/>
                 </a:solidFill>
                 <a:latin typeface="나눔바른고딕"/>
                 <a:ea typeface="나눔바른고딕"/>
               </a:rPr>
               <a:t>서비스 기획 이유</a:t>
             </a:r>
-            <a:endParaRPr lang="ko-KR" altLang="en-US" sz="3200" b="1">
-              <a:solidFill>
-                <a:srgbClr val="3f2124"/>
-              </a:solidFill>
-              <a:latin typeface="나눔바른고딕"/>
-              <a:ea typeface="나눔바른고딕"/>
-            </a:endParaRPr>
           </a:p>
         </p:txBody>
       </p:sp>
@@ -6714,20 +8931,13 @@
             <a:r>
               <a:rPr lang="ko-KR" altLang="en-US" sz="2700" b="1">
                 <a:solidFill>
-                  <a:srgbClr val="ec515f"/>
+                  <a:srgbClr val="EC515F"/>
                 </a:solidFill>
                 <a:latin typeface="나눔바른고딕"/>
                 <a:ea typeface="나눔바른고딕"/>
               </a:rPr>
               <a:t>3. 투잡을 원하는 인구 증가</a:t>
             </a:r>
-            <a:endParaRPr lang="ko-KR" altLang="en-US" sz="2700" b="1">
-              <a:solidFill>
-                <a:srgbClr val="ec515f"/>
-              </a:solidFill>
-              <a:latin typeface="나눔바른고딕"/>
-              <a:ea typeface="나눔바른고딕"/>
-            </a:endParaRPr>
           </a:p>
         </p:txBody>
       </p:sp>
@@ -6738,7 +8948,7 @@
           <p:nvPr/>
         </p:nvGrpSpPr>
         <p:grpSpPr>
-          <a:xfrm rot="0">
+          <a:xfrm>
             <a:off x="-2977" y="6284686"/>
             <a:ext cx="12194977" cy="573314"/>
             <a:chOff x="-2977" y="6284686"/>
@@ -6760,7 +8970,7 @@
               <a:avLst/>
             </a:prstGeom>
             <a:solidFill>
-              <a:srgbClr val="ec515f"/>
+              <a:srgbClr val="EC515F"/>
             </a:solidFill>
             <a:ln>
               <a:noFill/>
@@ -6791,7 +9001,7 @@
               </a:pPr>
               <a:endParaRPr lang="ko-KR" altLang="en-US">
                 <a:solidFill>
-                  <a:srgbClr val="ec515f"/>
+                  <a:srgbClr val="EC515F"/>
                 </a:solidFill>
               </a:endParaRPr>
             </a:p>
@@ -6814,7 +9024,7 @@
               </a:avLst>
             </a:prstGeom>
             <a:solidFill>
-              <a:srgbClr val="f47682"/>
+              <a:srgbClr val="F47682"/>
             </a:solidFill>
             <a:ln>
               <a:noFill/>
@@ -6864,7 +9074,7 @@
               </a:avLst>
             </a:prstGeom>
             <a:solidFill>
-              <a:srgbClr val="f47682"/>
+              <a:srgbClr val="F47682"/>
             </a:solidFill>
             <a:ln>
               <a:noFill/>
@@ -6900,7 +9110,7 @@
       </p:grpSp>
       <p:sp>
         <p:nvSpPr>
-          <p:cNvPr id="42" name=""/>
+          <p:cNvPr id="42" name="부분 원형 41"/>
           <p:cNvSpPr/>
           <p:nvPr/>
         </p:nvSpPr>
@@ -6916,7 +9126,7 @@
             </a:avLst>
           </a:prstGeom>
           <a:solidFill>
-            <a:srgbClr val="ec515f"/>
+            <a:srgbClr val="EC515F"/>
           </a:solidFill>
           <a:ln>
             <a:noFill/>
@@ -6940,6 +9150,7 @@
         </p:style>
         <p:txBody>
           <a:bodyPr anchor="ctr"/>
+          <a:lstStyle/>
           <a:p>
             <a:pPr algn="ctr">
               <a:defRPr lang="ko-KR" altLang="en-US"/>
@@ -6950,7 +9161,7 @@
       </p:sp>
       <p:sp>
         <p:nvSpPr>
-          <p:cNvPr id="43" name=""/>
+          <p:cNvPr id="43" name="TextBox 42"/>
           <p:cNvSpPr txBox="1"/>
           <p:nvPr/>
         </p:nvSpPr>
@@ -6967,6 +9178,7 @@
           <a:bodyPr wrap="square">
             <a:spAutoFit/>
           </a:bodyPr>
+          <a:lstStyle/>
           <a:p>
             <a:pPr>
               <a:defRPr lang="ko-KR" altLang="en-US"/>
@@ -6975,7 +9187,6 @@
               <a:rPr lang="ko-KR" altLang="en-US" b="1"/>
               <a:t>투잡을 하고 싶다 </a:t>
             </a:r>
-            <a:endParaRPr lang="ko-KR" altLang="en-US" b="1"/>
           </a:p>
           <a:p>
             <a:pPr>
@@ -6985,13 +9196,12 @@
               <a:rPr lang="ko-KR" altLang="en-US" b="1"/>
               <a:t>71.0%</a:t>
             </a:r>
-            <a:endParaRPr lang="ko-KR" altLang="en-US" b="1"/>
-          </a:p>
-        </p:txBody>
-      </p:sp>
-      <p:sp>
-        <p:nvSpPr>
-          <p:cNvPr id="44" name=""/>
+          </a:p>
+        </p:txBody>
+      </p:sp>
+      <p:sp>
+        <p:nvSpPr>
+          <p:cNvPr id="44" name="부분 원형 43"/>
           <p:cNvSpPr/>
           <p:nvPr/>
         </p:nvSpPr>
@@ -7007,7 +9217,7 @@
             </a:avLst>
           </a:prstGeom>
           <a:solidFill>
-            <a:srgbClr val="ec515f"/>
+            <a:srgbClr val="EC515F"/>
           </a:solidFill>
           <a:ln>
             <a:noFill/>
@@ -7031,6 +9241,7 @@
         </p:style>
         <p:txBody>
           <a:bodyPr anchor="ctr"/>
+          <a:lstStyle/>
           <a:p>
             <a:pPr algn="ctr">
               <a:defRPr lang="ko-KR" altLang="en-US"/>
@@ -7041,7 +9252,7 @@
       </p:sp>
       <p:sp>
         <p:nvSpPr>
-          <p:cNvPr id="45" name=""/>
+          <p:cNvPr id="45" name="TextBox 44"/>
           <p:cNvSpPr txBox="1"/>
           <p:nvPr/>
         </p:nvSpPr>
@@ -7058,6 +9269,7 @@
           <a:bodyPr wrap="square">
             <a:spAutoFit/>
           </a:bodyPr>
+          <a:lstStyle/>
           <a:p>
             <a:pPr>
               <a:defRPr lang="ko-KR" altLang="en-US"/>
@@ -7066,7 +9278,6 @@
               <a:rPr lang="ko-KR" altLang="en-US" b="1"/>
               <a:t>30세이상 </a:t>
             </a:r>
-            <a:endParaRPr lang="ko-KR" altLang="en-US" b="1"/>
           </a:p>
           <a:p>
             <a:pPr>
@@ -7076,13 +9287,12 @@
               <a:rPr lang="ko-KR" altLang="en-US" b="1"/>
               <a:t>69.3%</a:t>
             </a:r>
-            <a:endParaRPr lang="ko-KR" altLang="en-US" b="1"/>
           </a:p>
         </p:txBody>
       </p:sp>
       <p:cxnSp>
         <p:nvCxnSpPr>
-          <p:cNvPr id="46" name=""/>
+          <p:cNvPr id="46" name="직선 연결선 45"/>
           <p:cNvCxnSpPr/>
           <p:nvPr/>
         </p:nvCxnSpPr>
@@ -7096,7 +9306,7 @@
           </a:prstGeom>
           <a:ln w="38100">
             <a:solidFill>
-              <a:srgbClr val="ec515f"/>
+              <a:srgbClr val="EC515F"/>
             </a:solidFill>
           </a:ln>
         </p:spPr>
@@ -7117,7 +9327,7 @@
       </p:cxnSp>
       <p:sp>
         <p:nvSpPr>
-          <p:cNvPr id="48" name=""/>
+          <p:cNvPr id="48" name="이등변 삼각형 47"/>
           <p:cNvSpPr/>
           <p:nvPr/>
         </p:nvSpPr>
@@ -7132,7 +9342,7 @@
             </a:avLst>
           </a:prstGeom>
           <a:solidFill>
-            <a:srgbClr val="ec515f"/>
+            <a:srgbClr val="EC515F"/>
           </a:solidFill>
           <a:ln>
             <a:noFill/>
@@ -7156,6 +9366,7 @@
         </p:style>
         <p:txBody>
           <a:bodyPr anchor="ctr"/>
+          <a:lstStyle/>
           <a:p>
             <a:pPr algn="ctr">
               <a:defRPr lang="ko-KR" altLang="en-US"/>
@@ -7166,7 +9377,7 @@
       </p:sp>
       <p:sp>
         <p:nvSpPr>
-          <p:cNvPr id="49" name=""/>
+          <p:cNvPr id="49" name="TextBox 48"/>
           <p:cNvSpPr txBox="1"/>
           <p:nvPr/>
         </p:nvSpPr>
@@ -7183,6 +9394,7 @@
           <a:bodyPr wrap="square">
             <a:spAutoFit/>
           </a:bodyPr>
+          <a:lstStyle/>
           <a:p>
             <a:pPr>
               <a:defRPr lang="ko-KR" altLang="en-US"/>
@@ -7191,13 +9403,12 @@
               <a:rPr lang="ko-KR" altLang="en-US" sz="2000" b="1"/>
               <a:t>투잡 희망 여부</a:t>
             </a:r>
-            <a:endParaRPr lang="ko-KR" altLang="en-US" sz="2000" b="1"/>
-          </a:p>
-        </p:txBody>
-      </p:sp>
-      <p:sp>
-        <p:nvSpPr>
-          <p:cNvPr id="50" name=""/>
+          </a:p>
+        </p:txBody>
+      </p:sp>
+      <p:sp>
+        <p:nvSpPr>
+          <p:cNvPr id="50" name="TextBox 49"/>
           <p:cNvSpPr txBox="1"/>
           <p:nvPr/>
         </p:nvSpPr>
@@ -7214,6 +9425,7 @@
           <a:bodyPr wrap="square">
             <a:spAutoFit/>
           </a:bodyPr>
+          <a:lstStyle/>
           <a:p>
             <a:pPr>
               <a:defRPr lang="ko-KR" altLang="en-US"/>
@@ -7222,13 +9434,12 @@
               <a:rPr lang="ko-KR" altLang="en-US" sz="2000" b="1"/>
               <a:t>투잡 희망 이유</a:t>
             </a:r>
-            <a:endParaRPr lang="ko-KR" altLang="en-US" sz="2000" b="1"/>
-          </a:p>
-        </p:txBody>
-      </p:sp>
-      <p:sp>
-        <p:nvSpPr>
-          <p:cNvPr id="51" name=""/>
+          </a:p>
+        </p:txBody>
+      </p:sp>
+      <p:sp>
+        <p:nvSpPr>
+          <p:cNvPr id="51" name="웃는 얼굴 50"/>
           <p:cNvSpPr/>
           <p:nvPr/>
         </p:nvSpPr>
@@ -7243,11 +9454,11 @@
             </a:avLst>
           </a:prstGeom>
           <a:solidFill>
-            <a:srgbClr val="ec515f"/>
+            <a:srgbClr val="EC515F"/>
           </a:solidFill>
           <a:ln w="38100">
             <a:solidFill>
-              <a:srgbClr val="ffffff"/>
+              <a:srgbClr val="FFFFFF"/>
             </a:solidFill>
           </a:ln>
         </p:spPr>
@@ -7269,6 +9480,7 @@
         </p:style>
         <p:txBody>
           <a:bodyPr anchor="ctr"/>
+          <a:lstStyle/>
           <a:p>
             <a:pPr algn="ctr">
               <a:defRPr lang="ko-KR" altLang="en-US"/>
@@ -7279,7 +9491,7 @@
       </p:sp>
       <p:sp>
         <p:nvSpPr>
-          <p:cNvPr id="53" name=""/>
+          <p:cNvPr id="53" name="웃는 얼굴 52"/>
           <p:cNvSpPr/>
           <p:nvPr/>
         </p:nvSpPr>
@@ -7294,11 +9506,11 @@
             </a:avLst>
           </a:prstGeom>
           <a:solidFill>
-            <a:srgbClr val="ec515f"/>
+            <a:srgbClr val="EC515F"/>
           </a:solidFill>
           <a:ln w="38100">
             <a:solidFill>
-              <a:srgbClr val="ffffff"/>
+              <a:srgbClr val="FFFFFF"/>
             </a:solidFill>
           </a:ln>
         </p:spPr>
@@ -7331,7 +9543,7 @@
       </p:sp>
       <p:sp>
         <p:nvSpPr>
-          <p:cNvPr id="54" name=""/>
+          <p:cNvPr id="54" name="웃는 얼굴 53"/>
           <p:cNvSpPr/>
           <p:nvPr/>
         </p:nvSpPr>
@@ -7346,11 +9558,11 @@
             </a:avLst>
           </a:prstGeom>
           <a:solidFill>
-            <a:srgbClr val="ec515f"/>
+            <a:srgbClr val="EC515F"/>
           </a:solidFill>
           <a:ln w="38100">
             <a:solidFill>
-              <a:srgbClr val="ffffff"/>
+              <a:srgbClr val="FFFFFF"/>
             </a:solidFill>
           </a:ln>
         </p:spPr>
@@ -7383,7 +9595,7 @@
       </p:sp>
       <p:sp>
         <p:nvSpPr>
-          <p:cNvPr id="55" name=""/>
+          <p:cNvPr id="55" name="웃는 얼굴 54"/>
           <p:cNvSpPr/>
           <p:nvPr/>
         </p:nvSpPr>
@@ -7398,11 +9610,11 @@
             </a:avLst>
           </a:prstGeom>
           <a:solidFill>
-            <a:srgbClr val="ec515f"/>
+            <a:srgbClr val="EC515F"/>
           </a:solidFill>
           <a:ln w="38100">
             <a:solidFill>
-              <a:srgbClr val="ffffff"/>
+              <a:srgbClr val="FFFFFF"/>
             </a:solidFill>
           </a:ln>
         </p:spPr>
@@ -7435,7 +9647,7 @@
       </p:sp>
       <p:sp>
         <p:nvSpPr>
-          <p:cNvPr id="56" name=""/>
+          <p:cNvPr id="56" name="웃는 얼굴 55"/>
           <p:cNvSpPr/>
           <p:nvPr/>
         </p:nvSpPr>
@@ -7450,11 +9662,11 @@
             </a:avLst>
           </a:prstGeom>
           <a:solidFill>
-            <a:srgbClr val="ec515f"/>
+            <a:srgbClr val="EC515F"/>
           </a:solidFill>
           <a:ln w="38100">
             <a:solidFill>
-              <a:srgbClr val="ffffff"/>
+              <a:srgbClr val="FFFFFF"/>
             </a:solidFill>
           </a:ln>
         </p:spPr>
@@ -7487,7 +9699,7 @@
       </p:sp>
       <p:sp>
         <p:nvSpPr>
-          <p:cNvPr id="57" name=""/>
+          <p:cNvPr id="57" name="웃는 얼굴 56"/>
           <p:cNvSpPr/>
           <p:nvPr/>
         </p:nvSpPr>
@@ -7502,11 +9714,11 @@
             </a:avLst>
           </a:prstGeom>
           <a:solidFill>
-            <a:srgbClr val="ec515f"/>
+            <a:srgbClr val="EC515F"/>
           </a:solidFill>
           <a:ln w="38100">
             <a:solidFill>
-              <a:srgbClr val="ffffff"/>
+              <a:srgbClr val="FFFFFF"/>
             </a:solidFill>
           </a:ln>
         </p:spPr>
@@ -7539,7 +9751,7 @@
       </p:sp>
       <p:sp>
         <p:nvSpPr>
-          <p:cNvPr id="58" name=""/>
+          <p:cNvPr id="58" name="웃는 얼굴 57"/>
           <p:cNvSpPr/>
           <p:nvPr/>
         </p:nvSpPr>
@@ -7560,7 +9772,7 @@
           </a:solidFill>
           <a:ln w="38100">
             <a:solidFill>
-              <a:srgbClr val="ffffff"/>
+              <a:srgbClr val="FFFFFF"/>
             </a:solidFill>
           </a:ln>
         </p:spPr>
@@ -7593,7 +9805,7 @@
       </p:sp>
       <p:sp>
         <p:nvSpPr>
-          <p:cNvPr id="59" name=""/>
+          <p:cNvPr id="59" name="웃는 얼굴 58"/>
           <p:cNvSpPr/>
           <p:nvPr/>
         </p:nvSpPr>
@@ -7614,7 +9826,7 @@
           </a:solidFill>
           <a:ln w="38100">
             <a:solidFill>
-              <a:srgbClr val="ffffff"/>
+              <a:srgbClr val="FFFFFF"/>
             </a:solidFill>
           </a:ln>
         </p:spPr>
@@ -7647,7 +9859,7 @@
       </p:sp>
       <p:sp>
         <p:nvSpPr>
-          <p:cNvPr id="60" name=""/>
+          <p:cNvPr id="60" name="웃는 얼굴 59"/>
           <p:cNvSpPr/>
           <p:nvPr/>
         </p:nvSpPr>
@@ -7668,7 +9880,7 @@
           </a:solidFill>
           <a:ln w="38100">
             <a:solidFill>
-              <a:srgbClr val="ffffff"/>
+              <a:srgbClr val="FFFFFF"/>
             </a:solidFill>
           </a:ln>
         </p:spPr>
@@ -7701,7 +9913,7 @@
       </p:sp>
       <p:sp>
         <p:nvSpPr>
-          <p:cNvPr id="61" name=""/>
+          <p:cNvPr id="61" name="웃는 얼굴 60"/>
           <p:cNvSpPr/>
           <p:nvPr/>
         </p:nvSpPr>
@@ -7722,7 +9934,7 @@
           </a:solidFill>
           <a:ln w="38100">
             <a:solidFill>
-              <a:srgbClr val="ffffff"/>
+              <a:srgbClr val="FFFFFF"/>
             </a:solidFill>
           </a:ln>
         </p:spPr>
@@ -7781,26 +9993,19 @@
             <a:r>
               <a:rPr lang="ko-KR" altLang="en-US" sz="2200" b="1">
                 <a:solidFill>
-                  <a:srgbClr val="ec515f"/>
+                  <a:srgbClr val="EC515F"/>
                 </a:solidFill>
                 <a:latin typeface="나눔바른고딕"/>
                 <a:ea typeface="나눔바른고딕"/>
               </a:rPr>
               <a:t>"경제적으로 여유롭고 싶어서"</a:t>
             </a:r>
-            <a:endParaRPr lang="ko-KR" altLang="en-US" sz="2200" b="1">
-              <a:solidFill>
-                <a:srgbClr val="ec515f"/>
-              </a:solidFill>
-              <a:latin typeface="나눔바른고딕"/>
-              <a:ea typeface="나눔바른고딕"/>
-            </a:endParaRPr>
-          </a:p>
-        </p:txBody>
-      </p:sp>
-      <p:sp>
-        <p:nvSpPr>
-          <p:cNvPr id="66" name=""/>
+          </a:p>
+        </p:txBody>
+      </p:sp>
+      <p:sp>
+        <p:nvSpPr>
+          <p:cNvPr id="66" name="TextBox 65"/>
           <p:cNvSpPr txBox="1"/>
           <p:nvPr/>
         </p:nvSpPr>
@@ -7817,21 +10022,30 @@
           <a:bodyPr wrap="square">
             <a:spAutoFit/>
           </a:bodyPr>
+          <a:lstStyle/>
           <a:p>
             <a:pPr>
               <a:defRPr lang="ko-KR" altLang="en-US"/>
             </a:pPr>
             <a:r>
-              <a:rPr lang="ko-KR" altLang="en-US" sz="3300" b="1">
+              <a:rPr lang="ko-KR" altLang="en-US" sz="3300" b="1" dirty="0">
                 <a:solidFill>
-                  <a:srgbClr val="ec515f"/>
+                  <a:srgbClr val="EC515F"/>
                 </a:solidFill>
               </a:rPr>
-              <a:t>예시)우버서비스</a:t>
-            </a:r>
-            <a:endParaRPr lang="ko-KR" altLang="en-US" sz="3300" b="1">
+              <a:t>예시)</a:t>
+            </a:r>
+            <a:r>
+              <a:rPr lang="ko-KR" altLang="en-US" sz="3300" b="1" dirty="0" err="1">
+                <a:solidFill>
+                  <a:srgbClr val="EC515F"/>
+                </a:solidFill>
+              </a:rPr>
+              <a:t>우버서비스</a:t>
+            </a:r>
+            <a:endParaRPr lang="ko-KR" altLang="en-US" sz="3300" b="1" dirty="0">
               <a:solidFill>
-                <a:srgbClr val="ec515f"/>
+                <a:srgbClr val="EC515F"/>
               </a:solidFill>
             </a:endParaRPr>
           </a:p>
@@ -7842,18 +10056,19 @@
   <p:clrMapOvr>
     <a:masterClrMapping/>
   </p:clrMapOvr>
-  <p:transition xmlns:mc="http://schemas.openxmlformats.org/markup-compatibility/2006" xmlns:hp="http://schemas.haansoft.com/office/presentation/8.0" mc:Ignorable="hp" hp:hslDur="500"/>
+  <p:transition/>
 </p:sld>
 </file>
 
 <file path=ppt/slides/slide7.xml><?xml version="1.0" encoding="utf-8"?>
-<p:sld xmlns:r="http://schemas.openxmlformats.org/officeDocument/2006/relationships" xmlns:c="http://schemas.openxmlformats.org/drawingml/2006/chart" xmlns:a="http://schemas.openxmlformats.org/drawingml/2006/main" xmlns:dgm="http://schemas.openxmlformats.org/drawingml/2006/diagram" xmlns:dsp="http://schemas.microsoft.com/office/drawing/2008/diagram" xmlns:p="http://schemas.openxmlformats.org/presentationml/2006/main">
+<p:sld xmlns:a="http://schemas.openxmlformats.org/drawingml/2006/main" xmlns:r="http://schemas.openxmlformats.org/officeDocument/2006/relationships" xmlns:p="http://schemas.openxmlformats.org/presentationml/2006/main">
   <p:cSld>
     <p:bg>
-      <p:bgPr shadeToTitle="0">
+      <p:bgPr>
         <a:solidFill>
-          <a:srgbClr val="f7f7f7"/>
+          <a:srgbClr val="F7F7F7"/>
         </a:solidFill>
+        <a:effectLst/>
       </p:bgPr>
     </p:bg>
     <p:spTree>
@@ -7872,14 +10087,14 @@
       </p:grpSpPr>
       <p:sp>
         <p:nvSpPr>
-          <p:cNvPr id="3" name="TextBox 2"/>
+          <p:cNvPr id="4" name="TextBox 3"/>
           <p:cNvSpPr txBox="1"/>
           <p:nvPr/>
         </p:nvSpPr>
         <p:spPr>
           <a:xfrm>
-            <a:off x="270933" y="237069"/>
-            <a:ext cx="2782781" cy="570651"/>
+            <a:off x="270934" y="237069"/>
+            <a:ext cx="2268431" cy="570651"/>
           </a:xfrm>
           <a:prstGeom prst="rect">
             <a:avLst/>
@@ -7898,31 +10113,24 @@
             <a:r>
               <a:rPr lang="ko-KR" altLang="en-US" sz="3200" b="1">
                 <a:solidFill>
-                  <a:srgbClr val="3f2124"/>
+                  <a:srgbClr val="3F2124"/>
                 </a:solidFill>
                 <a:latin typeface="나눔바른고딕"/>
                 <a:ea typeface="나눔바른고딕"/>
               </a:rPr>
-              <a:t>국내 경쟁 모델</a:t>
-            </a:r>
-            <a:endParaRPr lang="ko-KR" altLang="en-US" sz="3200" b="1">
-              <a:solidFill>
-                <a:srgbClr val="3f2124"/>
-              </a:solidFill>
-              <a:latin typeface="나눔바른고딕"/>
-              <a:ea typeface="나눔바른고딕"/>
-            </a:endParaRPr>
+              <a:t>서비스 소개</a:t>
+            </a:r>
           </a:p>
         </p:txBody>
       </p:sp>
       <p:grpSp>
         <p:nvGrpSpPr>
-          <p:cNvPr id="5" name="그룹 4"/>
+          <p:cNvPr id="9" name="그룹 8"/>
           <p:cNvGrpSpPr/>
           <p:nvPr/>
         </p:nvGrpSpPr>
         <p:grpSpPr>
-          <a:xfrm rot="0">
+          <a:xfrm>
             <a:off x="-2977" y="6284686"/>
             <a:ext cx="12194977" cy="573314"/>
             <a:chOff x="-2977" y="6284686"/>
@@ -7931,7 +10139,7 @@
         </p:grpSpPr>
         <p:sp>
           <p:nvSpPr>
-            <p:cNvPr id="6" name="직사각형 5"/>
+            <p:cNvPr id="3" name="직사각형 2"/>
             <p:cNvSpPr/>
             <p:nvPr/>
           </p:nvSpPr>
@@ -7944,7 +10152,7 @@
               <a:avLst/>
             </a:prstGeom>
             <a:solidFill>
-              <a:srgbClr val="ec515f"/>
+              <a:srgbClr val="EC515F"/>
             </a:solidFill>
             <a:ln>
               <a:noFill/>
@@ -7975,7 +10183,692 @@
               </a:pPr>
               <a:endParaRPr lang="ko-KR" altLang="en-US">
                 <a:solidFill>
-                  <a:srgbClr val="ec515f"/>
+                  <a:srgbClr val="EC515F"/>
+                </a:solidFill>
+              </a:endParaRPr>
+            </a:p>
+          </p:txBody>
+        </p:sp>
+        <p:sp>
+          <p:nvSpPr>
+            <p:cNvPr id="6" name="이등변 삼각형 5"/>
+            <p:cNvSpPr/>
+            <p:nvPr/>
+          </p:nvSpPr>
+          <p:spPr>
+            <a:xfrm>
+              <a:off x="6043043" y="6284686"/>
+              <a:ext cx="5792537" cy="573314"/>
+            </a:xfrm>
+            <a:prstGeom prst="triangle">
+              <a:avLst>
+                <a:gd name="adj" fmla="val 50000"/>
+              </a:avLst>
+            </a:prstGeom>
+            <a:solidFill>
+              <a:srgbClr val="F47682"/>
+            </a:solidFill>
+            <a:ln>
+              <a:noFill/>
+            </a:ln>
+          </p:spPr>
+          <p:style>
+            <a:lnRef idx="2">
+              <a:schemeClr val="accent1">
+                <a:shade val="50000"/>
+              </a:schemeClr>
+            </a:lnRef>
+            <a:fillRef idx="1">
+              <a:schemeClr val="accent1"/>
+            </a:fillRef>
+            <a:effectRef idx="0">
+              <a:schemeClr val="accent1"/>
+            </a:effectRef>
+            <a:fontRef idx="minor">
+              <a:schemeClr val="lt1"/>
+            </a:fontRef>
+          </p:style>
+          <p:txBody>
+            <a:bodyPr anchor="ctr"/>
+            <a:lstStyle/>
+            <a:p>
+              <a:pPr algn="ctr">
+                <a:defRPr lang="ko-KR" altLang="en-US"/>
+              </a:pPr>
+              <a:endParaRPr lang="ko-KR" altLang="en-US"/>
+            </a:p>
+          </p:txBody>
+        </p:sp>
+        <p:sp>
+          <p:nvSpPr>
+            <p:cNvPr id="7" name="이등변 삼각형 6"/>
+            <p:cNvSpPr/>
+            <p:nvPr/>
+          </p:nvSpPr>
+          <p:spPr>
+            <a:xfrm rot="10800000">
+              <a:off x="-2977" y="6284686"/>
+              <a:ext cx="5689600" cy="573314"/>
+            </a:xfrm>
+            <a:prstGeom prst="triangle">
+              <a:avLst>
+                <a:gd name="adj" fmla="val 50000"/>
+              </a:avLst>
+            </a:prstGeom>
+            <a:solidFill>
+              <a:srgbClr val="F47682"/>
+            </a:solidFill>
+            <a:ln>
+              <a:noFill/>
+            </a:ln>
+          </p:spPr>
+          <p:style>
+            <a:lnRef idx="2">
+              <a:schemeClr val="accent1">
+                <a:shade val="50000"/>
+              </a:schemeClr>
+            </a:lnRef>
+            <a:fillRef idx="1">
+              <a:schemeClr val="accent1"/>
+            </a:fillRef>
+            <a:effectRef idx="0">
+              <a:schemeClr val="accent1"/>
+            </a:effectRef>
+            <a:fontRef idx="minor">
+              <a:schemeClr val="lt1"/>
+            </a:fontRef>
+          </p:style>
+          <p:txBody>
+            <a:bodyPr anchor="ctr"/>
+            <a:lstStyle/>
+            <a:p>
+              <a:pPr algn="ctr">
+                <a:defRPr lang="ko-KR" altLang="en-US"/>
+              </a:pPr>
+              <a:endParaRPr lang="ko-KR" altLang="en-US"/>
+            </a:p>
+          </p:txBody>
+        </p:sp>
+      </p:grpSp>
+      <p:sp>
+        <p:nvSpPr>
+          <p:cNvPr id="10" name="직사각형 9"/>
+          <p:cNvSpPr/>
+          <p:nvPr/>
+        </p:nvSpPr>
+        <p:spPr>
+          <a:xfrm>
+            <a:off x="3217332" y="2073066"/>
+            <a:ext cx="1354667" cy="1354667"/>
+          </a:xfrm>
+          <a:prstGeom prst="rect">
+            <a:avLst/>
+          </a:prstGeom>
+          <a:solidFill>
+            <a:srgbClr val="EC515F"/>
+          </a:solidFill>
+          <a:ln>
+            <a:noFill/>
+          </a:ln>
+        </p:spPr>
+        <p:style>
+          <a:lnRef idx="2">
+            <a:schemeClr val="accent1">
+              <a:shade val="50000"/>
+            </a:schemeClr>
+          </a:lnRef>
+          <a:fillRef idx="1">
+            <a:schemeClr val="accent1"/>
+          </a:fillRef>
+          <a:effectRef idx="0">
+            <a:schemeClr val="accent1"/>
+          </a:effectRef>
+          <a:fontRef idx="minor">
+            <a:schemeClr val="lt1"/>
+          </a:fontRef>
+        </p:style>
+        <p:txBody>
+          <a:bodyPr anchor="ctr"/>
+          <a:lstStyle/>
+          <a:p>
+            <a:pPr algn="ctr">
+              <a:defRPr lang="ko-KR" altLang="en-US"/>
+            </a:pPr>
+            <a:r>
+              <a:rPr lang="ko-KR" altLang="en-US" sz="7200" b="1"/>
+              <a:t>비</a:t>
+            </a:r>
+          </a:p>
+        </p:txBody>
+      </p:sp>
+      <p:sp>
+        <p:nvSpPr>
+          <p:cNvPr id="12" name="직사각형 11"/>
+          <p:cNvSpPr/>
+          <p:nvPr/>
+        </p:nvSpPr>
+        <p:spPr>
+          <a:xfrm>
+            <a:off x="1545085" y="2070643"/>
+            <a:ext cx="1354667" cy="1354667"/>
+          </a:xfrm>
+          <a:prstGeom prst="rect">
+            <a:avLst/>
+          </a:prstGeom>
+          <a:solidFill>
+            <a:srgbClr val="F8AAB1"/>
+          </a:solidFill>
+          <a:ln>
+            <a:noFill/>
+          </a:ln>
+        </p:spPr>
+        <p:style>
+          <a:lnRef idx="2">
+            <a:schemeClr val="accent1">
+              <a:shade val="50000"/>
+            </a:schemeClr>
+          </a:lnRef>
+          <a:fillRef idx="1">
+            <a:schemeClr val="accent1"/>
+          </a:fillRef>
+          <a:effectRef idx="0">
+            <a:schemeClr val="accent1"/>
+          </a:effectRef>
+          <a:fontRef idx="minor">
+            <a:schemeClr val="lt1"/>
+          </a:fontRef>
+        </p:style>
+        <p:txBody>
+          <a:bodyPr anchor="ctr"/>
+          <a:lstStyle/>
+          <a:p>
+            <a:pPr algn="ctr">
+              <a:defRPr lang="ko-KR" altLang="en-US"/>
+            </a:pPr>
+            <a:r>
+              <a:rPr lang="ko-KR" altLang="en-US" sz="7200" b="1"/>
+              <a:t>보</a:t>
+            </a:r>
+          </a:p>
+        </p:txBody>
+      </p:sp>
+      <p:sp>
+        <p:nvSpPr>
+          <p:cNvPr id="24" name="TextBox 23"/>
+          <p:cNvSpPr txBox="1"/>
+          <p:nvPr/>
+        </p:nvSpPr>
+        <p:spPr>
+          <a:xfrm>
+            <a:off x="4863041" y="2762461"/>
+            <a:ext cx="5969000" cy="666539"/>
+          </a:xfrm>
+          <a:prstGeom prst="rect">
+            <a:avLst/>
+          </a:prstGeom>
+        </p:spPr>
+        <p:txBody>
+          <a:bodyPr wrap="square">
+            <a:spAutoFit/>
+          </a:bodyPr>
+          <a:lstStyle/>
+          <a:p>
+            <a:pPr>
+              <a:defRPr lang="ko-KR" altLang="en-US"/>
+            </a:pPr>
+            <a:r>
+              <a:rPr lang="ko-KR" altLang="en-US" sz="3800" b="1"/>
+              <a:t>하다 : 보조하여 돌보다.</a:t>
+            </a:r>
+          </a:p>
+        </p:txBody>
+      </p:sp>
+      <p:sp>
+        <p:nvSpPr>
+          <p:cNvPr id="25" name="TextBox 24"/>
+          <p:cNvSpPr txBox="1"/>
+          <p:nvPr/>
+        </p:nvSpPr>
+        <p:spPr>
+          <a:xfrm>
+            <a:off x="1148288" y="4677833"/>
+            <a:ext cx="9641423" cy="681779"/>
+          </a:xfrm>
+          <a:prstGeom prst="rect">
+            <a:avLst/>
+          </a:prstGeom>
+        </p:spPr>
+        <p:txBody>
+          <a:bodyPr wrap="square">
+            <a:spAutoFit/>
+          </a:bodyPr>
+          <a:lstStyle/>
+          <a:p>
+            <a:pPr algn="ctr">
+              <a:defRPr lang="ko-KR" altLang="en-US"/>
+            </a:pPr>
+            <a:r>
+              <a:rPr lang="ko-KR" altLang="en-US" sz="3900" b="1">
+                <a:solidFill>
+                  <a:srgbClr val="EC515F"/>
+                </a:solidFill>
+              </a:rPr>
+              <a:t>노인, 아동 돌봄 서비스 어플리케이션</a:t>
+            </a:r>
+          </a:p>
+        </p:txBody>
+      </p:sp>
+    </p:spTree>
+  </p:cSld>
+  <p:clrMapOvr>
+    <a:masterClrMapping/>
+  </p:clrMapOvr>
+  <p:transition/>
+</p:sld>
+</file>
+
+<file path=ppt/slides/slide8.xml><?xml version="1.0" encoding="utf-8"?>
+<p:sld xmlns:a="http://schemas.openxmlformats.org/drawingml/2006/main" xmlns:r="http://schemas.openxmlformats.org/officeDocument/2006/relationships" xmlns:p="http://schemas.openxmlformats.org/presentationml/2006/main">
+  <p:cSld>
+    <p:bg>
+      <p:bgPr>
+        <a:solidFill>
+          <a:srgbClr val="F7F7F7"/>
+        </a:solidFill>
+        <a:effectLst/>
+      </p:bgPr>
+    </p:bg>
+    <p:spTree>
+      <p:nvGrpSpPr>
+        <p:cNvPr id="1" name=""/>
+        <p:cNvGrpSpPr/>
+        <p:nvPr/>
+      </p:nvGrpSpPr>
+      <p:grpSpPr>
+        <a:xfrm>
+          <a:off x="0" y="0"/>
+          <a:ext cx="0" cy="0"/>
+          <a:chOff x="0" y="0"/>
+          <a:chExt cx="0" cy="0"/>
+        </a:xfrm>
+      </p:grpSpPr>
+      <p:sp>
+        <p:nvSpPr>
+          <p:cNvPr id="44" name="직사각형 43"/>
+          <p:cNvSpPr/>
+          <p:nvPr/>
+        </p:nvSpPr>
+        <p:spPr>
+          <a:xfrm>
+            <a:off x="5703359" y="4184650"/>
+            <a:ext cx="5545666" cy="179916"/>
+          </a:xfrm>
+          <a:prstGeom prst="rect">
+            <a:avLst/>
+          </a:prstGeom>
+          <a:solidFill>
+            <a:srgbClr val="F47682"/>
+          </a:solidFill>
+          <a:ln>
+            <a:noFill/>
+          </a:ln>
+        </p:spPr>
+        <p:style>
+          <a:lnRef idx="2">
+            <a:schemeClr val="accent1">
+              <a:shade val="20000"/>
+            </a:schemeClr>
+          </a:lnRef>
+          <a:fillRef idx="1">
+            <a:schemeClr val="accent1"/>
+          </a:fillRef>
+          <a:effectRef idx="0">
+            <a:schemeClr val="accent1"/>
+          </a:effectRef>
+          <a:fontRef idx="minor">
+            <a:schemeClr val="lt1"/>
+          </a:fontRef>
+        </p:style>
+        <p:txBody>
+          <a:bodyPr anchor="ctr"/>
+          <a:lstStyle/>
+          <a:p>
+            <a:pPr algn="ctr">
+              <a:defRPr lang="ko-KR" altLang="en-US"/>
+            </a:pPr>
+            <a:endParaRPr lang="ko-KR" altLang="en-US"/>
+          </a:p>
+        </p:txBody>
+      </p:sp>
+      <p:sp>
+        <p:nvSpPr>
+          <p:cNvPr id="42" name="직사각형 41"/>
+          <p:cNvSpPr/>
+          <p:nvPr/>
+        </p:nvSpPr>
+        <p:spPr>
+          <a:xfrm>
+            <a:off x="5752042" y="2592916"/>
+            <a:ext cx="5545666" cy="179916"/>
+          </a:xfrm>
+          <a:prstGeom prst="rect">
+            <a:avLst/>
+          </a:prstGeom>
+          <a:solidFill>
+            <a:srgbClr val="F47682"/>
+          </a:solidFill>
+          <a:ln>
+            <a:noFill/>
+          </a:ln>
+        </p:spPr>
+        <p:style>
+          <a:lnRef idx="2">
+            <a:schemeClr val="accent1">
+              <a:shade val="20000"/>
+            </a:schemeClr>
+          </a:lnRef>
+          <a:fillRef idx="1">
+            <a:schemeClr val="accent1"/>
+          </a:fillRef>
+          <a:effectRef idx="0">
+            <a:schemeClr val="accent1"/>
+          </a:effectRef>
+          <a:fontRef idx="minor">
+            <a:schemeClr val="lt1"/>
+          </a:fontRef>
+        </p:style>
+        <p:txBody>
+          <a:bodyPr anchor="ctr"/>
+          <a:lstStyle/>
+          <a:p>
+            <a:pPr algn="ctr">
+              <a:defRPr lang="ko-KR" altLang="en-US"/>
+            </a:pPr>
+            <a:endParaRPr lang="ko-KR" altLang="en-US"/>
+          </a:p>
+        </p:txBody>
+      </p:sp>
+      <p:sp>
+        <p:nvSpPr>
+          <p:cNvPr id="35" name="직사각형 34"/>
+          <p:cNvSpPr/>
+          <p:nvPr/>
+        </p:nvSpPr>
+        <p:spPr>
+          <a:xfrm rot="19673620">
+            <a:off x="4377440" y="2866969"/>
+            <a:ext cx="1521535" cy="186383"/>
+          </a:xfrm>
+          <a:prstGeom prst="rect">
+            <a:avLst/>
+          </a:prstGeom>
+          <a:solidFill>
+            <a:srgbClr val="F47682"/>
+          </a:solidFill>
+          <a:ln>
+            <a:noFill/>
+          </a:ln>
+        </p:spPr>
+        <p:style>
+          <a:lnRef idx="2">
+            <a:schemeClr val="accent1">
+              <a:shade val="20000"/>
+            </a:schemeClr>
+          </a:lnRef>
+          <a:fillRef idx="1">
+            <a:schemeClr val="accent1"/>
+          </a:fillRef>
+          <a:effectRef idx="0">
+            <a:schemeClr val="accent1"/>
+          </a:effectRef>
+          <a:fontRef idx="minor">
+            <a:schemeClr val="lt1"/>
+          </a:fontRef>
+        </p:style>
+        <p:txBody>
+          <a:bodyPr anchor="ctr"/>
+          <a:lstStyle/>
+          <a:p>
+            <a:pPr algn="ctr">
+              <a:defRPr lang="ko-KR" altLang="en-US"/>
+            </a:pPr>
+            <a:endParaRPr lang="ko-KR" altLang="en-US"/>
+          </a:p>
+        </p:txBody>
+      </p:sp>
+      <p:sp>
+        <p:nvSpPr>
+          <p:cNvPr id="36" name="직사각형 35"/>
+          <p:cNvSpPr/>
+          <p:nvPr/>
+        </p:nvSpPr>
+        <p:spPr>
+          <a:xfrm rot="2089031">
+            <a:off x="4329745" y="3754353"/>
+            <a:ext cx="1879394" cy="166330"/>
+          </a:xfrm>
+          <a:prstGeom prst="rect">
+            <a:avLst/>
+          </a:prstGeom>
+          <a:solidFill>
+            <a:srgbClr val="F47682"/>
+          </a:solidFill>
+          <a:ln>
+            <a:noFill/>
+          </a:ln>
+        </p:spPr>
+        <p:style>
+          <a:lnRef idx="2">
+            <a:schemeClr val="accent1">
+              <a:shade val="20000"/>
+            </a:schemeClr>
+          </a:lnRef>
+          <a:fillRef idx="1">
+            <a:schemeClr val="accent1"/>
+          </a:fillRef>
+          <a:effectRef idx="0">
+            <a:schemeClr val="accent1"/>
+          </a:effectRef>
+          <a:fontRef idx="minor">
+            <a:schemeClr val="lt1"/>
+          </a:fontRef>
+        </p:style>
+        <p:txBody>
+          <a:bodyPr anchor="ctr"/>
+          <a:lstStyle/>
+          <a:p>
+            <a:pPr algn="ctr">
+              <a:defRPr lang="ko-KR" altLang="en-US"/>
+            </a:pPr>
+            <a:endParaRPr lang="ko-KR" altLang="en-US"/>
+          </a:p>
+        </p:txBody>
+      </p:sp>
+      <p:sp>
+        <p:nvSpPr>
+          <p:cNvPr id="14" name="직사각형 13"/>
+          <p:cNvSpPr/>
+          <p:nvPr/>
+        </p:nvSpPr>
+        <p:spPr>
+          <a:xfrm rot="21573997">
+            <a:off x="-895508" y="3240404"/>
+            <a:ext cx="5466951" cy="167923"/>
+          </a:xfrm>
+          <a:prstGeom prst="rect">
+            <a:avLst/>
+          </a:prstGeom>
+          <a:solidFill>
+            <a:srgbClr val="F47682"/>
+          </a:solidFill>
+          <a:ln>
+            <a:noFill/>
+          </a:ln>
+        </p:spPr>
+        <p:style>
+          <a:lnRef idx="2">
+            <a:schemeClr val="accent1">
+              <a:shade val="50000"/>
+            </a:schemeClr>
+          </a:lnRef>
+          <a:fillRef idx="1">
+            <a:schemeClr val="accent1"/>
+          </a:fillRef>
+          <a:effectRef idx="0">
+            <a:schemeClr val="accent1"/>
+          </a:effectRef>
+          <a:fontRef idx="minor">
+            <a:schemeClr val="lt1"/>
+          </a:fontRef>
+        </p:style>
+        <p:txBody>
+          <a:bodyPr anchor="ctr"/>
+          <a:lstStyle/>
+          <a:p>
+            <a:pPr algn="ctr">
+              <a:defRPr lang="ko-KR" altLang="en-US"/>
+            </a:pPr>
+            <a:endParaRPr lang="ko-KR" altLang="en-US"/>
+          </a:p>
+        </p:txBody>
+      </p:sp>
+      <p:sp>
+        <p:nvSpPr>
+          <p:cNvPr id="3" name="TextBox 2"/>
+          <p:cNvSpPr txBox="1"/>
+          <p:nvPr/>
+        </p:nvSpPr>
+        <p:spPr>
+          <a:xfrm>
+            <a:off x="270934" y="237069"/>
+            <a:ext cx="2268431" cy="570651"/>
+          </a:xfrm>
+          <a:prstGeom prst="rect">
+            <a:avLst/>
+          </a:prstGeom>
+          <a:noFill/>
+        </p:spPr>
+        <p:txBody>
+          <a:bodyPr wrap="none">
+            <a:spAutoFit/>
+          </a:bodyPr>
+          <a:lstStyle/>
+          <a:p>
+            <a:pPr lvl="0">
+              <a:defRPr lang="ko-KR" altLang="en-US"/>
+            </a:pPr>
+            <a:r>
+              <a:rPr lang="ko-KR" altLang="en-US" sz="3200" b="1">
+                <a:solidFill>
+                  <a:srgbClr val="3F2124"/>
+                </a:solidFill>
+                <a:latin typeface="나눔바른고딕"/>
+                <a:ea typeface="나눔바른고딕"/>
+              </a:rPr>
+              <a:t>사용자 측면</a:t>
+            </a:r>
+          </a:p>
+        </p:txBody>
+      </p:sp>
+      <p:sp>
+        <p:nvSpPr>
+          <p:cNvPr id="4" name="TextBox 3"/>
+          <p:cNvSpPr txBox="1"/>
+          <p:nvPr/>
+        </p:nvSpPr>
+        <p:spPr>
+          <a:xfrm>
+            <a:off x="292099" y="917095"/>
+            <a:ext cx="2923541" cy="452600"/>
+          </a:xfrm>
+          <a:prstGeom prst="rect">
+            <a:avLst/>
+          </a:prstGeom>
+          <a:noFill/>
+        </p:spPr>
+        <p:txBody>
+          <a:bodyPr wrap="none">
+            <a:spAutoFit/>
+          </a:bodyPr>
+          <a:lstStyle/>
+          <a:p>
+            <a:pPr lvl="0">
+              <a:defRPr lang="ko-KR" altLang="en-US"/>
+            </a:pPr>
+            <a:r>
+              <a:rPr lang="ko-KR" altLang="en-US" sz="2400" b="1">
+                <a:solidFill>
+                  <a:srgbClr val="EC515F"/>
+                </a:solidFill>
+                <a:latin typeface="나눔바른고딕"/>
+                <a:ea typeface="나눔바른고딕"/>
+              </a:rPr>
+              <a:t>보비 등록 (보비하기)</a:t>
+            </a:r>
+          </a:p>
+        </p:txBody>
+      </p:sp>
+      <p:grpSp>
+        <p:nvGrpSpPr>
+          <p:cNvPr id="5" name="그룹 4"/>
+          <p:cNvGrpSpPr/>
+          <p:nvPr/>
+        </p:nvGrpSpPr>
+        <p:grpSpPr>
+          <a:xfrm>
+            <a:off x="-2977" y="6284686"/>
+            <a:ext cx="12194977" cy="573314"/>
+            <a:chOff x="-2977" y="6284686"/>
+            <a:chExt cx="12194977" cy="573314"/>
+          </a:xfrm>
+        </p:grpSpPr>
+        <p:sp>
+          <p:nvSpPr>
+            <p:cNvPr id="6" name="직사각형 5"/>
+            <p:cNvSpPr/>
+            <p:nvPr/>
+          </p:nvSpPr>
+          <p:spPr>
+            <a:xfrm>
+              <a:off x="0" y="6284686"/>
+              <a:ext cx="12192000" cy="573314"/>
+            </a:xfrm>
+            <a:prstGeom prst="rect">
+              <a:avLst/>
+            </a:prstGeom>
+            <a:solidFill>
+              <a:srgbClr val="EC515F"/>
+            </a:solidFill>
+            <a:ln>
+              <a:noFill/>
+            </a:ln>
+          </p:spPr>
+          <p:style>
+            <a:lnRef idx="2">
+              <a:schemeClr val="accent1">
+                <a:shade val="50000"/>
+              </a:schemeClr>
+            </a:lnRef>
+            <a:fillRef idx="1">
+              <a:schemeClr val="accent1"/>
+            </a:fillRef>
+            <a:effectRef idx="0">
+              <a:schemeClr val="accent1"/>
+            </a:effectRef>
+            <a:fontRef idx="minor">
+              <a:schemeClr val="lt1"/>
+            </a:fontRef>
+          </p:style>
+          <p:txBody>
+            <a:bodyPr anchor="ctr"/>
+            <a:lstStyle/>
+            <a:p>
+              <a:pPr algn="ctr">
+                <a:defRPr lang="ko-KR" altLang="en-US"/>
+              </a:pPr>
+              <a:endParaRPr lang="ko-KR" altLang="en-US">
+                <a:solidFill>
+                  <a:srgbClr val="EC515F"/>
                 </a:solidFill>
               </a:endParaRPr>
             </a:p>
@@ -7998,7 +10891,7 @@
               </a:avLst>
             </a:prstGeom>
             <a:solidFill>
-              <a:srgbClr val="f47682"/>
+              <a:srgbClr val="F47682"/>
             </a:solidFill>
             <a:ln>
               <a:noFill/>
@@ -8048,7 +10941,7 @@
               </a:avLst>
             </a:prstGeom>
             <a:solidFill>
-              <a:srgbClr val="f47682"/>
+              <a:srgbClr val="F47682"/>
             </a:solidFill>
             <a:ln>
               <a:noFill/>
@@ -8084,26 +10977,23 @@
       </p:grpSp>
       <p:sp>
         <p:nvSpPr>
-          <p:cNvPr id="9" name="직사각형 8"/>
+          <p:cNvPr id="19" name="타원 18"/>
           <p:cNvSpPr/>
           <p:nvPr/>
         </p:nvSpPr>
         <p:spPr>
           <a:xfrm>
-            <a:off x="1062958" y="1186472"/>
-            <a:ext cx="2675467" cy="1727200"/>
-          </a:xfrm>
-          <a:prstGeom prst="rect">
+            <a:off x="687489" y="2978583"/>
+            <a:ext cx="638366" cy="625666"/>
+          </a:xfrm>
+          <a:prstGeom prst="ellipse">
             <a:avLst/>
           </a:prstGeom>
-          <a:noFill/>
+          <a:solidFill>
+            <a:srgbClr val="F8AAB1"/>
+          </a:solidFill>
           <a:ln>
-            <a:solidFill>
-              <a:schemeClr val="bg1">
-                <a:lumMod val="65000"/>
-              </a:schemeClr>
-            </a:solidFill>
-            <a:prstDash val="dash"/>
+            <a:noFill/>
           </a:ln>
         </p:spPr>
         <p:style>
@@ -8129,48 +11019,29 @@
             <a:pPr algn="ctr">
               <a:defRPr lang="ko-KR" altLang="en-US"/>
             </a:pPr>
-            <a:r>
-              <a:rPr lang="ko-KR" altLang="en-US">
-                <a:solidFill>
-                  <a:schemeClr val="bg1">
-                    <a:lumMod val="65000"/>
-                  </a:schemeClr>
-                </a:solidFill>
-              </a:rPr>
-              <a:t>이미지삽입</a:t>
-            </a:r>
-            <a:endParaRPr lang="ko-KR" altLang="en-US">
-              <a:solidFill>
-                <a:schemeClr val="bg1">
-                  <a:lumMod val="65000"/>
-                </a:schemeClr>
-              </a:solidFill>
-            </a:endParaRPr>
-          </a:p>
-        </p:txBody>
-      </p:sp>
-      <p:sp>
-        <p:nvSpPr>
-          <p:cNvPr id="10" name="직사각형 9"/>
+            <a:endParaRPr lang="ko-KR" altLang="en-US"/>
+          </a:p>
+        </p:txBody>
+      </p:sp>
+      <p:sp>
+        <p:nvSpPr>
+          <p:cNvPr id="20" name="타원 19"/>
           <p:cNvSpPr/>
           <p:nvPr/>
         </p:nvSpPr>
         <p:spPr>
           <a:xfrm>
-            <a:off x="4771358" y="1186472"/>
-            <a:ext cx="2675467" cy="1727200"/>
-          </a:xfrm>
-          <a:prstGeom prst="rect">
+            <a:off x="2846917" y="3046316"/>
+            <a:ext cx="648951" cy="626100"/>
+          </a:xfrm>
+          <a:prstGeom prst="ellipse">
             <a:avLst/>
           </a:prstGeom>
-          <a:noFill/>
+          <a:solidFill>
+            <a:srgbClr val="F58B95"/>
+          </a:solidFill>
           <a:ln>
-            <a:solidFill>
-              <a:schemeClr val="bg1">
-                <a:lumMod val="65000"/>
-              </a:schemeClr>
-            </a:solidFill>
-            <a:prstDash val="dash"/>
+            <a:noFill/>
           </a:ln>
         </p:spPr>
         <p:style>
@@ -8196,48 +11067,29 @@
             <a:pPr algn="ctr">
               <a:defRPr lang="ko-KR" altLang="en-US"/>
             </a:pPr>
-            <a:r>
-              <a:rPr lang="ko-KR" altLang="en-US">
-                <a:solidFill>
-                  <a:schemeClr val="bg1">
-                    <a:lumMod val="65000"/>
-                  </a:schemeClr>
-                </a:solidFill>
-              </a:rPr>
-              <a:t>아미지삽입</a:t>
-            </a:r>
-            <a:endParaRPr lang="ko-KR" altLang="en-US">
-              <a:solidFill>
-                <a:schemeClr val="bg1">
-                  <a:lumMod val="65000"/>
-                </a:schemeClr>
-              </a:solidFill>
-            </a:endParaRPr>
-          </a:p>
-        </p:txBody>
-      </p:sp>
-      <p:sp>
-        <p:nvSpPr>
-          <p:cNvPr id="11" name="직사각형 10"/>
+            <a:endParaRPr lang="ko-KR" altLang="en-US"/>
+          </a:p>
+        </p:txBody>
+      </p:sp>
+      <p:sp>
+        <p:nvSpPr>
+          <p:cNvPr id="21" name="타원 20"/>
           <p:cNvSpPr/>
           <p:nvPr/>
         </p:nvSpPr>
         <p:spPr>
           <a:xfrm>
-            <a:off x="8479758" y="1186472"/>
-            <a:ext cx="2675467" cy="1727200"/>
-          </a:xfrm>
-          <a:prstGeom prst="rect">
+            <a:off x="5358928" y="2315631"/>
+            <a:ext cx="627783" cy="617200"/>
+          </a:xfrm>
+          <a:prstGeom prst="ellipse">
             <a:avLst/>
           </a:prstGeom>
-          <a:noFill/>
+          <a:solidFill>
+            <a:srgbClr val="F47682"/>
+          </a:solidFill>
           <a:ln>
-            <a:solidFill>
-              <a:schemeClr val="bg1">
-                <a:lumMod val="65000"/>
-              </a:schemeClr>
-            </a:solidFill>
-            <a:prstDash val="dash"/>
+            <a:noFill/>
           </a:ln>
         </p:spPr>
         <p:style>
@@ -8263,44 +11115,26 @@
             <a:pPr algn="ctr">
               <a:defRPr lang="ko-KR" altLang="en-US"/>
             </a:pPr>
-            <a:r>
-              <a:rPr lang="ko-KR" altLang="en-US">
-                <a:solidFill>
-                  <a:schemeClr val="bg1">
-                    <a:lumMod val="65000"/>
-                  </a:schemeClr>
-                </a:solidFill>
-              </a:rPr>
-              <a:t>이미지삽입</a:t>
-            </a:r>
-            <a:endParaRPr lang="ko-KR" altLang="en-US">
-              <a:solidFill>
-                <a:schemeClr val="bg1">
-                  <a:lumMod val="65000"/>
-                </a:schemeClr>
-              </a:solidFill>
-            </a:endParaRPr>
-          </a:p>
-        </p:txBody>
-      </p:sp>
-      <p:sp>
-        <p:nvSpPr>
-          <p:cNvPr id="16" name="모서리가 둥근 직사각형 15"/>
+            <a:endParaRPr lang="ko-KR" altLang="en-US"/>
+          </a:p>
+        </p:txBody>
+      </p:sp>
+      <p:sp>
+        <p:nvSpPr>
+          <p:cNvPr id="22" name="타원 21"/>
           <p:cNvSpPr/>
           <p:nvPr/>
         </p:nvSpPr>
         <p:spPr>
           <a:xfrm>
-            <a:off x="1399241" y="3244334"/>
-            <a:ext cx="2002901" cy="369332"/>
-          </a:xfrm>
-          <a:prstGeom prst="roundRect">
-            <a:avLst>
-              <a:gd name="adj" fmla="val 16667"/>
-            </a:avLst>
+            <a:off x="5519772" y="3977214"/>
+            <a:ext cx="617200" cy="606617"/>
+          </a:xfrm>
+          <a:prstGeom prst="ellipse">
+            <a:avLst/>
           </a:prstGeom>
           <a:solidFill>
-            <a:srgbClr val="ec515f"/>
+            <a:srgbClr val="EC515F"/>
           </a:solidFill>
           <a:ln>
             <a:noFill/>
@@ -8329,38 +11163,262 @@
             <a:pPr algn="ctr">
               <a:defRPr lang="ko-KR" altLang="en-US"/>
             </a:pPr>
-            <a:r>
-              <a:rPr lang="ko-KR" altLang="en-US" b="1">
-                <a:latin typeface="나눔바른고딕"/>
-                <a:ea typeface="나눔바른고딕"/>
-              </a:rPr>
-              <a:t>급구</a:t>
-            </a:r>
-            <a:endParaRPr lang="ko-KR" altLang="en-US" b="1">
-              <a:latin typeface="나눔바른고딕"/>
-              <a:ea typeface="나눔바른고딕"/>
-            </a:endParaRPr>
-          </a:p>
-        </p:txBody>
-      </p:sp>
-      <p:sp>
-        <p:nvSpPr>
-          <p:cNvPr id="17" name="모서리가 둥근 직사각형 16"/>
+            <a:endParaRPr lang="ko-KR" altLang="en-US"/>
+          </a:p>
+        </p:txBody>
+      </p:sp>
+      <p:sp>
+        <p:nvSpPr>
+          <p:cNvPr id="31" name="TextBox 30"/>
+          <p:cNvSpPr txBox="1"/>
+          <p:nvPr/>
+        </p:nvSpPr>
+        <p:spPr>
+          <a:xfrm>
+            <a:off x="142866" y="2505920"/>
+            <a:ext cx="2074335" cy="362163"/>
+          </a:xfrm>
+          <a:prstGeom prst="rect">
+            <a:avLst/>
+          </a:prstGeom>
+        </p:spPr>
+        <p:txBody>
+          <a:bodyPr wrap="square">
+            <a:spAutoFit/>
+          </a:bodyPr>
+          <a:lstStyle/>
+          <a:p>
+            <a:pPr>
+              <a:defRPr lang="ko-KR" altLang="en-US"/>
+            </a:pPr>
+            <a:r>
+              <a:rPr lang="ko-KR" altLang="en-US" b="1"/>
+              <a:t>보비하기 선택</a:t>
+            </a:r>
+          </a:p>
+        </p:txBody>
+      </p:sp>
+      <p:sp>
+        <p:nvSpPr>
+          <p:cNvPr id="32" name="TextBox 31"/>
+          <p:cNvSpPr txBox="1"/>
+          <p:nvPr/>
+        </p:nvSpPr>
+        <p:spPr>
+          <a:xfrm>
+            <a:off x="2196041" y="2457661"/>
+            <a:ext cx="2375959" cy="639234"/>
+          </a:xfrm>
+          <a:prstGeom prst="rect">
+            <a:avLst/>
+          </a:prstGeom>
+        </p:spPr>
+        <p:txBody>
+          <a:bodyPr wrap="square">
+            <a:spAutoFit/>
+          </a:bodyPr>
+          <a:lstStyle/>
+          <a:p>
+            <a:pPr>
+              <a:defRPr lang="ko-KR" altLang="en-US"/>
+            </a:pPr>
+            <a:r>
+              <a:rPr lang="ko-KR" altLang="en-US" b="1"/>
+              <a:t>개인정보 입력 및 </a:t>
+            </a:r>
+          </a:p>
+          <a:p>
+            <a:pPr>
+              <a:defRPr lang="ko-KR" altLang="en-US"/>
+            </a:pPr>
+            <a:r>
+              <a:rPr lang="ko-KR" altLang="en-US" b="1"/>
+              <a:t>대상(노인/아동) 선택</a:t>
+            </a:r>
+          </a:p>
+        </p:txBody>
+      </p:sp>
+      <p:sp>
+        <p:nvSpPr>
+          <p:cNvPr id="33" name="TextBox 32"/>
+          <p:cNvSpPr txBox="1"/>
+          <p:nvPr/>
+        </p:nvSpPr>
+        <p:spPr>
+          <a:xfrm>
+            <a:off x="5386915" y="921234"/>
+            <a:ext cx="1864105" cy="468314"/>
+          </a:xfrm>
+          <a:prstGeom prst="rect">
+            <a:avLst/>
+          </a:prstGeom>
+        </p:spPr>
+        <p:txBody>
+          <a:bodyPr wrap="square">
+            <a:spAutoFit/>
+          </a:bodyPr>
+          <a:lstStyle/>
+          <a:p>
+            <a:pPr>
+              <a:defRPr lang="ko-KR" altLang="en-US"/>
+            </a:pPr>
+            <a:r>
+              <a:rPr lang="ko-KR" altLang="en-US" sz="2500" b="1"/>
+              <a:t>노인선택</a:t>
+            </a:r>
+          </a:p>
+        </p:txBody>
+      </p:sp>
+      <p:sp>
+        <p:nvSpPr>
+          <p:cNvPr id="37" name="TextBox 36"/>
+          <p:cNvSpPr txBox="1"/>
+          <p:nvPr/>
+        </p:nvSpPr>
+        <p:spPr>
+          <a:xfrm>
+            <a:off x="5466289" y="3193216"/>
+            <a:ext cx="1894416" cy="472003"/>
+          </a:xfrm>
+          <a:prstGeom prst="rect">
+            <a:avLst/>
+          </a:prstGeom>
+        </p:spPr>
+        <p:txBody>
+          <a:bodyPr wrap="square">
+            <a:spAutoFit/>
+          </a:bodyPr>
+          <a:lstStyle/>
+          <a:p>
+            <a:pPr>
+              <a:defRPr lang="ko-KR" altLang="en-US"/>
+            </a:pPr>
+            <a:r>
+              <a:rPr lang="ko-KR" altLang="en-US" sz="2500" b="1"/>
+              <a:t>아동선택</a:t>
+            </a:r>
+          </a:p>
+        </p:txBody>
+      </p:sp>
+      <p:sp>
+        <p:nvSpPr>
+          <p:cNvPr id="38" name="TextBox 37"/>
+          <p:cNvSpPr txBox="1"/>
+          <p:nvPr/>
+        </p:nvSpPr>
+        <p:spPr>
+          <a:xfrm>
+            <a:off x="5148791" y="1598083"/>
+            <a:ext cx="1979082" cy="646331"/>
+          </a:xfrm>
+          <a:prstGeom prst="rect">
+            <a:avLst/>
+          </a:prstGeom>
+        </p:spPr>
+        <p:txBody>
+          <a:bodyPr wrap="square">
+            <a:spAutoFit/>
+          </a:bodyPr>
+          <a:lstStyle/>
+          <a:p>
+            <a:pPr>
+              <a:defRPr lang="ko-KR" altLang="en-US"/>
+            </a:pPr>
+            <a:r>
+              <a:rPr lang="ko-KR" altLang="en-US" b="1" dirty="0"/>
+              <a:t>서비스의 종류, </a:t>
+            </a:r>
+          </a:p>
+          <a:p>
+            <a:pPr>
+              <a:defRPr lang="ko-KR" altLang="en-US"/>
+            </a:pPr>
+            <a:r>
+              <a:rPr lang="ko-KR" altLang="en-US" b="1" dirty="0"/>
+              <a:t>지역 선택</a:t>
+            </a:r>
+          </a:p>
+        </p:txBody>
+      </p:sp>
+      <p:sp>
+        <p:nvSpPr>
+          <p:cNvPr id="39" name="TextBox 38"/>
+          <p:cNvSpPr txBox="1"/>
+          <p:nvPr/>
+        </p:nvSpPr>
+        <p:spPr>
+          <a:xfrm>
+            <a:off x="4390496" y="4684500"/>
+            <a:ext cx="2529415" cy="1200329"/>
+          </a:xfrm>
+          <a:prstGeom prst="rect">
+            <a:avLst/>
+          </a:prstGeom>
+        </p:spPr>
+        <p:txBody>
+          <a:bodyPr wrap="square">
+            <a:spAutoFit/>
+          </a:bodyPr>
+          <a:lstStyle/>
+          <a:p>
+            <a:pPr>
+              <a:defRPr lang="ko-KR" altLang="en-US"/>
+            </a:pPr>
+            <a:r>
+              <a:rPr lang="ko-KR" altLang="en-US" b="1" dirty="0" err="1"/>
+              <a:t>케어할</a:t>
+            </a:r>
+            <a:r>
+              <a:rPr lang="ko-KR" altLang="en-US" b="1" dirty="0"/>
+              <a:t> 수 있는 대상 (일반 아동/장애 아동),</a:t>
+            </a:r>
+            <a:endParaRPr lang="en-US" altLang="ko-KR" b="1" dirty="0"/>
+          </a:p>
+          <a:p>
+            <a:pPr>
+              <a:defRPr lang="ko-KR" altLang="en-US"/>
+            </a:pPr>
+            <a:r>
+              <a:rPr lang="ko-KR" altLang="en-US" b="1" dirty="0"/>
+              <a:t>서비스의 종류</a:t>
+            </a:r>
+            <a:r>
+              <a:rPr lang="en-US" altLang="ko-KR" b="1" dirty="0"/>
+              <a:t>,</a:t>
+            </a:r>
+            <a:r>
+              <a:rPr lang="ko-KR" altLang="en-US" b="1" dirty="0"/>
+              <a:t> </a:t>
+            </a:r>
+            <a:endParaRPr lang="en-US" altLang="ko-KR" b="1" dirty="0"/>
+          </a:p>
+          <a:p>
+            <a:pPr>
+              <a:defRPr lang="ko-KR" altLang="en-US"/>
+            </a:pPr>
+            <a:r>
+              <a:rPr lang="ko-KR" altLang="en-US" b="1" dirty="0"/>
+              <a:t>지역 선택</a:t>
+            </a:r>
+          </a:p>
+        </p:txBody>
+      </p:sp>
+      <p:sp>
+        <p:nvSpPr>
+          <p:cNvPr id="45" name="타원 18"/>
           <p:cNvSpPr/>
           <p:nvPr/>
         </p:nvSpPr>
         <p:spPr>
           <a:xfrm>
-            <a:off x="5107641" y="3244334"/>
-            <a:ext cx="2002901" cy="580999"/>
-          </a:xfrm>
-          <a:prstGeom prst="roundRect">
-            <a:avLst>
-              <a:gd name="adj" fmla="val 16667"/>
-            </a:avLst>
+            <a:off x="7084057" y="2330450"/>
+            <a:ext cx="648950" cy="617200"/>
+          </a:xfrm>
+          <a:prstGeom prst="ellipse">
+            <a:avLst/>
           </a:prstGeom>
           <a:solidFill>
-            <a:srgbClr val="ec515f"/>
+            <a:srgbClr val="F8AAB1"/>
           </a:solidFill>
           <a:ln>
             <a:noFill/>
@@ -8389,38 +11447,26 @@
             <a:pPr algn="ctr">
               <a:defRPr lang="ko-KR" altLang="en-US"/>
             </a:pPr>
-            <a:r>
-              <a:rPr lang="ko-KR" altLang="en-US" b="1">
-                <a:latin typeface="나눔바른고딕"/>
-                <a:ea typeface="나눔바른고딕"/>
-              </a:rPr>
-              <a:t>1등부업 드림큐 단기알바</a:t>
-            </a:r>
-            <a:endParaRPr lang="ko-KR" altLang="en-US" b="1">
-              <a:latin typeface="나눔바른고딕"/>
-              <a:ea typeface="나눔바른고딕"/>
-            </a:endParaRPr>
-          </a:p>
-        </p:txBody>
-      </p:sp>
-      <p:sp>
-        <p:nvSpPr>
-          <p:cNvPr id="18" name="모서리가 둥근 직사각형 17"/>
+            <a:endParaRPr lang="ko-KR" altLang="en-US"/>
+          </a:p>
+        </p:txBody>
+      </p:sp>
+      <p:sp>
+        <p:nvSpPr>
+          <p:cNvPr id="46" name="타원 18"/>
           <p:cNvSpPr/>
           <p:nvPr/>
         </p:nvSpPr>
         <p:spPr>
           <a:xfrm>
-            <a:off x="8816041" y="3244334"/>
-            <a:ext cx="2002901" cy="369332"/>
-          </a:xfrm>
-          <a:prstGeom prst="roundRect">
-            <a:avLst>
-              <a:gd name="adj" fmla="val 16667"/>
-            </a:avLst>
+            <a:off x="7077706" y="4006849"/>
+            <a:ext cx="638366" cy="596033"/>
+          </a:xfrm>
+          <a:prstGeom prst="ellipse">
+            <a:avLst/>
           </a:prstGeom>
           <a:solidFill>
-            <a:srgbClr val="ec515f"/>
+            <a:srgbClr val="F8AAB1"/>
           </a:solidFill>
           <a:ln>
             <a:noFill/>
@@ -8449,35 +11495,120 @@
             <a:pPr algn="ctr">
               <a:defRPr lang="ko-KR" altLang="en-US"/>
             </a:pPr>
-            <a:r>
-              <a:rPr lang="ko-KR" altLang="en-US" b="1">
-                <a:latin typeface="나눔바른고딕"/>
-                <a:ea typeface="나눔바른고딕"/>
-              </a:rPr>
-              <a:t>일당천국</a:t>
-            </a:r>
-            <a:endParaRPr lang="ko-KR" altLang="en-US" b="1">
-              <a:latin typeface="나눔바른고딕"/>
-              <a:ea typeface="나눔바른고딕"/>
-            </a:endParaRPr>
-          </a:p>
-        </p:txBody>
-      </p:sp>
-      <p:sp>
-        <p:nvSpPr>
-          <p:cNvPr id="19" name="TextBox 18"/>
+            <a:endParaRPr lang="ko-KR" altLang="en-US"/>
+          </a:p>
+        </p:txBody>
+      </p:sp>
+      <p:sp>
+        <p:nvSpPr>
+          <p:cNvPr id="47" name="타원 19"/>
+          <p:cNvSpPr/>
+          <p:nvPr/>
+        </p:nvSpPr>
+        <p:spPr>
+          <a:xfrm>
+            <a:off x="8830732" y="2341465"/>
+            <a:ext cx="659534" cy="617200"/>
+          </a:xfrm>
+          <a:prstGeom prst="ellipse">
+            <a:avLst/>
+          </a:prstGeom>
+          <a:solidFill>
+            <a:srgbClr val="F58B95"/>
+          </a:solidFill>
+          <a:ln>
+            <a:noFill/>
+          </a:ln>
+        </p:spPr>
+        <p:style>
+          <a:lnRef idx="2">
+            <a:schemeClr val="accent1">
+              <a:shade val="50000"/>
+            </a:schemeClr>
+          </a:lnRef>
+          <a:fillRef idx="1">
+            <a:schemeClr val="accent1"/>
+          </a:fillRef>
+          <a:effectRef idx="0">
+            <a:schemeClr val="accent1"/>
+          </a:effectRef>
+          <a:fontRef idx="minor">
+            <a:schemeClr val="lt1"/>
+          </a:fontRef>
+        </p:style>
+        <p:txBody>
+          <a:bodyPr anchor="ctr"/>
+          <a:lstStyle/>
+          <a:p>
+            <a:pPr algn="ctr">
+              <a:defRPr lang="ko-KR" altLang="en-US"/>
+            </a:pPr>
+            <a:endParaRPr lang="ko-KR" altLang="en-US"/>
+          </a:p>
+        </p:txBody>
+      </p:sp>
+      <p:sp>
+        <p:nvSpPr>
+          <p:cNvPr id="48" name="타원 19"/>
+          <p:cNvSpPr/>
+          <p:nvPr/>
+        </p:nvSpPr>
+        <p:spPr>
+          <a:xfrm>
+            <a:off x="8824816" y="3996699"/>
+            <a:ext cx="638367" cy="617200"/>
+          </a:xfrm>
+          <a:prstGeom prst="ellipse">
+            <a:avLst/>
+          </a:prstGeom>
+          <a:solidFill>
+            <a:srgbClr val="F58B95"/>
+          </a:solidFill>
+          <a:ln>
+            <a:noFill/>
+          </a:ln>
+        </p:spPr>
+        <p:style>
+          <a:lnRef idx="2">
+            <a:schemeClr val="accent1">
+              <a:shade val="50000"/>
+            </a:schemeClr>
+          </a:lnRef>
+          <a:fillRef idx="1">
+            <a:schemeClr val="accent1"/>
+          </a:fillRef>
+          <a:effectRef idx="0">
+            <a:schemeClr val="accent1"/>
+          </a:effectRef>
+          <a:fontRef idx="minor">
+            <a:schemeClr val="lt1"/>
+          </a:fontRef>
+        </p:style>
+        <p:txBody>
+          <a:bodyPr anchor="ctr"/>
+          <a:lstStyle/>
+          <a:p>
+            <a:pPr algn="ctr">
+              <a:defRPr lang="ko-KR" altLang="en-US"/>
+            </a:pPr>
+            <a:endParaRPr lang="ko-KR" altLang="en-US"/>
+          </a:p>
+        </p:txBody>
+      </p:sp>
+      <p:sp>
+        <p:nvSpPr>
+          <p:cNvPr id="49" name="TextBox 48"/>
           <p:cNvSpPr txBox="1"/>
           <p:nvPr/>
         </p:nvSpPr>
         <p:spPr>
           <a:xfrm>
-            <a:off x="1051183" y="3825529"/>
-            <a:ext cx="2815432" cy="1001741"/>
+            <a:off x="6969126" y="1598083"/>
+            <a:ext cx="1344083" cy="642620"/>
           </a:xfrm>
           <a:prstGeom prst="rect">
             <a:avLst/>
           </a:prstGeom>
-          <a:noFill/>
         </p:spPr>
         <p:txBody>
           <a:bodyPr wrap="square">
@@ -8489,78 +11620,57 @@
               <a:defRPr lang="ko-KR" altLang="en-US"/>
             </a:pPr>
             <a:r>
-              <a:rPr lang="ko-KR" altLang="en-US" sz="1500">
-                <a:latin typeface="맑은 고딕"/>
-                <a:ea typeface="맑은 고딕"/>
-              </a:rPr>
-              <a:t>-</a:t>
-            </a:r>
-            <a:r>
-              <a:rPr lang="ko-KR" altLang="ko-KR" sz="1500">
-                <a:latin typeface="맑은 고딕"/>
-                <a:ea typeface="맑은 고딕"/>
-              </a:rPr>
-              <a:t>수도권에 집중</a:t>
-            </a:r>
-            <a:r>
-              <a:rPr lang="ko-KR" altLang="en-US" sz="1500">
-                <a:latin typeface="맑은 고딕"/>
-                <a:ea typeface="맑은 고딕"/>
-              </a:rPr>
-              <a:t>됨.</a:t>
-            </a:r>
-            <a:endParaRPr lang="ko-KR" altLang="en-US" sz="1500">
-              <a:latin typeface="맑은 고딕"/>
-              <a:ea typeface="맑은 고딕"/>
-            </a:endParaRPr>
-          </a:p>
+              <a:rPr lang="ko-KR" altLang="en-US" b="1"/>
+              <a:t>근무가능 시간 입력</a:t>
+            </a:r>
+          </a:p>
+        </p:txBody>
+      </p:sp>
+      <p:sp>
+        <p:nvSpPr>
+          <p:cNvPr id="50" name="TextBox 49"/>
+          <p:cNvSpPr txBox="1"/>
+          <p:nvPr/>
+        </p:nvSpPr>
+        <p:spPr>
+          <a:xfrm>
+            <a:off x="7005108" y="4703233"/>
+            <a:ext cx="1344083" cy="642620"/>
+          </a:xfrm>
+          <a:prstGeom prst="rect">
+            <a:avLst/>
+          </a:prstGeom>
+        </p:spPr>
+        <p:txBody>
+          <a:bodyPr wrap="square">
+            <a:spAutoFit/>
+          </a:bodyPr>
+          <a:lstStyle/>
           <a:p>
             <a:pPr>
               <a:defRPr lang="ko-KR" altLang="en-US"/>
             </a:pPr>
             <a:r>
-              <a:rPr lang="ko-KR" altLang="en-US" sz="1500">
-                <a:latin typeface="맑은 고딕"/>
-                <a:ea typeface="맑은 고딕"/>
-              </a:rPr>
-              <a:t>-</a:t>
-            </a:r>
-            <a:r>
-              <a:rPr lang="ko-KR" altLang="ko-KR" sz="1500">
-                <a:latin typeface="맑은 고딕"/>
-                <a:ea typeface="맑은 고딕"/>
-              </a:rPr>
-              <a:t>사용자 후기에 따르면 </a:t>
-            </a:r>
-            <a:r>
-              <a:rPr lang="ko-KR" altLang="en-US" sz="1500">
-                <a:latin typeface="맑은 고딕"/>
-                <a:ea typeface="맑은 고딕"/>
-              </a:rPr>
-              <a:t>일반 알바사이트와 다름없고 급구알바가 딱히 없음.</a:t>
-            </a:r>
-            <a:endParaRPr lang="ko-KR" altLang="en-US" sz="1500">
-              <a:latin typeface="맑은 고딕"/>
-              <a:ea typeface="맑은 고딕"/>
-            </a:endParaRPr>
-          </a:p>
-        </p:txBody>
-      </p:sp>
-      <p:sp>
-        <p:nvSpPr>
-          <p:cNvPr id="20" name="TextBox 19"/>
+              <a:rPr lang="ko-KR" altLang="en-US" b="1"/>
+              <a:t>근무가능 시간 입력</a:t>
+            </a:r>
+          </a:p>
+        </p:txBody>
+      </p:sp>
+      <p:sp>
+        <p:nvSpPr>
+          <p:cNvPr id="51" name="TextBox 50"/>
           <p:cNvSpPr txBox="1"/>
           <p:nvPr/>
         </p:nvSpPr>
         <p:spPr>
           <a:xfrm>
-            <a:off x="4572000" y="3952527"/>
-            <a:ext cx="3175265" cy="998568"/>
+            <a:off x="8514292" y="1598083"/>
+            <a:ext cx="1248833" cy="643679"/>
           </a:xfrm>
           <a:prstGeom prst="rect">
             <a:avLst/>
           </a:prstGeom>
-          <a:noFill/>
         </p:spPr>
         <p:txBody>
           <a:bodyPr wrap="square">
@@ -8572,66 +11682,193 @@
               <a:defRPr lang="ko-KR" altLang="en-US"/>
             </a:pPr>
             <a:r>
-              <a:rPr lang="ko-KR" altLang="en-US" sz="1500">
-                <a:latin typeface="맑은 고딕"/>
-                <a:ea typeface="맑은 고딕"/>
-              </a:rPr>
-              <a:t>-알바의 양이 적음.</a:t>
-            </a:r>
-            <a:endParaRPr lang="ko-KR" altLang="en-US" sz="1500">
-              <a:latin typeface="맑은 고딕"/>
-              <a:ea typeface="맑은 고딕"/>
-            </a:endParaRPr>
-          </a:p>
+              <a:rPr lang="ko-KR" altLang="en-US" b="1"/>
+              <a:t>서류 및 경력 입력</a:t>
+            </a:r>
+          </a:p>
+        </p:txBody>
+      </p:sp>
+      <p:sp>
+        <p:nvSpPr>
+          <p:cNvPr id="53" name="타원 20"/>
+          <p:cNvSpPr/>
+          <p:nvPr/>
+        </p:nvSpPr>
+        <p:spPr>
+          <a:xfrm>
+            <a:off x="10739494" y="2330448"/>
+            <a:ext cx="627783" cy="617200"/>
+          </a:xfrm>
+          <a:prstGeom prst="ellipse">
+            <a:avLst/>
+          </a:prstGeom>
+          <a:solidFill>
+            <a:srgbClr val="F47682"/>
+          </a:solidFill>
+          <a:ln>
+            <a:noFill/>
+          </a:ln>
+        </p:spPr>
+        <p:style>
+          <a:lnRef idx="2">
+            <a:schemeClr val="accent1">
+              <a:shade val="50000"/>
+            </a:schemeClr>
+          </a:lnRef>
+          <a:fillRef idx="1">
+            <a:schemeClr val="accent1"/>
+          </a:fillRef>
+          <a:effectRef idx="0">
+            <a:schemeClr val="accent1"/>
+          </a:effectRef>
+          <a:fontRef idx="minor">
+            <a:schemeClr val="lt1"/>
+          </a:fontRef>
+        </p:style>
+        <p:txBody>
+          <a:bodyPr anchor="ctr"/>
+          <a:lstStyle/>
+          <a:p>
+            <a:pPr algn="ctr">
+              <a:defRPr lang="ko-KR" altLang="en-US"/>
+            </a:pPr>
+            <a:endParaRPr lang="ko-KR" altLang="en-US"/>
+          </a:p>
+        </p:txBody>
+      </p:sp>
+      <p:sp>
+        <p:nvSpPr>
+          <p:cNvPr id="54" name="타원 20"/>
+          <p:cNvSpPr/>
+          <p:nvPr/>
+        </p:nvSpPr>
+        <p:spPr>
+          <a:xfrm>
+            <a:off x="10807228" y="3932764"/>
+            <a:ext cx="627783" cy="617200"/>
+          </a:xfrm>
+          <a:prstGeom prst="ellipse">
+            <a:avLst/>
+          </a:prstGeom>
+          <a:solidFill>
+            <a:srgbClr val="F47682"/>
+          </a:solidFill>
+          <a:ln>
+            <a:noFill/>
+          </a:ln>
+        </p:spPr>
+        <p:style>
+          <a:lnRef idx="2">
+            <a:schemeClr val="accent1">
+              <a:shade val="50000"/>
+            </a:schemeClr>
+          </a:lnRef>
+          <a:fillRef idx="1">
+            <a:schemeClr val="accent1"/>
+          </a:fillRef>
+          <a:effectRef idx="0">
+            <a:schemeClr val="accent1"/>
+          </a:effectRef>
+          <a:fontRef idx="minor">
+            <a:schemeClr val="lt1"/>
+          </a:fontRef>
+        </p:style>
+        <p:txBody>
+          <a:bodyPr anchor="ctr"/>
+          <a:lstStyle/>
+          <a:p>
+            <a:pPr algn="ctr">
+              <a:defRPr lang="ko-KR" altLang="en-US"/>
+            </a:pPr>
+            <a:endParaRPr lang="ko-KR" altLang="en-US"/>
+          </a:p>
+        </p:txBody>
+      </p:sp>
+      <p:sp>
+        <p:nvSpPr>
+          <p:cNvPr id="55" name="TextBox 54"/>
+          <p:cNvSpPr txBox="1"/>
+          <p:nvPr/>
+        </p:nvSpPr>
+        <p:spPr>
+          <a:xfrm>
+            <a:off x="8519584" y="4703233"/>
+            <a:ext cx="1248833" cy="643679"/>
+          </a:xfrm>
+          <a:prstGeom prst="rect">
+            <a:avLst/>
+          </a:prstGeom>
+        </p:spPr>
+        <p:txBody>
+          <a:bodyPr wrap="square">
+            <a:spAutoFit/>
+          </a:bodyPr>
+          <a:lstStyle/>
           <a:p>
             <a:pPr>
               <a:defRPr lang="ko-KR" altLang="en-US"/>
             </a:pPr>
             <a:r>
-              <a:rPr lang="ko-KR" altLang="en-US" sz="1500">
-                <a:latin typeface="맑은 고딕"/>
-                <a:ea typeface="맑은 고딕"/>
-              </a:rPr>
-              <a:t>-지역이 세분화 되어 있지 않아 적절한 지역의 알바를 찾기 힘듬.</a:t>
-            </a:r>
-            <a:endParaRPr lang="ko-KR" altLang="en-US" sz="1500">
-              <a:latin typeface="맑은 고딕"/>
-              <a:ea typeface="맑은 고딕"/>
-            </a:endParaRPr>
-          </a:p>
+              <a:rPr lang="ko-KR" altLang="en-US" b="1"/>
+              <a:t>서류 및 경력 입력</a:t>
+            </a:r>
+          </a:p>
+        </p:txBody>
+      </p:sp>
+      <p:sp>
+        <p:nvSpPr>
+          <p:cNvPr id="56" name="TextBox 55"/>
+          <p:cNvSpPr txBox="1"/>
+          <p:nvPr/>
+        </p:nvSpPr>
+        <p:spPr>
+          <a:xfrm>
+            <a:off x="10514542" y="1598083"/>
+            <a:ext cx="1407584" cy="638387"/>
+          </a:xfrm>
+          <a:prstGeom prst="rect">
+            <a:avLst/>
+          </a:prstGeom>
+        </p:spPr>
+        <p:txBody>
+          <a:bodyPr wrap="square">
+            <a:spAutoFit/>
+          </a:bodyPr>
+          <a:lstStyle/>
           <a:p>
             <a:pPr>
               <a:defRPr lang="ko-KR" altLang="en-US"/>
             </a:pPr>
             <a:r>
-              <a:rPr lang="ko-KR" altLang="ko-KR" sz="1500">
-                <a:latin typeface="맑은 고딕"/>
-                <a:ea typeface="한컴바탕"/>
-              </a:rPr>
-              <a:t>  </a:t>
-            </a:r>
-            <a:endParaRPr lang="ko-KR" altLang="ko-KR" sz="1500">
-              <a:latin typeface="맑은 고딕"/>
-              <a:ea typeface="한컴바탕"/>
-            </a:endParaRPr>
-          </a:p>
-        </p:txBody>
-      </p:sp>
-      <p:sp>
-        <p:nvSpPr>
-          <p:cNvPr id="21" name="TextBox 20"/>
+              <a:rPr lang="ko-KR" altLang="en-US" b="1"/>
+              <a:t>계좌번호 </a:t>
+            </a:r>
+          </a:p>
+          <a:p>
+            <a:pPr>
+              <a:defRPr lang="ko-KR" altLang="en-US"/>
+            </a:pPr>
+            <a:r>
+              <a:rPr lang="ko-KR" altLang="en-US" b="1"/>
+              <a:t>입력</a:t>
+            </a:r>
+          </a:p>
+        </p:txBody>
+      </p:sp>
+      <p:sp>
+        <p:nvSpPr>
+          <p:cNvPr id="57" name="TextBox 56"/>
           <p:cNvSpPr txBox="1"/>
           <p:nvPr/>
         </p:nvSpPr>
         <p:spPr>
           <a:xfrm>
-            <a:off x="8605567" y="3841128"/>
-            <a:ext cx="2931849" cy="547992"/>
+            <a:off x="10550525" y="4703233"/>
+            <a:ext cx="1407584" cy="638387"/>
           </a:xfrm>
           <a:prstGeom prst="rect">
             <a:avLst/>
           </a:prstGeom>
-          <a:noFill/>
         </p:spPr>
         <p:txBody>
           <a:bodyPr wrap="square">
@@ -8643,208 +11880,135 @@
               <a:defRPr lang="ko-KR" altLang="en-US"/>
             </a:pPr>
             <a:r>
-              <a:rPr lang="ko-KR" altLang="en-US" sz="1500">
-                <a:latin typeface="맑은 고딕"/>
-                <a:ea typeface="맑은 고딕"/>
-              </a:rPr>
-              <a:t>-</a:t>
-            </a:r>
-            <a:r>
-              <a:rPr lang="ko-KR" altLang="ko-KR" sz="1500">
-                <a:latin typeface="맑은 고딕"/>
-                <a:ea typeface="맑은 고딕"/>
-              </a:rPr>
-              <a:t>장기 직원만 구함</a:t>
-            </a:r>
-            <a:r>
-              <a:rPr lang="ko-KR" altLang="en-US" sz="1500">
-                <a:latin typeface="맑은 고딕"/>
-                <a:ea typeface="맑은 고딕"/>
-              </a:rPr>
-              <a:t>.</a:t>
-            </a:r>
-            <a:endParaRPr lang="ko-KR" altLang="en-US" sz="1500">
-              <a:latin typeface="맑은 고딕"/>
-              <a:ea typeface="맑은 고딕"/>
-            </a:endParaRPr>
+              <a:rPr lang="ko-KR" altLang="en-US" b="1"/>
+              <a:t>계좌번호 </a:t>
+            </a:r>
           </a:p>
           <a:p>
             <a:pPr>
               <a:defRPr lang="ko-KR" altLang="en-US"/>
             </a:pPr>
             <a:r>
-              <a:rPr lang="ko-KR" altLang="en-US" sz="1500">
-                <a:latin typeface="맑은 고딕"/>
-                <a:ea typeface="맑은 고딕"/>
-              </a:rPr>
-              <a:t>-</a:t>
-            </a:r>
-            <a:r>
-              <a:rPr lang="ko-KR" altLang="ko-KR" sz="1500">
-                <a:latin typeface="맑은 고딕"/>
-                <a:ea typeface="맑은 고딕"/>
-              </a:rPr>
-              <a:t>푸쉬알람이 너무 많이 뜸.</a:t>
-            </a:r>
-            <a:endParaRPr lang="ko-KR" altLang="ko-KR" sz="1500">
-              <a:latin typeface="맑은 고딕"/>
-              <a:ea typeface="맑은 고딕"/>
-            </a:endParaRPr>
-          </a:p>
-        </p:txBody>
-      </p:sp>
-      <p:sp>
-        <p:nvSpPr>
-          <p:cNvPr id="22" name=""/>
-          <p:cNvSpPr txBox="1"/>
-          <p:nvPr/>
-        </p:nvSpPr>
-        <p:spPr>
-          <a:xfrm>
-            <a:off x="545042" y="5270500"/>
-            <a:ext cx="11419416" cy="366395"/>
+              <a:rPr lang="ko-KR" altLang="en-US" b="1"/>
+              <a:t>입력</a:t>
+            </a:r>
+          </a:p>
+        </p:txBody>
+      </p:sp>
+      <p:sp>
+        <p:nvSpPr>
+          <p:cNvPr id="58" name="직사각형 57"/>
+          <p:cNvSpPr/>
+          <p:nvPr/>
+        </p:nvSpPr>
+        <p:spPr>
+          <a:xfrm>
+            <a:off x="5265208" y="855940"/>
+            <a:ext cx="1651000" cy="603250"/>
           </a:xfrm>
           <a:prstGeom prst="rect">
             <a:avLst/>
           </a:prstGeom>
-        </p:spPr>
-        <p:txBody>
-          <a:bodyPr wrap="square">
-            <a:spAutoFit/>
-          </a:bodyPr>
-          <a:p>
-            <a:pPr>
+          <a:noFill/>
+          <a:ln w="57150">
+            <a:solidFill>
+              <a:srgbClr val="EC515F"/>
+            </a:solidFill>
+          </a:ln>
+        </p:spPr>
+        <p:style>
+          <a:lnRef idx="2">
+            <a:schemeClr val="accent1">
+              <a:shade val="20000"/>
+            </a:schemeClr>
+          </a:lnRef>
+          <a:fillRef idx="1">
+            <a:schemeClr val="accent1"/>
+          </a:fillRef>
+          <a:effectRef idx="0">
+            <a:schemeClr val="accent1"/>
+          </a:effectRef>
+          <a:fontRef idx="minor">
+            <a:schemeClr val="lt1"/>
+          </a:fontRef>
+        </p:style>
+        <p:txBody>
+          <a:bodyPr anchor="ctr"/>
+          <a:lstStyle/>
+          <a:p>
+            <a:pPr algn="ctr">
               <a:defRPr lang="ko-KR" altLang="en-US"/>
             </a:pPr>
-            <a:r>
-              <a:rPr lang="ko-KR" altLang="en-US" b="1">
-                <a:solidFill>
-                  <a:srgbClr val="ec515f"/>
-                </a:solidFill>
-                <a:latin typeface="맑은 고딕"/>
-                <a:ea typeface="맑은 고딕"/>
-              </a:rPr>
-              <a:t>문제점 보완 :</a:t>
-            </a:r>
-            <a:r>
-              <a:rPr lang="en-US" altLang="ko-KR" b="1">
-                <a:solidFill>
-                  <a:srgbClr val="ec515f"/>
-                </a:solidFill>
-                <a:latin typeface="맑은 고딕"/>
-                <a:ea typeface="맑은 고딕"/>
-              </a:rPr>
-              <a:t> </a:t>
-            </a:r>
-            <a:r>
-              <a:rPr lang="ko-KR" altLang="ko-KR" b="1">
-                <a:solidFill>
-                  <a:srgbClr val="ec515f"/>
-                </a:solidFill>
-                <a:latin typeface="맑은 고딕"/>
-                <a:ea typeface="맑은 고딕"/>
-              </a:rPr>
-              <a:t>세분화된 지역, 단기 알바 위주, 자신이 일하고 싶어하는 날짜 이외의 날엔 알람이 가지 않음.</a:t>
-            </a:r>
-            <a:endParaRPr lang="ko-KR" altLang="ko-KR" b="1">
-              <a:solidFill>
-                <a:srgbClr val="ec515f"/>
-              </a:solidFill>
-              <a:latin typeface="맑은 고딕"/>
-              <a:ea typeface="맑은 고딕"/>
-            </a:endParaRPr>
-          </a:p>
-        </p:txBody>
-      </p:sp>
-      <p:pic>
-        <p:nvPicPr>
-          <p:cNvPr id="23" name=""/>
-          <p:cNvPicPr>
-            <a:picLocks noChangeAspect="1"/>
-          </p:cNvPicPr>
-          <p:nvPr/>
-        </p:nvPicPr>
-        <p:blipFill rotWithShape="1">
-          <a:blip r:embed="rId2"/>
-          <a:stretch>
-            <a:fillRect/>
-          </a:stretch>
-        </p:blipFill>
-        <p:spPr>
-          <a:xfrm>
-            <a:off x="1670050" y="1195917"/>
-            <a:ext cx="1413455" cy="1725083"/>
+            <a:endParaRPr lang="ko-KR" altLang="en-US"/>
+          </a:p>
+        </p:txBody>
+      </p:sp>
+      <p:sp>
+        <p:nvSpPr>
+          <p:cNvPr id="59" name="직사각형 58"/>
+          <p:cNvSpPr/>
+          <p:nvPr/>
+        </p:nvSpPr>
+        <p:spPr>
+          <a:xfrm>
+            <a:off x="5396442" y="3126065"/>
+            <a:ext cx="1651000" cy="603250"/>
           </a:xfrm>
           <a:prstGeom prst="rect">
             <a:avLst/>
           </a:prstGeom>
-        </p:spPr>
-      </p:pic>
-      <p:pic>
-        <p:nvPicPr>
-          <p:cNvPr id="24" name=""/>
-          <p:cNvPicPr>
-            <a:picLocks noChangeAspect="1"/>
-          </p:cNvPicPr>
-          <p:nvPr/>
-        </p:nvPicPr>
-        <p:blipFill rotWithShape="1">
-          <a:blip r:embed="rId3"/>
-          <a:stretch>
-            <a:fillRect/>
-          </a:stretch>
-        </p:blipFill>
-        <p:spPr>
-          <a:xfrm>
-            <a:off x="9144000" y="1185332"/>
-            <a:ext cx="1329267" cy="1703916"/>
-          </a:xfrm>
-          <a:prstGeom prst="rect">
-            <a:avLst/>
-          </a:prstGeom>
-        </p:spPr>
-      </p:pic>
-      <p:pic>
-        <p:nvPicPr>
-          <p:cNvPr id="25" name=""/>
-          <p:cNvPicPr>
-            <a:picLocks noChangeAspect="1"/>
-          </p:cNvPicPr>
-          <p:nvPr/>
-        </p:nvPicPr>
-        <p:blipFill rotWithShape="1">
-          <a:blip r:embed="rId4"/>
-          <a:stretch>
-            <a:fillRect/>
-          </a:stretch>
-        </p:blipFill>
-        <p:spPr>
-          <a:xfrm>
-            <a:off x="4917016" y="1576916"/>
-            <a:ext cx="2400300" cy="952500"/>
-          </a:xfrm>
-          <a:prstGeom prst="rect">
-            <a:avLst/>
-          </a:prstGeom>
-        </p:spPr>
-      </p:pic>
+          <a:noFill/>
+          <a:ln w="57150">
+            <a:solidFill>
+              <a:srgbClr val="EC515F"/>
+            </a:solidFill>
+          </a:ln>
+        </p:spPr>
+        <p:style>
+          <a:lnRef idx="2">
+            <a:schemeClr val="accent1">
+              <a:shade val="20000"/>
+            </a:schemeClr>
+          </a:lnRef>
+          <a:fillRef idx="1">
+            <a:schemeClr val="accent1"/>
+          </a:fillRef>
+          <a:effectRef idx="0">
+            <a:schemeClr val="accent1"/>
+          </a:effectRef>
+          <a:fontRef idx="minor">
+            <a:schemeClr val="lt1"/>
+          </a:fontRef>
+        </p:style>
+        <p:txBody>
+          <a:bodyPr anchor="ctr"/>
+          <a:lstStyle/>
+          <a:p>
+            <a:pPr algn="ctr">
+              <a:defRPr lang="ko-KR" altLang="en-US"/>
+            </a:pPr>
+            <a:endParaRPr lang="ko-KR" altLang="en-US"/>
+          </a:p>
+        </p:txBody>
+      </p:sp>
     </p:spTree>
   </p:cSld>
   <p:clrMapOvr>
     <a:masterClrMapping/>
   </p:clrMapOvr>
-  <p:transition xmlns:mc="http://schemas.openxmlformats.org/markup-compatibility/2006" xmlns:hp="http://schemas.haansoft.com/office/presentation/8.0" mc:Ignorable="hp" hp:hslDur="500"/>
+  <p:transition/>
 </p:sld>
 </file>
 
-<file path=ppt/slides/slide8.xml><?xml version="1.0" encoding="utf-8"?>
-<p:sld xmlns:r="http://schemas.openxmlformats.org/officeDocument/2006/relationships" xmlns:c="http://schemas.openxmlformats.org/drawingml/2006/chart" xmlns:a="http://schemas.openxmlformats.org/drawingml/2006/main" xmlns:dgm="http://schemas.openxmlformats.org/drawingml/2006/diagram" xmlns:dsp="http://schemas.microsoft.com/office/drawing/2008/diagram" xmlns:p="http://schemas.openxmlformats.org/presentationml/2006/main">
+<file path=ppt/slides/slide9.xml><?xml version="1.0" encoding="utf-8"?>
+<p:sld xmlns:a="http://schemas.openxmlformats.org/drawingml/2006/main" xmlns:r="http://schemas.openxmlformats.org/officeDocument/2006/relationships" xmlns:p="http://schemas.openxmlformats.org/presentationml/2006/main">
   <p:cSld>
     <p:bg>
-      <p:bgPr shadeToTitle="0">
+      <p:bgPr>
         <a:solidFill>
-          <a:srgbClr val="f7f7f7"/>
+          <a:srgbClr val="F7F7F7"/>
         </a:solidFill>
+        <a:effectLst/>
       </p:bgPr>
     </p:bg>
     <p:spTree>
@@ -8863,7 +12027,55 @@
       </p:grpSpPr>
       <p:sp>
         <p:nvSpPr>
-          <p:cNvPr id="4" name="TextBox 3"/>
+          <p:cNvPr id="42" name="직사각형 41"/>
+          <p:cNvSpPr/>
+          <p:nvPr/>
+        </p:nvSpPr>
+        <p:spPr>
+          <a:xfrm>
+            <a:off x="-624415" y="2698749"/>
+            <a:ext cx="13196792" cy="179917"/>
+          </a:xfrm>
+          <a:prstGeom prst="rect">
+            <a:avLst/>
+          </a:prstGeom>
+          <a:solidFill>
+            <a:srgbClr val="F47682"/>
+          </a:solidFill>
+          <a:ln>
+            <a:noFill/>
+          </a:ln>
+        </p:spPr>
+        <p:style>
+          <a:lnRef idx="2">
+            <a:schemeClr val="accent1">
+              <a:shade val="20000"/>
+            </a:schemeClr>
+          </a:lnRef>
+          <a:fillRef idx="1">
+            <a:schemeClr val="accent1"/>
+          </a:fillRef>
+          <a:effectRef idx="0">
+            <a:schemeClr val="accent1"/>
+          </a:effectRef>
+          <a:fontRef idx="minor">
+            <a:schemeClr val="lt1"/>
+          </a:fontRef>
+        </p:style>
+        <p:txBody>
+          <a:bodyPr anchor="ctr"/>
+          <a:lstStyle/>
+          <a:p>
+            <a:pPr algn="ctr">
+              <a:defRPr lang="ko-KR" altLang="en-US"/>
+            </a:pPr>
+            <a:endParaRPr lang="ko-KR" altLang="en-US"/>
+          </a:p>
+        </p:txBody>
+      </p:sp>
+      <p:sp>
+        <p:nvSpPr>
+          <p:cNvPr id="3" name="TextBox 2"/>
           <p:cNvSpPr txBox="1"/>
           <p:nvPr/>
         </p:nvSpPr>
@@ -8889,31 +12101,62 @@
             <a:r>
               <a:rPr lang="ko-KR" altLang="en-US" sz="3200" b="1">
                 <a:solidFill>
-                  <a:srgbClr val="3f2124"/>
+                  <a:srgbClr val="3F2124"/>
                 </a:solidFill>
                 <a:latin typeface="나눔바른고딕"/>
                 <a:ea typeface="나눔바른고딕"/>
               </a:rPr>
-              <a:t>서비스 소개</a:t>
-            </a:r>
-            <a:endParaRPr lang="ko-KR" altLang="en-US" sz="3200" b="1">
-              <a:solidFill>
-                <a:srgbClr val="3f2124"/>
-              </a:solidFill>
-              <a:latin typeface="나눔바른고딕"/>
-              <a:ea typeface="나눔바른고딕"/>
-            </a:endParaRPr>
+              <a:t>사용자 측면</a:t>
+            </a:r>
+          </a:p>
+        </p:txBody>
+      </p:sp>
+      <p:sp>
+        <p:nvSpPr>
+          <p:cNvPr id="4" name="TextBox 3"/>
+          <p:cNvSpPr txBox="1"/>
+          <p:nvPr/>
+        </p:nvSpPr>
+        <p:spPr>
+          <a:xfrm>
+            <a:off x="292099" y="917095"/>
+            <a:ext cx="2923541" cy="452600"/>
+          </a:xfrm>
+          <a:prstGeom prst="rect">
+            <a:avLst/>
+          </a:prstGeom>
+          <a:noFill/>
+        </p:spPr>
+        <p:txBody>
+          <a:bodyPr wrap="none">
+            <a:spAutoFit/>
+          </a:bodyPr>
+          <a:lstStyle/>
+          <a:p>
+            <a:pPr lvl="0">
+              <a:defRPr lang="ko-KR" altLang="en-US"/>
+            </a:pPr>
+            <a:r>
+              <a:rPr lang="ko-KR" altLang="en-US" sz="2400" b="1">
+                <a:solidFill>
+                  <a:srgbClr val="EC515F"/>
+                </a:solidFill>
+                <a:latin typeface="나눔바른고딕"/>
+                <a:ea typeface="나눔바른고딕"/>
+              </a:rPr>
+              <a:t>보비 신청 (보비받기)</a:t>
+            </a:r>
           </a:p>
         </p:txBody>
       </p:sp>
       <p:grpSp>
         <p:nvGrpSpPr>
-          <p:cNvPr id="9" name="그룹 8"/>
+          <p:cNvPr id="5" name="그룹 4"/>
           <p:cNvGrpSpPr/>
           <p:nvPr/>
         </p:nvGrpSpPr>
         <p:grpSpPr>
-          <a:xfrm rot="0">
+          <a:xfrm>
             <a:off x="-2977" y="6284686"/>
             <a:ext cx="12194977" cy="573314"/>
             <a:chOff x="-2977" y="6284686"/>
@@ -8922,7 +12165,7 @@
         </p:grpSpPr>
         <p:sp>
           <p:nvSpPr>
-            <p:cNvPr id="3" name="직사각형 2"/>
+            <p:cNvPr id="6" name="직사각형 5"/>
             <p:cNvSpPr/>
             <p:nvPr/>
           </p:nvSpPr>
@@ -8935,7 +12178,7 @@
               <a:avLst/>
             </a:prstGeom>
             <a:solidFill>
-              <a:srgbClr val="ec515f"/>
+              <a:srgbClr val="EC515F"/>
             </a:solidFill>
             <a:ln>
               <a:noFill/>
@@ -8966,709 +12209,7 @@
               </a:pPr>
               <a:endParaRPr lang="ko-KR" altLang="en-US">
                 <a:solidFill>
-                  <a:srgbClr val="ec515f"/>
-                </a:solidFill>
-              </a:endParaRPr>
-            </a:p>
-          </p:txBody>
-        </p:sp>
-        <p:sp>
-          <p:nvSpPr>
-            <p:cNvPr id="6" name="이등변 삼각형 5"/>
-            <p:cNvSpPr/>
-            <p:nvPr/>
-          </p:nvSpPr>
-          <p:spPr>
-            <a:xfrm>
-              <a:off x="6043043" y="6284686"/>
-              <a:ext cx="5792537" cy="573314"/>
-            </a:xfrm>
-            <a:prstGeom prst="triangle">
-              <a:avLst>
-                <a:gd name="adj" fmla="val 50000"/>
-              </a:avLst>
-            </a:prstGeom>
-            <a:solidFill>
-              <a:srgbClr val="f47682"/>
-            </a:solidFill>
-            <a:ln>
-              <a:noFill/>
-            </a:ln>
-          </p:spPr>
-          <p:style>
-            <a:lnRef idx="2">
-              <a:schemeClr val="accent1">
-                <a:shade val="50000"/>
-              </a:schemeClr>
-            </a:lnRef>
-            <a:fillRef idx="1">
-              <a:schemeClr val="accent1"/>
-            </a:fillRef>
-            <a:effectRef idx="0">
-              <a:schemeClr val="accent1"/>
-            </a:effectRef>
-            <a:fontRef idx="minor">
-              <a:schemeClr val="lt1"/>
-            </a:fontRef>
-          </p:style>
-          <p:txBody>
-            <a:bodyPr anchor="ctr"/>
-            <a:lstStyle/>
-            <a:p>
-              <a:pPr algn="ctr">
-                <a:defRPr lang="ko-KR" altLang="en-US"/>
-              </a:pPr>
-              <a:endParaRPr lang="ko-KR" altLang="en-US"/>
-            </a:p>
-          </p:txBody>
-        </p:sp>
-        <p:sp>
-          <p:nvSpPr>
-            <p:cNvPr id="7" name="이등변 삼각형 6"/>
-            <p:cNvSpPr/>
-            <p:nvPr/>
-          </p:nvSpPr>
-          <p:spPr>
-            <a:xfrm rot="10800000">
-              <a:off x="-2977" y="6284686"/>
-              <a:ext cx="5689600" cy="573314"/>
-            </a:xfrm>
-            <a:prstGeom prst="triangle">
-              <a:avLst>
-                <a:gd name="adj" fmla="val 50000"/>
-              </a:avLst>
-            </a:prstGeom>
-            <a:solidFill>
-              <a:srgbClr val="f47682"/>
-            </a:solidFill>
-            <a:ln>
-              <a:noFill/>
-            </a:ln>
-          </p:spPr>
-          <p:style>
-            <a:lnRef idx="2">
-              <a:schemeClr val="accent1">
-                <a:shade val="50000"/>
-              </a:schemeClr>
-            </a:lnRef>
-            <a:fillRef idx="1">
-              <a:schemeClr val="accent1"/>
-            </a:fillRef>
-            <a:effectRef idx="0">
-              <a:schemeClr val="accent1"/>
-            </a:effectRef>
-            <a:fontRef idx="minor">
-              <a:schemeClr val="lt1"/>
-            </a:fontRef>
-          </p:style>
-          <p:txBody>
-            <a:bodyPr anchor="ctr"/>
-            <a:lstStyle/>
-            <a:p>
-              <a:pPr algn="ctr">
-                <a:defRPr lang="ko-KR" altLang="en-US"/>
-              </a:pPr>
-              <a:endParaRPr lang="ko-KR" altLang="en-US"/>
-            </a:p>
-          </p:txBody>
-        </p:sp>
-      </p:grpSp>
-      <p:sp>
-        <p:nvSpPr>
-          <p:cNvPr id="10" name="직사각형 9"/>
-          <p:cNvSpPr/>
-          <p:nvPr/>
-        </p:nvSpPr>
-        <p:spPr>
-          <a:xfrm>
-            <a:off x="3217332" y="2073066"/>
-            <a:ext cx="1354667" cy="1354667"/>
-          </a:xfrm>
-          <a:prstGeom prst="rect">
-            <a:avLst/>
-          </a:prstGeom>
-          <a:solidFill>
-            <a:srgbClr val="ec515f"/>
-          </a:solidFill>
-          <a:ln>
-            <a:noFill/>
-          </a:ln>
-        </p:spPr>
-        <p:style>
-          <a:lnRef idx="2">
-            <a:schemeClr val="accent1">
-              <a:shade val="50000"/>
-            </a:schemeClr>
-          </a:lnRef>
-          <a:fillRef idx="1">
-            <a:schemeClr val="accent1"/>
-          </a:fillRef>
-          <a:effectRef idx="0">
-            <a:schemeClr val="accent1"/>
-          </a:effectRef>
-          <a:fontRef idx="minor">
-            <a:schemeClr val="lt1"/>
-          </a:fontRef>
-        </p:style>
-        <p:txBody>
-          <a:bodyPr anchor="ctr"/>
-          <a:lstStyle/>
-          <a:p>
-            <a:pPr algn="ctr">
-              <a:defRPr lang="ko-KR" altLang="en-US"/>
-            </a:pPr>
-            <a:r>
-              <a:rPr lang="ko-KR" altLang="en-US" sz="7200" b="1"/>
-              <a:t>비</a:t>
-            </a:r>
-            <a:endParaRPr lang="ko-KR" altLang="en-US" sz="7200" b="1"/>
-          </a:p>
-        </p:txBody>
-      </p:sp>
-      <p:sp>
-        <p:nvSpPr>
-          <p:cNvPr id="12" name="직사각형 11"/>
-          <p:cNvSpPr/>
-          <p:nvPr/>
-        </p:nvSpPr>
-        <p:spPr>
-          <a:xfrm>
-            <a:off x="1545085" y="2070643"/>
-            <a:ext cx="1354667" cy="1354667"/>
-          </a:xfrm>
-          <a:prstGeom prst="rect">
-            <a:avLst/>
-          </a:prstGeom>
-          <a:solidFill>
-            <a:srgbClr val="f8aab1"/>
-          </a:solidFill>
-          <a:ln>
-            <a:noFill/>
-          </a:ln>
-        </p:spPr>
-        <p:style>
-          <a:lnRef idx="2">
-            <a:schemeClr val="accent1">
-              <a:shade val="50000"/>
-            </a:schemeClr>
-          </a:lnRef>
-          <a:fillRef idx="1">
-            <a:schemeClr val="accent1"/>
-          </a:fillRef>
-          <a:effectRef idx="0">
-            <a:schemeClr val="accent1"/>
-          </a:effectRef>
-          <a:fontRef idx="minor">
-            <a:schemeClr val="lt1"/>
-          </a:fontRef>
-        </p:style>
-        <p:txBody>
-          <a:bodyPr anchor="ctr"/>
-          <a:lstStyle/>
-          <a:p>
-            <a:pPr algn="ctr">
-              <a:defRPr lang="ko-KR" altLang="en-US"/>
-            </a:pPr>
-            <a:r>
-              <a:rPr lang="ko-KR" altLang="en-US" sz="7200" b="1"/>
-              <a:t>보</a:t>
-            </a:r>
-            <a:endParaRPr lang="ko-KR" altLang="en-US" sz="7200" b="1"/>
-          </a:p>
-        </p:txBody>
-      </p:sp>
-      <p:sp>
-        <p:nvSpPr>
-          <p:cNvPr id="24" name=""/>
-          <p:cNvSpPr txBox="1"/>
-          <p:nvPr/>
-        </p:nvSpPr>
-        <p:spPr>
-          <a:xfrm>
-            <a:off x="4863041" y="2762461"/>
-            <a:ext cx="5969000" cy="666539"/>
-          </a:xfrm>
-          <a:prstGeom prst="rect">
-            <a:avLst/>
-          </a:prstGeom>
-        </p:spPr>
-        <p:txBody>
-          <a:bodyPr wrap="square">
-            <a:spAutoFit/>
-          </a:bodyPr>
-          <a:p>
-            <a:pPr>
-              <a:defRPr lang="ko-KR" altLang="en-US"/>
-            </a:pPr>
-            <a:r>
-              <a:rPr lang="ko-KR" altLang="en-US" sz="3800" b="1"/>
-              <a:t>하다 : 보조하여 돌보다.</a:t>
-            </a:r>
-            <a:endParaRPr lang="ko-KR" altLang="en-US" sz="3800" b="1"/>
-          </a:p>
-        </p:txBody>
-      </p:sp>
-      <p:sp>
-        <p:nvSpPr>
-          <p:cNvPr id="25" name=""/>
-          <p:cNvSpPr txBox="1"/>
-          <p:nvPr/>
-        </p:nvSpPr>
-        <p:spPr>
-          <a:xfrm>
-            <a:off x="1148288" y="4677833"/>
-            <a:ext cx="9641423" cy="681779"/>
-          </a:xfrm>
-          <a:prstGeom prst="rect">
-            <a:avLst/>
-          </a:prstGeom>
-        </p:spPr>
-        <p:txBody>
-          <a:bodyPr wrap="square">
-            <a:spAutoFit/>
-          </a:bodyPr>
-          <a:p>
-            <a:pPr algn="ctr">
-              <a:defRPr lang="ko-KR" altLang="en-US"/>
-            </a:pPr>
-            <a:r>
-              <a:rPr lang="ko-KR" altLang="en-US" sz="3900" b="1">
-                <a:solidFill>
-                  <a:srgbClr val="ec515f"/>
-                </a:solidFill>
-              </a:rPr>
-              <a:t>노인, 아동 돌봄 서비스 어플리케이션</a:t>
-            </a:r>
-            <a:endParaRPr lang="ko-KR" altLang="en-US" sz="3900" b="1">
-              <a:solidFill>
-                <a:srgbClr val="ec515f"/>
-              </a:solidFill>
-            </a:endParaRPr>
-          </a:p>
-        </p:txBody>
-      </p:sp>
-    </p:spTree>
-  </p:cSld>
-  <p:clrMapOvr>
-    <a:masterClrMapping/>
-  </p:clrMapOvr>
-  <p:transition xmlns:mc="http://schemas.openxmlformats.org/markup-compatibility/2006" xmlns:hp="http://schemas.haansoft.com/office/presentation/8.0" mc:Ignorable="hp" hp:hslDur="500"/>
-</p:sld>
-</file>
-
-<file path=ppt/slides/slide9.xml><?xml version="1.0" encoding="utf-8"?>
-<p:sld xmlns:r="http://schemas.openxmlformats.org/officeDocument/2006/relationships" xmlns:c="http://schemas.openxmlformats.org/drawingml/2006/chart" xmlns:a="http://schemas.openxmlformats.org/drawingml/2006/main" xmlns:dgm="http://schemas.openxmlformats.org/drawingml/2006/diagram" xmlns:dsp="http://schemas.microsoft.com/office/drawing/2008/diagram" xmlns:p="http://schemas.openxmlformats.org/presentationml/2006/main">
-  <p:cSld>
-    <p:bg>
-      <p:bgPr shadeToTitle="0">
-        <a:solidFill>
-          <a:srgbClr val="f7f7f7"/>
-        </a:solidFill>
-      </p:bgPr>
-    </p:bg>
-    <p:spTree>
-      <p:nvGrpSpPr>
-        <p:cNvPr id="1" name=""/>
-        <p:cNvGrpSpPr/>
-        <p:nvPr/>
-      </p:nvGrpSpPr>
-      <p:grpSpPr>
-        <a:xfrm>
-          <a:off x="0" y="0"/>
-          <a:ext cx="0" cy="0"/>
-          <a:chOff x="0" y="0"/>
-          <a:chExt cx="0" cy="0"/>
-        </a:xfrm>
-      </p:grpSpPr>
-      <p:sp>
-        <p:nvSpPr>
-          <p:cNvPr id="44" name=""/>
-          <p:cNvSpPr/>
-          <p:nvPr/>
-        </p:nvSpPr>
-        <p:spPr>
-          <a:xfrm>
-            <a:off x="5703359" y="4184650"/>
-            <a:ext cx="5545666" cy="179916"/>
-          </a:xfrm>
-          <a:prstGeom prst="rect">
-            <a:avLst/>
-          </a:prstGeom>
-          <a:solidFill>
-            <a:srgbClr val="f47682"/>
-          </a:solidFill>
-          <a:ln>
-            <a:noFill/>
-          </a:ln>
-        </p:spPr>
-        <p:style>
-          <a:lnRef idx="2">
-            <a:schemeClr val="accent1">
-              <a:shade val="20000"/>
-            </a:schemeClr>
-          </a:lnRef>
-          <a:fillRef idx="1">
-            <a:schemeClr val="accent1"/>
-          </a:fillRef>
-          <a:effectRef idx="0">
-            <a:schemeClr val="accent1"/>
-          </a:effectRef>
-          <a:fontRef idx="minor">
-            <a:schemeClr val="lt1"/>
-          </a:fontRef>
-        </p:style>
-        <p:txBody>
-          <a:bodyPr anchor="ctr"/>
-          <a:lstStyle/>
-          <a:p>
-            <a:pPr algn="ctr">
-              <a:defRPr lang="ko-KR" altLang="en-US"/>
-            </a:pPr>
-            <a:endParaRPr lang="ko-KR" altLang="en-US"/>
-          </a:p>
-        </p:txBody>
-      </p:sp>
-      <p:sp>
-        <p:nvSpPr>
-          <p:cNvPr id="42" name=""/>
-          <p:cNvSpPr/>
-          <p:nvPr/>
-        </p:nvSpPr>
-        <p:spPr>
-          <a:xfrm>
-            <a:off x="5752042" y="2592916"/>
-            <a:ext cx="5545666" cy="179916"/>
-          </a:xfrm>
-          <a:prstGeom prst="rect">
-            <a:avLst/>
-          </a:prstGeom>
-          <a:solidFill>
-            <a:srgbClr val="f47682"/>
-          </a:solidFill>
-          <a:ln>
-            <a:noFill/>
-          </a:ln>
-        </p:spPr>
-        <p:style>
-          <a:lnRef idx="2">
-            <a:schemeClr val="accent1">
-              <a:shade val="20000"/>
-            </a:schemeClr>
-          </a:lnRef>
-          <a:fillRef idx="1">
-            <a:schemeClr val="accent1"/>
-          </a:fillRef>
-          <a:effectRef idx="0">
-            <a:schemeClr val="accent1"/>
-          </a:effectRef>
-          <a:fontRef idx="minor">
-            <a:schemeClr val="lt1"/>
-          </a:fontRef>
-        </p:style>
-        <p:txBody>
-          <a:bodyPr anchor="ctr"/>
-          <a:p>
-            <a:pPr algn="ctr">
-              <a:defRPr lang="ko-KR" altLang="en-US"/>
-            </a:pPr>
-            <a:endParaRPr lang="ko-KR" altLang="en-US"/>
-          </a:p>
-        </p:txBody>
-      </p:sp>
-      <p:sp>
-        <p:nvSpPr>
-          <p:cNvPr id="35" name=""/>
-          <p:cNvSpPr/>
-          <p:nvPr/>
-        </p:nvSpPr>
-        <p:spPr>
-          <a:xfrm rot="19673620">
-            <a:off x="4377440" y="2866969"/>
-            <a:ext cx="1521535" cy="186383"/>
-          </a:xfrm>
-          <a:prstGeom prst="rect">
-            <a:avLst/>
-          </a:prstGeom>
-          <a:solidFill>
-            <a:srgbClr val="f47682"/>
-          </a:solidFill>
-          <a:ln>
-            <a:noFill/>
-          </a:ln>
-        </p:spPr>
-        <p:style>
-          <a:lnRef idx="2">
-            <a:schemeClr val="accent1">
-              <a:shade val="20000"/>
-            </a:schemeClr>
-          </a:lnRef>
-          <a:fillRef idx="1">
-            <a:schemeClr val="accent1"/>
-          </a:fillRef>
-          <a:effectRef idx="0">
-            <a:schemeClr val="accent1"/>
-          </a:effectRef>
-          <a:fontRef idx="minor">
-            <a:schemeClr val="lt1"/>
-          </a:fontRef>
-        </p:style>
-        <p:txBody>
-          <a:bodyPr anchor="ctr"/>
-          <a:p>
-            <a:pPr algn="ctr">
-              <a:defRPr lang="ko-KR" altLang="en-US"/>
-            </a:pPr>
-            <a:endParaRPr lang="ko-KR" altLang="en-US"/>
-          </a:p>
-        </p:txBody>
-      </p:sp>
-      <p:sp>
-        <p:nvSpPr>
-          <p:cNvPr id="36" name=""/>
-          <p:cNvSpPr/>
-          <p:nvPr/>
-        </p:nvSpPr>
-        <p:spPr>
-          <a:xfrm rot="2089031">
-            <a:off x="4329745" y="3754353"/>
-            <a:ext cx="1879394" cy="166330"/>
-          </a:xfrm>
-          <a:prstGeom prst="rect">
-            <a:avLst/>
-          </a:prstGeom>
-          <a:solidFill>
-            <a:srgbClr val="f47682"/>
-          </a:solidFill>
-          <a:ln>
-            <a:noFill/>
-          </a:ln>
-        </p:spPr>
-        <p:style>
-          <a:lnRef idx="2">
-            <a:schemeClr val="accent1">
-              <a:shade val="20000"/>
-            </a:schemeClr>
-          </a:lnRef>
-          <a:fillRef idx="1">
-            <a:schemeClr val="accent1"/>
-          </a:fillRef>
-          <a:effectRef idx="0">
-            <a:schemeClr val="accent1"/>
-          </a:effectRef>
-          <a:fontRef idx="minor">
-            <a:schemeClr val="lt1"/>
-          </a:fontRef>
-        </p:style>
-        <p:txBody>
-          <a:bodyPr anchor="ctr"/>
-          <a:lstStyle/>
-          <a:p>
-            <a:pPr algn="ctr">
-              <a:defRPr lang="ko-KR" altLang="en-US"/>
-            </a:pPr>
-            <a:endParaRPr lang="ko-KR" altLang="en-US"/>
-          </a:p>
-        </p:txBody>
-      </p:sp>
-      <p:sp>
-        <p:nvSpPr>
-          <p:cNvPr id="14" name="직사각형 13"/>
-          <p:cNvSpPr/>
-          <p:nvPr/>
-        </p:nvSpPr>
-        <p:spPr>
-          <a:xfrm rot="21573997">
-            <a:off x="-895508" y="3240404"/>
-            <a:ext cx="5466951" cy="167923"/>
-          </a:xfrm>
-          <a:prstGeom prst="rect">
-            <a:avLst/>
-          </a:prstGeom>
-          <a:solidFill>
-            <a:srgbClr val="f47682"/>
-          </a:solidFill>
-          <a:ln>
-            <a:noFill/>
-          </a:ln>
-        </p:spPr>
-        <p:style>
-          <a:lnRef idx="2">
-            <a:schemeClr val="accent1">
-              <a:shade val="50000"/>
-            </a:schemeClr>
-          </a:lnRef>
-          <a:fillRef idx="1">
-            <a:schemeClr val="accent1"/>
-          </a:fillRef>
-          <a:effectRef idx="0">
-            <a:schemeClr val="accent1"/>
-          </a:effectRef>
-          <a:fontRef idx="minor">
-            <a:schemeClr val="lt1"/>
-          </a:fontRef>
-        </p:style>
-        <p:txBody>
-          <a:bodyPr anchor="ctr"/>
-          <a:lstStyle/>
-          <a:p>
-            <a:pPr algn="ctr">
-              <a:defRPr lang="ko-KR" altLang="en-US"/>
-            </a:pPr>
-            <a:endParaRPr lang="ko-KR" altLang="en-US"/>
-          </a:p>
-        </p:txBody>
-      </p:sp>
-      <p:sp>
-        <p:nvSpPr>
-          <p:cNvPr id="3" name="TextBox 2"/>
-          <p:cNvSpPr txBox="1"/>
-          <p:nvPr/>
-        </p:nvSpPr>
-        <p:spPr>
-          <a:xfrm>
-            <a:off x="270934" y="237069"/>
-            <a:ext cx="2268431" cy="570651"/>
-          </a:xfrm>
-          <a:prstGeom prst="rect">
-            <a:avLst/>
-          </a:prstGeom>
-          <a:noFill/>
-        </p:spPr>
-        <p:txBody>
-          <a:bodyPr wrap="none">
-            <a:spAutoFit/>
-          </a:bodyPr>
-          <a:lstStyle/>
-          <a:p>
-            <a:pPr lvl="0">
-              <a:defRPr lang="ko-KR" altLang="en-US"/>
-            </a:pPr>
-            <a:r>
-              <a:rPr lang="ko-KR" altLang="en-US" sz="3200" b="1">
-                <a:solidFill>
-                  <a:srgbClr val="3f2124"/>
-                </a:solidFill>
-                <a:latin typeface="나눔바른고딕"/>
-                <a:ea typeface="나눔바른고딕"/>
-              </a:rPr>
-              <a:t>사용자 측면</a:t>
-            </a:r>
-            <a:endParaRPr lang="ko-KR" altLang="en-US" sz="3200" b="1">
-              <a:solidFill>
-                <a:srgbClr val="3f2124"/>
-              </a:solidFill>
-              <a:latin typeface="나눔바른고딕"/>
-              <a:ea typeface="나눔바른고딕"/>
-            </a:endParaRPr>
-          </a:p>
-        </p:txBody>
-      </p:sp>
-      <p:sp>
-        <p:nvSpPr>
-          <p:cNvPr id="4" name="TextBox 3"/>
-          <p:cNvSpPr txBox="1"/>
-          <p:nvPr/>
-        </p:nvSpPr>
-        <p:spPr>
-          <a:xfrm>
-            <a:off x="292099" y="917095"/>
-            <a:ext cx="2923541" cy="452600"/>
-          </a:xfrm>
-          <a:prstGeom prst="rect">
-            <a:avLst/>
-          </a:prstGeom>
-          <a:noFill/>
-        </p:spPr>
-        <p:txBody>
-          <a:bodyPr wrap="none">
-            <a:spAutoFit/>
-          </a:bodyPr>
-          <a:lstStyle/>
-          <a:p>
-            <a:pPr lvl="0">
-              <a:defRPr lang="ko-KR" altLang="en-US"/>
-            </a:pPr>
-            <a:r>
-              <a:rPr lang="ko-KR" altLang="en-US" sz="2400" b="1">
-                <a:solidFill>
-                  <a:srgbClr val="ec515f"/>
-                </a:solidFill>
-                <a:latin typeface="나눔바른고딕"/>
-                <a:ea typeface="나눔바른고딕"/>
-              </a:rPr>
-              <a:t>보비 등록 (보비하기)</a:t>
-            </a:r>
-            <a:endParaRPr lang="ko-KR" altLang="en-US" sz="2400" b="1">
-              <a:solidFill>
-                <a:srgbClr val="ec515f"/>
-              </a:solidFill>
-              <a:latin typeface="나눔바른고딕"/>
-              <a:ea typeface="나눔바른고딕"/>
-            </a:endParaRPr>
-          </a:p>
-        </p:txBody>
-      </p:sp>
-      <p:grpSp>
-        <p:nvGrpSpPr>
-          <p:cNvPr id="5" name="그룹 4"/>
-          <p:cNvGrpSpPr/>
-          <p:nvPr/>
-        </p:nvGrpSpPr>
-        <p:grpSpPr>
-          <a:xfrm rot="0">
-            <a:off x="-2977" y="6284686"/>
-            <a:ext cx="12194977" cy="573314"/>
-            <a:chOff x="-2977" y="6284686"/>
-            <a:chExt cx="12194977" cy="573314"/>
-          </a:xfrm>
-        </p:grpSpPr>
-        <p:sp>
-          <p:nvSpPr>
-            <p:cNvPr id="6" name="직사각형 5"/>
-            <p:cNvSpPr/>
-            <p:nvPr/>
-          </p:nvSpPr>
-          <p:spPr>
-            <a:xfrm>
-              <a:off x="0" y="6284686"/>
-              <a:ext cx="12192000" cy="573314"/>
-            </a:xfrm>
-            <a:prstGeom prst="rect">
-              <a:avLst/>
-            </a:prstGeom>
-            <a:solidFill>
-              <a:srgbClr val="ec515f"/>
-            </a:solidFill>
-            <a:ln>
-              <a:noFill/>
-            </a:ln>
-          </p:spPr>
-          <p:style>
-            <a:lnRef idx="2">
-              <a:schemeClr val="accent1">
-                <a:shade val="50000"/>
-              </a:schemeClr>
-            </a:lnRef>
-            <a:fillRef idx="1">
-              <a:schemeClr val="accent1"/>
-            </a:fillRef>
-            <a:effectRef idx="0">
-              <a:schemeClr val="accent1"/>
-            </a:effectRef>
-            <a:fontRef idx="minor">
-              <a:schemeClr val="lt1"/>
-            </a:fontRef>
-          </p:style>
-          <p:txBody>
-            <a:bodyPr anchor="ctr"/>
-            <a:lstStyle/>
-            <a:p>
-              <a:pPr algn="ctr">
-                <a:defRPr lang="ko-KR" altLang="en-US"/>
-              </a:pPr>
-              <a:endParaRPr lang="ko-KR" altLang="en-US">
-                <a:solidFill>
-                  <a:srgbClr val="ec515f"/>
+                  <a:srgbClr val="EC515F"/>
                 </a:solidFill>
               </a:endParaRPr>
             </a:p>
@@ -9691,7 +12232,7 @@
               </a:avLst>
             </a:prstGeom>
             <a:solidFill>
-              <a:srgbClr val="f47682"/>
+              <a:srgbClr val="F47682"/>
             </a:solidFill>
             <a:ln>
               <a:noFill/>
@@ -9741,7 +12282,7 @@
               </a:avLst>
             </a:prstGeom>
             <a:solidFill>
-              <a:srgbClr val="f47682"/>
+              <a:srgbClr val="F47682"/>
             </a:solidFill>
             <a:ln>
               <a:noFill/>
@@ -9783,14 +12324,14 @@
         </p:nvSpPr>
         <p:spPr>
           <a:xfrm>
-            <a:off x="687489" y="2978583"/>
+            <a:off x="687489" y="2428250"/>
             <a:ext cx="638366" cy="625666"/>
           </a:xfrm>
           <a:prstGeom prst="ellipse">
             <a:avLst/>
           </a:prstGeom>
           <a:solidFill>
-            <a:srgbClr val="f8aab1"/>
+            <a:srgbClr val="F8AAB1"/>
           </a:solidFill>
           <a:ln>
             <a:noFill/>
@@ -9831,14 +12372,14 @@
         </p:nvSpPr>
         <p:spPr>
           <a:xfrm>
-            <a:off x="2846917" y="3046316"/>
+            <a:off x="2846917" y="2495983"/>
             <a:ext cx="648951" cy="626100"/>
           </a:xfrm>
           <a:prstGeom prst="ellipse">
             <a:avLst/>
           </a:prstGeom>
           <a:solidFill>
-            <a:srgbClr val="f58b95"/>
+            <a:srgbClr val="F58B95"/>
           </a:solidFill>
           <a:ln>
             <a:noFill/>
@@ -9879,14 +12420,14 @@
         </p:nvSpPr>
         <p:spPr>
           <a:xfrm>
-            <a:off x="5358928" y="2315631"/>
+            <a:off x="5342429" y="2421464"/>
             <a:ext cx="627783" cy="617200"/>
           </a:xfrm>
           <a:prstGeom prst="ellipse">
             <a:avLst/>
           </a:prstGeom>
           <a:solidFill>
-            <a:srgbClr val="f47682"/>
+            <a:srgbClr val="F47682"/>
           </a:solidFill>
           <a:ln>
             <a:noFill/>
@@ -9921,20 +12462,131 @@
       </p:sp>
       <p:sp>
         <p:nvSpPr>
-          <p:cNvPr id="22" name="타원 21"/>
+          <p:cNvPr id="31" name="TextBox 30"/>
+          <p:cNvSpPr txBox="1"/>
+          <p:nvPr/>
+        </p:nvSpPr>
+        <p:spPr>
+          <a:xfrm>
+            <a:off x="142861" y="3428998"/>
+            <a:ext cx="2074335" cy="362164"/>
+          </a:xfrm>
+          <a:prstGeom prst="rect">
+            <a:avLst/>
+          </a:prstGeom>
+        </p:spPr>
+        <p:txBody>
+          <a:bodyPr wrap="square">
+            <a:spAutoFit/>
+          </a:bodyPr>
+          <a:lstStyle/>
+          <a:p>
+            <a:pPr>
+              <a:defRPr lang="ko-KR" altLang="en-US"/>
+            </a:pPr>
+            <a:r>
+              <a:rPr lang="ko-KR" altLang="en-US" b="1"/>
+              <a:t>보비받기 선택</a:t>
+            </a:r>
+          </a:p>
+        </p:txBody>
+      </p:sp>
+      <p:sp>
+        <p:nvSpPr>
+          <p:cNvPr id="32" name="TextBox 31"/>
+          <p:cNvSpPr txBox="1"/>
+          <p:nvPr/>
+        </p:nvSpPr>
+        <p:spPr>
+          <a:xfrm>
+            <a:off x="2069040" y="3429000"/>
+            <a:ext cx="2640543" cy="363010"/>
+          </a:xfrm>
+          <a:prstGeom prst="rect">
+            <a:avLst/>
+          </a:prstGeom>
+        </p:spPr>
+        <p:txBody>
+          <a:bodyPr wrap="square">
+            <a:spAutoFit/>
+          </a:bodyPr>
+          <a:lstStyle/>
+          <a:p>
+            <a:pPr>
+              <a:defRPr lang="ko-KR" altLang="en-US"/>
+            </a:pPr>
+            <a:r>
+              <a:rPr lang="ko-KR" altLang="en-US" b="1"/>
+              <a:t> 대상(노인/아동) 선택</a:t>
+            </a:r>
+          </a:p>
+        </p:txBody>
+      </p:sp>
+      <p:sp>
+        <p:nvSpPr>
+          <p:cNvPr id="38" name="TextBox 37"/>
+          <p:cNvSpPr txBox="1"/>
+          <p:nvPr/>
+        </p:nvSpPr>
+        <p:spPr>
+          <a:xfrm>
+            <a:off x="4572000" y="3429000"/>
+            <a:ext cx="2285999" cy="906146"/>
+          </a:xfrm>
+          <a:prstGeom prst="rect">
+            <a:avLst/>
+          </a:prstGeom>
+        </p:spPr>
+        <p:txBody>
+          <a:bodyPr wrap="square">
+            <a:spAutoFit/>
+          </a:bodyPr>
+          <a:lstStyle/>
+          <a:p>
+            <a:pPr>
+              <a:defRPr lang="ko-KR" altLang="en-US"/>
+            </a:pPr>
+            <a:r>
+              <a:rPr lang="ko-KR" altLang="en-US" b="1"/>
+              <a:t>할머니/할아버지</a:t>
+            </a:r>
+          </a:p>
+          <a:p>
+            <a:pPr>
+              <a:defRPr lang="ko-KR" altLang="en-US"/>
+            </a:pPr>
+            <a:r>
+              <a:rPr lang="ko-KR" altLang="en-US" b="1"/>
+              <a:t>남자아이/여자아이</a:t>
+            </a:r>
+          </a:p>
+          <a:p>
+            <a:pPr>
+              <a:defRPr lang="ko-KR" altLang="en-US"/>
+            </a:pPr>
+            <a:r>
+              <a:rPr lang="ko-KR" altLang="en-US" b="1"/>
+              <a:t>선택</a:t>
+            </a:r>
+          </a:p>
+        </p:txBody>
+      </p:sp>
+      <p:sp>
+        <p:nvSpPr>
+          <p:cNvPr id="45" name="타원 18"/>
           <p:cNvSpPr/>
           <p:nvPr/>
         </p:nvSpPr>
         <p:spPr>
           <a:xfrm>
-            <a:off x="5519772" y="3977214"/>
-            <a:ext cx="617200" cy="606617"/>
+            <a:off x="7067558" y="2436283"/>
+            <a:ext cx="648950" cy="617200"/>
           </a:xfrm>
           <a:prstGeom prst="ellipse">
             <a:avLst/>
           </a:prstGeom>
           <a:solidFill>
-            <a:srgbClr val="ec515f"/>
+            <a:srgbClr val="F8AAB1"/>
           </a:solidFill>
           <a:ln>
             <a:noFill/>
@@ -9969,226 +12621,20 @@
       </p:sp>
       <p:sp>
         <p:nvSpPr>
-          <p:cNvPr id="31" name=""/>
-          <p:cNvSpPr txBox="1"/>
-          <p:nvPr/>
-        </p:nvSpPr>
-        <p:spPr>
-          <a:xfrm>
-            <a:off x="142866" y="2505920"/>
-            <a:ext cx="2074335" cy="362163"/>
-          </a:xfrm>
-          <a:prstGeom prst="rect">
-            <a:avLst/>
-          </a:prstGeom>
-        </p:spPr>
-        <p:txBody>
-          <a:bodyPr wrap="square">
-            <a:spAutoFit/>
-          </a:bodyPr>
-          <a:p>
-            <a:pPr>
-              <a:defRPr lang="ko-KR" altLang="en-US"/>
-            </a:pPr>
-            <a:r>
-              <a:rPr lang="ko-KR" altLang="en-US" b="1"/>
-              <a:t>보비하기 선택</a:t>
-            </a:r>
-            <a:endParaRPr lang="ko-KR" altLang="en-US" b="1"/>
-          </a:p>
-        </p:txBody>
-      </p:sp>
-      <p:sp>
-        <p:nvSpPr>
-          <p:cNvPr id="32" name=""/>
-          <p:cNvSpPr txBox="1"/>
-          <p:nvPr/>
-        </p:nvSpPr>
-        <p:spPr>
-          <a:xfrm>
-            <a:off x="2196041" y="2457661"/>
-            <a:ext cx="2375959" cy="639234"/>
-          </a:xfrm>
-          <a:prstGeom prst="rect">
-            <a:avLst/>
-          </a:prstGeom>
-        </p:spPr>
-        <p:txBody>
-          <a:bodyPr wrap="square">
-            <a:spAutoFit/>
-          </a:bodyPr>
-          <a:p>
-            <a:pPr>
-              <a:defRPr lang="ko-KR" altLang="en-US"/>
-            </a:pPr>
-            <a:r>
-              <a:rPr lang="ko-KR" altLang="en-US" b="1"/>
-              <a:t>개인정보 입력 및 </a:t>
-            </a:r>
-            <a:endParaRPr lang="ko-KR" altLang="en-US" b="1"/>
-          </a:p>
-          <a:p>
-            <a:pPr>
-              <a:defRPr lang="ko-KR" altLang="en-US"/>
-            </a:pPr>
-            <a:r>
-              <a:rPr lang="ko-KR" altLang="en-US" b="1"/>
-              <a:t>대상(노인/아동) 선택</a:t>
-            </a:r>
-            <a:endParaRPr lang="ko-KR" altLang="en-US" b="1"/>
-          </a:p>
-        </p:txBody>
-      </p:sp>
-      <p:sp>
-        <p:nvSpPr>
-          <p:cNvPr id="33" name=""/>
-          <p:cNvSpPr txBox="1"/>
-          <p:nvPr/>
-        </p:nvSpPr>
-        <p:spPr>
-          <a:xfrm>
-            <a:off x="5386915" y="921234"/>
-            <a:ext cx="1864105" cy="468314"/>
-          </a:xfrm>
-          <a:prstGeom prst="rect">
-            <a:avLst/>
-          </a:prstGeom>
-        </p:spPr>
-        <p:txBody>
-          <a:bodyPr wrap="square">
-            <a:spAutoFit/>
-          </a:bodyPr>
-          <a:p>
-            <a:pPr>
-              <a:defRPr lang="ko-KR" altLang="en-US"/>
-            </a:pPr>
-            <a:r>
-              <a:rPr lang="ko-KR" altLang="en-US" sz="2500" b="1"/>
-              <a:t>노인선택</a:t>
-            </a:r>
-            <a:endParaRPr lang="ko-KR" altLang="en-US" sz="2500" b="1"/>
-          </a:p>
-        </p:txBody>
-      </p:sp>
-      <p:sp>
-        <p:nvSpPr>
-          <p:cNvPr id="37" name=""/>
-          <p:cNvSpPr txBox="1"/>
-          <p:nvPr/>
-        </p:nvSpPr>
-        <p:spPr>
-          <a:xfrm>
-            <a:off x="5466289" y="3193216"/>
-            <a:ext cx="1894416" cy="472003"/>
-          </a:xfrm>
-          <a:prstGeom prst="rect">
-            <a:avLst/>
-          </a:prstGeom>
-        </p:spPr>
-        <p:txBody>
-          <a:bodyPr wrap="square">
-            <a:spAutoFit/>
-          </a:bodyPr>
-          <a:p>
-            <a:pPr>
-              <a:defRPr lang="ko-KR" altLang="en-US"/>
-            </a:pPr>
-            <a:r>
-              <a:rPr lang="ko-KR" altLang="en-US" sz="2500" b="1"/>
-              <a:t>아동선택</a:t>
-            </a:r>
-            <a:endParaRPr lang="ko-KR" altLang="en-US" sz="2500" b="1"/>
-          </a:p>
-        </p:txBody>
-      </p:sp>
-      <p:sp>
-        <p:nvSpPr>
-          <p:cNvPr id="38" name=""/>
-          <p:cNvSpPr txBox="1"/>
-          <p:nvPr/>
-        </p:nvSpPr>
-        <p:spPr>
-          <a:xfrm>
-            <a:off x="5148791" y="1598083"/>
-            <a:ext cx="1979082" cy="639446"/>
-          </a:xfrm>
-          <a:prstGeom prst="rect">
-            <a:avLst/>
-          </a:prstGeom>
-        </p:spPr>
-        <p:txBody>
-          <a:bodyPr wrap="square">
-            <a:spAutoFit/>
-          </a:bodyPr>
-          <a:p>
-            <a:pPr>
-              <a:defRPr lang="ko-KR" altLang="en-US"/>
-            </a:pPr>
-            <a:r>
-              <a:rPr lang="ko-KR" altLang="en-US" b="1"/>
-              <a:t>일의 종류, </a:t>
-            </a:r>
-            <a:endParaRPr lang="ko-KR" altLang="en-US" b="1"/>
-          </a:p>
-          <a:p>
-            <a:pPr>
-              <a:defRPr lang="ko-KR" altLang="en-US"/>
-            </a:pPr>
-            <a:r>
-              <a:rPr lang="ko-KR" altLang="en-US" b="1"/>
-              <a:t>지역 선택</a:t>
-            </a:r>
-            <a:endParaRPr lang="ko-KR" altLang="en-US" b="1"/>
-          </a:p>
-        </p:txBody>
-      </p:sp>
-      <p:sp>
-        <p:nvSpPr>
-          <p:cNvPr id="39" name=""/>
-          <p:cNvSpPr txBox="1"/>
-          <p:nvPr/>
-        </p:nvSpPr>
-        <p:spPr>
-          <a:xfrm>
-            <a:off x="4572000" y="4703233"/>
-            <a:ext cx="2529415" cy="910378"/>
-          </a:xfrm>
-          <a:prstGeom prst="rect">
-            <a:avLst/>
-          </a:prstGeom>
-        </p:spPr>
-        <p:txBody>
-          <a:bodyPr wrap="square">
-            <a:spAutoFit/>
-          </a:bodyPr>
-          <a:p>
-            <a:pPr>
-              <a:defRPr lang="ko-KR" altLang="en-US"/>
-            </a:pPr>
-            <a:r>
-              <a:rPr lang="ko-KR" altLang="en-US" b="1"/>
-              <a:t>케어할 수 있는 대상 (일반 아동/장애 아동), 지역 선택</a:t>
-            </a:r>
-            <a:endParaRPr lang="ko-KR" altLang="en-US" b="1"/>
-          </a:p>
-        </p:txBody>
-      </p:sp>
-      <p:sp>
-        <p:nvSpPr>
-          <p:cNvPr id="45" name="타원 18"/>
+          <p:cNvPr id="47" name="타원 19"/>
           <p:cNvSpPr/>
           <p:nvPr/>
         </p:nvSpPr>
         <p:spPr>
           <a:xfrm>
-            <a:off x="7084057" y="2330450"/>
-            <a:ext cx="648950" cy="617200"/>
+            <a:off x="8814233" y="2447298"/>
+            <a:ext cx="659534" cy="617200"/>
           </a:xfrm>
           <a:prstGeom prst="ellipse">
             <a:avLst/>
           </a:prstGeom>
           <a:solidFill>
-            <a:srgbClr val="f8aab1"/>
+            <a:srgbClr val="F58B95"/>
           </a:solidFill>
           <a:ln>
             <a:noFill/>
@@ -10223,20 +12669,91 @@
       </p:sp>
       <p:sp>
         <p:nvSpPr>
-          <p:cNvPr id="46" name="타원 18"/>
+          <p:cNvPr id="49" name="TextBox 48"/>
+          <p:cNvSpPr txBox="1"/>
+          <p:nvPr/>
+        </p:nvSpPr>
+        <p:spPr>
+          <a:xfrm>
+            <a:off x="6793877" y="3428999"/>
+            <a:ext cx="1725084" cy="905087"/>
+          </a:xfrm>
+          <a:prstGeom prst="rect">
+            <a:avLst/>
+          </a:prstGeom>
+        </p:spPr>
+        <p:txBody>
+          <a:bodyPr wrap="square">
+            <a:spAutoFit/>
+          </a:bodyPr>
+          <a:lstStyle/>
+          <a:p>
+            <a:pPr>
+              <a:defRPr lang="ko-KR" altLang="en-US"/>
+            </a:pPr>
+            <a:r>
+              <a:rPr lang="ko-KR" altLang="en-US" b="1"/>
+              <a:t>원하는 서비스 선택(서비스 </a:t>
+            </a:r>
+          </a:p>
+          <a:p>
+            <a:pPr>
+              <a:defRPr lang="ko-KR" altLang="en-US"/>
+            </a:pPr>
+            <a:r>
+              <a:rPr lang="ko-KR" altLang="en-US" b="1"/>
+              <a:t>종류 및 시간)</a:t>
+            </a:r>
+          </a:p>
+        </p:txBody>
+      </p:sp>
+      <p:sp>
+        <p:nvSpPr>
+          <p:cNvPr id="51" name="TextBox 50"/>
+          <p:cNvSpPr txBox="1"/>
+          <p:nvPr/>
+        </p:nvSpPr>
+        <p:spPr>
+          <a:xfrm>
+            <a:off x="8519584" y="3429000"/>
+            <a:ext cx="1428750" cy="906145"/>
+          </a:xfrm>
+          <a:prstGeom prst="rect">
+            <a:avLst/>
+          </a:prstGeom>
+        </p:spPr>
+        <p:txBody>
+          <a:bodyPr wrap="square">
+            <a:spAutoFit/>
+          </a:bodyPr>
+          <a:lstStyle/>
+          <a:p>
+            <a:pPr>
+              <a:defRPr lang="ko-KR" altLang="en-US"/>
+            </a:pPr>
+            <a:r>
+              <a:rPr lang="ko-KR" altLang="en-US" b="1"/>
+              <a:t>서비스 받고 싶은 시간 설정</a:t>
+            </a:r>
+          </a:p>
+        </p:txBody>
+      </p:sp>
+      <p:sp>
+        <p:nvSpPr>
+          <p:cNvPr id="53" name="타원 20"/>
           <p:cNvSpPr/>
           <p:nvPr/>
         </p:nvSpPr>
         <p:spPr>
           <a:xfrm>
-            <a:off x="7077706" y="4006849"/>
-            <a:ext cx="638366" cy="596033"/>
+            <a:off x="10722995" y="2436281"/>
+            <a:ext cx="627783" cy="617200"/>
           </a:xfrm>
           <a:prstGeom prst="ellipse">
             <a:avLst/>
           </a:prstGeom>
           <a:solidFill>
-            <a:srgbClr val="f8aab1"/>
+            <a:srgbClr val="F47682"/>
           </a:solidFill>
           <a:ln>
             <a:noFill/>
@@ -10271,110 +12788,14 @@
       </p:sp>
       <p:sp>
         <p:nvSpPr>
-          <p:cNvPr id="47" name="타원 19"/>
-          <p:cNvSpPr/>
-          <p:nvPr/>
-        </p:nvSpPr>
-        <p:spPr>
-          <a:xfrm>
-            <a:off x="8830732" y="2341465"/>
-            <a:ext cx="659534" cy="617200"/>
-          </a:xfrm>
-          <a:prstGeom prst="ellipse">
-            <a:avLst/>
-          </a:prstGeom>
-          <a:solidFill>
-            <a:srgbClr val="f58b95"/>
-          </a:solidFill>
-          <a:ln>
-            <a:noFill/>
-          </a:ln>
-        </p:spPr>
-        <p:style>
-          <a:lnRef idx="2">
-            <a:schemeClr val="accent1">
-              <a:shade val="50000"/>
-            </a:schemeClr>
-          </a:lnRef>
-          <a:fillRef idx="1">
-            <a:schemeClr val="accent1"/>
-          </a:fillRef>
-          <a:effectRef idx="0">
-            <a:schemeClr val="accent1"/>
-          </a:effectRef>
-          <a:fontRef idx="minor">
-            <a:schemeClr val="lt1"/>
-          </a:fontRef>
-        </p:style>
-        <p:txBody>
-          <a:bodyPr anchor="ctr"/>
-          <a:lstStyle/>
-          <a:p>
-            <a:pPr algn="ctr">
-              <a:defRPr lang="ko-KR" altLang="en-US"/>
-            </a:pPr>
-            <a:endParaRPr lang="ko-KR" altLang="en-US"/>
-          </a:p>
-        </p:txBody>
-      </p:sp>
-      <p:sp>
-        <p:nvSpPr>
-          <p:cNvPr id="48" name="타원 19"/>
-          <p:cNvSpPr/>
-          <p:nvPr/>
-        </p:nvSpPr>
-        <p:spPr>
-          <a:xfrm>
-            <a:off x="8824816" y="3996699"/>
-            <a:ext cx="638367" cy="617200"/>
-          </a:xfrm>
-          <a:prstGeom prst="ellipse">
-            <a:avLst/>
-          </a:prstGeom>
-          <a:solidFill>
-            <a:srgbClr val="f58b95"/>
-          </a:solidFill>
-          <a:ln>
-            <a:noFill/>
-          </a:ln>
-        </p:spPr>
-        <p:style>
-          <a:lnRef idx="2">
-            <a:schemeClr val="accent1">
-              <a:shade val="50000"/>
-            </a:schemeClr>
-          </a:lnRef>
-          <a:fillRef idx="1">
-            <a:schemeClr val="accent1"/>
-          </a:fillRef>
-          <a:effectRef idx="0">
-            <a:schemeClr val="accent1"/>
-          </a:effectRef>
-          <a:fontRef idx="minor">
-            <a:schemeClr val="lt1"/>
-          </a:fontRef>
-        </p:style>
-        <p:txBody>
-          <a:bodyPr anchor="ctr"/>
-          <a:lstStyle/>
-          <a:p>
-            <a:pPr algn="ctr">
-              <a:defRPr lang="ko-KR" altLang="en-US"/>
-            </a:pPr>
-            <a:endParaRPr lang="ko-KR" altLang="en-US"/>
-          </a:p>
-        </p:txBody>
-      </p:sp>
-      <p:sp>
-        <p:nvSpPr>
-          <p:cNvPr id="49" name=""/>
+          <p:cNvPr id="56" name="TextBox 55"/>
           <p:cNvSpPr txBox="1"/>
           <p:nvPr/>
         </p:nvSpPr>
         <p:spPr>
           <a:xfrm>
-            <a:off x="6969126" y="1598083"/>
-            <a:ext cx="1344083" cy="642620"/>
+            <a:off x="10419292" y="3428999"/>
+            <a:ext cx="1407584" cy="905087"/>
           </a:xfrm>
           <a:prstGeom prst="rect">
             <a:avLst/>
@@ -10384,384 +12805,15 @@
           <a:bodyPr wrap="square">
             <a:spAutoFit/>
           </a:bodyPr>
+          <a:lstStyle/>
           <a:p>
             <a:pPr>
               <a:defRPr lang="ko-KR" altLang="en-US"/>
             </a:pPr>
             <a:r>
               <a:rPr lang="ko-KR" altLang="en-US" b="1"/>
-              <a:t>근무가능 시간 입력</a:t>
-            </a:r>
-            <a:endParaRPr lang="ko-KR" altLang="en-US" b="1"/>
-          </a:p>
-        </p:txBody>
-      </p:sp>
-      <p:sp>
-        <p:nvSpPr>
-          <p:cNvPr id="50" name=""/>
-          <p:cNvSpPr txBox="1"/>
-          <p:nvPr/>
-        </p:nvSpPr>
-        <p:spPr>
-          <a:xfrm>
-            <a:off x="7005108" y="4703233"/>
-            <a:ext cx="1344083" cy="642620"/>
-          </a:xfrm>
-          <a:prstGeom prst="rect">
-            <a:avLst/>
-          </a:prstGeom>
-        </p:spPr>
-        <p:txBody>
-          <a:bodyPr wrap="square">
-            <a:spAutoFit/>
-          </a:bodyPr>
-          <a:lstStyle/>
-          <a:p>
-            <a:pPr>
-              <a:defRPr lang="ko-KR" altLang="en-US"/>
-            </a:pPr>
-            <a:r>
-              <a:rPr lang="ko-KR" altLang="en-US" b="1"/>
-              <a:t>근무가능 시간 입력</a:t>
-            </a:r>
-            <a:endParaRPr lang="ko-KR" altLang="en-US" b="1"/>
-          </a:p>
-        </p:txBody>
-      </p:sp>
-      <p:sp>
-        <p:nvSpPr>
-          <p:cNvPr id="51" name=""/>
-          <p:cNvSpPr txBox="1"/>
-          <p:nvPr/>
-        </p:nvSpPr>
-        <p:spPr>
-          <a:xfrm>
-            <a:off x="8514292" y="1598083"/>
-            <a:ext cx="1248833" cy="643679"/>
-          </a:xfrm>
-          <a:prstGeom prst="rect">
-            <a:avLst/>
-          </a:prstGeom>
-        </p:spPr>
-        <p:txBody>
-          <a:bodyPr wrap="square">
-            <a:spAutoFit/>
-          </a:bodyPr>
-          <a:p>
-            <a:pPr>
-              <a:defRPr lang="ko-KR" altLang="en-US"/>
-            </a:pPr>
-            <a:r>
-              <a:rPr lang="ko-KR" altLang="en-US" b="1"/>
-              <a:t>서류 및 경력 입력</a:t>
-            </a:r>
-            <a:endParaRPr lang="ko-KR" altLang="en-US" b="1"/>
-          </a:p>
-        </p:txBody>
-      </p:sp>
-      <p:sp>
-        <p:nvSpPr>
-          <p:cNvPr id="53" name="타원 20"/>
-          <p:cNvSpPr/>
-          <p:nvPr/>
-        </p:nvSpPr>
-        <p:spPr>
-          <a:xfrm>
-            <a:off x="10739494" y="2330448"/>
-            <a:ext cx="627783" cy="617200"/>
-          </a:xfrm>
-          <a:prstGeom prst="ellipse">
-            <a:avLst/>
-          </a:prstGeom>
-          <a:solidFill>
-            <a:srgbClr val="f47682"/>
-          </a:solidFill>
-          <a:ln>
-            <a:noFill/>
-          </a:ln>
-        </p:spPr>
-        <p:style>
-          <a:lnRef idx="2">
-            <a:schemeClr val="accent1">
-              <a:shade val="50000"/>
-            </a:schemeClr>
-          </a:lnRef>
-          <a:fillRef idx="1">
-            <a:schemeClr val="accent1"/>
-          </a:fillRef>
-          <a:effectRef idx="0">
-            <a:schemeClr val="accent1"/>
-          </a:effectRef>
-          <a:fontRef idx="minor">
-            <a:schemeClr val="lt1"/>
-          </a:fontRef>
-        </p:style>
-        <p:txBody>
-          <a:bodyPr anchor="ctr"/>
-          <a:lstStyle/>
-          <a:p>
-            <a:pPr algn="ctr">
-              <a:defRPr lang="ko-KR" altLang="en-US"/>
-            </a:pPr>
-            <a:endParaRPr lang="ko-KR" altLang="en-US"/>
-          </a:p>
-        </p:txBody>
-      </p:sp>
-      <p:sp>
-        <p:nvSpPr>
-          <p:cNvPr id="54" name="타원 20"/>
-          <p:cNvSpPr/>
-          <p:nvPr/>
-        </p:nvSpPr>
-        <p:spPr>
-          <a:xfrm>
-            <a:off x="10807228" y="3932764"/>
-            <a:ext cx="627783" cy="617200"/>
-          </a:xfrm>
-          <a:prstGeom prst="ellipse">
-            <a:avLst/>
-          </a:prstGeom>
-          <a:solidFill>
-            <a:srgbClr val="f47682"/>
-          </a:solidFill>
-          <a:ln>
-            <a:noFill/>
-          </a:ln>
-        </p:spPr>
-        <p:style>
-          <a:lnRef idx="2">
-            <a:schemeClr val="accent1">
-              <a:shade val="50000"/>
-            </a:schemeClr>
-          </a:lnRef>
-          <a:fillRef idx="1">
-            <a:schemeClr val="accent1"/>
-          </a:fillRef>
-          <a:effectRef idx="0">
-            <a:schemeClr val="accent1"/>
-          </a:effectRef>
-          <a:fontRef idx="minor">
-            <a:schemeClr val="lt1"/>
-          </a:fontRef>
-        </p:style>
-        <p:txBody>
-          <a:bodyPr anchor="ctr"/>
-          <a:lstStyle/>
-          <a:p>
-            <a:pPr algn="ctr">
-              <a:defRPr lang="ko-KR" altLang="en-US"/>
-            </a:pPr>
-            <a:endParaRPr lang="ko-KR" altLang="en-US"/>
-          </a:p>
-        </p:txBody>
-      </p:sp>
-      <p:sp>
-        <p:nvSpPr>
-          <p:cNvPr id="55" name=""/>
-          <p:cNvSpPr txBox="1"/>
-          <p:nvPr/>
-        </p:nvSpPr>
-        <p:spPr>
-          <a:xfrm>
-            <a:off x="8519584" y="4703233"/>
-            <a:ext cx="1248833" cy="643679"/>
-          </a:xfrm>
-          <a:prstGeom prst="rect">
-            <a:avLst/>
-          </a:prstGeom>
-        </p:spPr>
-        <p:txBody>
-          <a:bodyPr wrap="square">
-            <a:spAutoFit/>
-          </a:bodyPr>
-          <a:lstStyle/>
-          <a:p>
-            <a:pPr>
-              <a:defRPr lang="ko-KR" altLang="en-US"/>
-            </a:pPr>
-            <a:r>
-              <a:rPr lang="ko-KR" altLang="en-US" b="1"/>
-              <a:t>서류 및 경력 입력</a:t>
-            </a:r>
-            <a:endParaRPr lang="ko-KR" altLang="en-US" b="1"/>
-          </a:p>
-        </p:txBody>
-      </p:sp>
-      <p:sp>
-        <p:nvSpPr>
-          <p:cNvPr id="56" name=""/>
-          <p:cNvSpPr txBox="1"/>
-          <p:nvPr/>
-        </p:nvSpPr>
-        <p:spPr>
-          <a:xfrm>
-            <a:off x="10514542" y="1598083"/>
-            <a:ext cx="1407584" cy="638387"/>
-          </a:xfrm>
-          <a:prstGeom prst="rect">
-            <a:avLst/>
-          </a:prstGeom>
-        </p:spPr>
-        <p:txBody>
-          <a:bodyPr wrap="square">
-            <a:spAutoFit/>
-          </a:bodyPr>
-          <a:p>
-            <a:pPr>
-              <a:defRPr lang="ko-KR" altLang="en-US"/>
-            </a:pPr>
-            <a:r>
-              <a:rPr lang="ko-KR" altLang="en-US" b="1"/>
-              <a:t>계좌번호 </a:t>
-            </a:r>
-            <a:endParaRPr lang="ko-KR" altLang="en-US" b="1"/>
-          </a:p>
-          <a:p>
-            <a:pPr>
-              <a:defRPr lang="ko-KR" altLang="en-US"/>
-            </a:pPr>
-            <a:r>
-              <a:rPr lang="ko-KR" altLang="en-US" b="1"/>
-              <a:t>입력</a:t>
-            </a:r>
-            <a:endParaRPr lang="ko-KR" altLang="en-US" b="1"/>
-          </a:p>
-        </p:txBody>
-      </p:sp>
-      <p:sp>
-        <p:nvSpPr>
-          <p:cNvPr id="57" name=""/>
-          <p:cNvSpPr txBox="1"/>
-          <p:nvPr/>
-        </p:nvSpPr>
-        <p:spPr>
-          <a:xfrm>
-            <a:off x="10550525" y="4703233"/>
-            <a:ext cx="1407584" cy="638387"/>
-          </a:xfrm>
-          <a:prstGeom prst="rect">
-            <a:avLst/>
-          </a:prstGeom>
-        </p:spPr>
-        <p:txBody>
-          <a:bodyPr wrap="square">
-            <a:spAutoFit/>
-          </a:bodyPr>
-          <a:lstStyle/>
-          <a:p>
-            <a:pPr>
-              <a:defRPr lang="ko-KR" altLang="en-US"/>
-            </a:pPr>
-            <a:r>
-              <a:rPr lang="ko-KR" altLang="en-US" b="1"/>
-              <a:t>계좌번호 </a:t>
-            </a:r>
-            <a:endParaRPr lang="ko-KR" altLang="en-US" b="1"/>
-          </a:p>
-          <a:p>
-            <a:pPr>
-              <a:defRPr lang="ko-KR" altLang="en-US"/>
-            </a:pPr>
-            <a:r>
-              <a:rPr lang="ko-KR" altLang="en-US" b="1"/>
-              <a:t>입력</a:t>
-            </a:r>
-            <a:endParaRPr lang="ko-KR" altLang="en-US" b="1"/>
-          </a:p>
-        </p:txBody>
-      </p:sp>
-      <p:sp>
-        <p:nvSpPr>
-          <p:cNvPr id="58" name=""/>
-          <p:cNvSpPr/>
-          <p:nvPr/>
-        </p:nvSpPr>
-        <p:spPr>
-          <a:xfrm>
-            <a:off x="5265208" y="855940"/>
-            <a:ext cx="1651000" cy="603250"/>
-          </a:xfrm>
-          <a:prstGeom prst="rect">
-            <a:avLst/>
-          </a:prstGeom>
-          <a:noFill/>
-          <a:ln w="57150">
-            <a:solidFill>
-              <a:srgbClr val="ec515f"/>
-            </a:solidFill>
-          </a:ln>
-        </p:spPr>
-        <p:style>
-          <a:lnRef idx="2">
-            <a:schemeClr val="accent1">
-              <a:shade val="20000"/>
-            </a:schemeClr>
-          </a:lnRef>
-          <a:fillRef idx="1">
-            <a:schemeClr val="accent1"/>
-          </a:fillRef>
-          <a:effectRef idx="0">
-            <a:schemeClr val="accent1"/>
-          </a:effectRef>
-          <a:fontRef idx="minor">
-            <a:schemeClr val="lt1"/>
-          </a:fontRef>
-        </p:style>
-        <p:txBody>
-          <a:bodyPr anchor="ctr"/>
-          <a:p>
-            <a:pPr algn="ctr">
-              <a:defRPr lang="ko-KR" altLang="en-US"/>
-            </a:pPr>
-            <a:endParaRPr lang="ko-KR" altLang="en-US"/>
-          </a:p>
-        </p:txBody>
-      </p:sp>
-      <p:sp>
-        <p:nvSpPr>
-          <p:cNvPr id="59" name=""/>
-          <p:cNvSpPr/>
-          <p:nvPr/>
-        </p:nvSpPr>
-        <p:spPr>
-          <a:xfrm>
-            <a:off x="5396442" y="3126065"/>
-            <a:ext cx="1651000" cy="603250"/>
-          </a:xfrm>
-          <a:prstGeom prst="rect">
-            <a:avLst/>
-          </a:prstGeom>
-          <a:noFill/>
-          <a:ln w="57150">
-            <a:solidFill>
-              <a:srgbClr val="ec515f"/>
-            </a:solidFill>
-          </a:ln>
-        </p:spPr>
-        <p:style>
-          <a:lnRef idx="2">
-            <a:schemeClr val="accent1">
-              <a:shade val="20000"/>
-            </a:schemeClr>
-          </a:lnRef>
-          <a:fillRef idx="1">
-            <a:schemeClr val="accent1"/>
-          </a:fillRef>
-          <a:effectRef idx="0">
-            <a:schemeClr val="accent1"/>
-          </a:effectRef>
-          <a:fontRef idx="minor">
-            <a:schemeClr val="lt1"/>
-          </a:fontRef>
-        </p:style>
-        <p:txBody>
-          <a:bodyPr anchor="ctr"/>
-          <a:lstStyle/>
-          <a:p>
-            <a:pPr algn="ctr">
-              <a:defRPr lang="ko-KR" altLang="en-US"/>
-            </a:pPr>
-            <a:endParaRPr lang="ko-KR" altLang="en-US"/>
+              <a:t>특이사항 및 하고싶은 말 입력</a:t>
+            </a:r>
           </a:p>
         </p:txBody>
       </p:sp>
@@ -10770,54 +12822,54 @@
   <p:clrMapOvr>
     <a:masterClrMapping/>
   </p:clrMapOvr>
-  <p:transition xmlns:mc="http://schemas.openxmlformats.org/markup-compatibility/2006" xmlns:hp="http://schemas.haansoft.com/office/presentation/8.0" mc:Ignorable="hp" hp:hslDur="500"/>
+  <p:transition/>
 </p:sld>
 </file>
 
 <file path=ppt/theme/theme1.xml><?xml version="1.0" encoding="utf-8"?>
-<a:theme xmlns:r="http://schemas.openxmlformats.org/officeDocument/2006/relationships" xmlns:c="http://schemas.openxmlformats.org/drawingml/2006/chart" xmlns:dgm="http://schemas.openxmlformats.org/drawingml/2006/diagram" xmlns:dsp="http://schemas.microsoft.com/office/drawing/2008/diagram" xmlns:a="http://schemas.openxmlformats.org/drawingml/2006/main" xmlns:pic="http://schemas.openxmlformats.org/drawingml/2006/picture" xmlns:wp="http://schemas.openxmlformats.org/drawingml/2006/wordprocessingDrawing" xmlns:xdr="http://schemas.openxmlformats.org/drawingml/2006/spreadsheetDrawing" name="Office 테마">
+<a:theme xmlns:a="http://schemas.openxmlformats.org/drawingml/2006/main" name="Office 테마">
   <a:themeElements>
     <a:clrScheme name="Office">
       <a:dk1>
         <a:sysClr val="windowText" lastClr="000000"/>
       </a:dk1>
       <a:lt1>
-        <a:sysClr val="window" lastClr="ffffff"/>
+        <a:sysClr val="window" lastClr="FFFFFF"/>
       </a:lt1>
       <a:dk2>
-        <a:srgbClr val="44546a"/>
+        <a:srgbClr val="44546A"/>
       </a:dk2>
       <a:lt2>
-        <a:srgbClr val="e7e6e6"/>
+        <a:srgbClr val="E7E6E6"/>
       </a:lt2>
       <a:accent1>
-        <a:srgbClr val="5b9bd5"/>
+        <a:srgbClr val="5B9BD5"/>
       </a:accent1>
       <a:accent2>
-        <a:srgbClr val="ed7d31"/>
+        <a:srgbClr val="ED7D31"/>
       </a:accent2>
       <a:accent3>
-        <a:srgbClr val="a5a5a5"/>
+        <a:srgbClr val="A5A5A5"/>
       </a:accent3>
       <a:accent4>
-        <a:srgbClr val="ffc000"/>
+        <a:srgbClr val="FFC000"/>
       </a:accent4>
       <a:accent5>
-        <a:srgbClr val="4472c4"/>
+        <a:srgbClr val="4472C4"/>
       </a:accent5>
       <a:accent6>
-        <a:srgbClr val="70ad47"/>
+        <a:srgbClr val="70AD47"/>
       </a:accent6>
       <a:hlink>
-        <a:srgbClr val="0563c1"/>
+        <a:srgbClr val="0563C1"/>
       </a:hlink>
       <a:folHlink>
-        <a:srgbClr val="954f72"/>
+        <a:srgbClr val="954F72"/>
       </a:folHlink>
     </a:clrScheme>
     <a:fontScheme name="Office">
       <a:majorFont>
-        <a:latin typeface="맑은 고딕" panose="20"/>
+        <a:latin typeface="맑은 고딕" panose="20000000000000000000"/>
         <a:ea typeface=""/>
         <a:cs typeface=""/>
         <a:font script="Jpan" typeface="游ゴシック Light"/>
@@ -10869,7 +12921,7 @@
         <a:font script="Tfng" typeface="Ebrima"/>
       </a:majorFont>
       <a:minorFont>
-        <a:latin typeface="맑은 고딕" panose="20"/>
+        <a:latin typeface="맑은 고딕" panose="20000000000000000000"/>
         <a:ea typeface=""/>
         <a:cs typeface=""/>
         <a:font script="Jpan" typeface="游ゴシック"/>
@@ -11059,5 +13111,302 @@
       </a:bgFillStyleLst>
     </a:fmtScheme>
   </a:themeElements>
+  <a:objectDefaults/>
+  <a:extraClrSchemeLst/>
+</a:theme>
+</file>
+
+<file path=ppt/theme/theme2.xml><?xml version="1.0" encoding="utf-8"?>
+<a:theme xmlns:a="http://schemas.openxmlformats.org/drawingml/2006/main" name="Office 테마">
+  <a:themeElements>
+    <a:clrScheme name="Office">
+      <a:dk1>
+        <a:sysClr val="windowText" lastClr="000000"/>
+      </a:dk1>
+      <a:lt1>
+        <a:sysClr val="window" lastClr="FFFFFF"/>
+      </a:lt1>
+      <a:dk2>
+        <a:srgbClr val="44546A"/>
+      </a:dk2>
+      <a:lt2>
+        <a:srgbClr val="E7E6E6"/>
+      </a:lt2>
+      <a:accent1>
+        <a:srgbClr val="5B9BD5"/>
+      </a:accent1>
+      <a:accent2>
+        <a:srgbClr val="ED7D31"/>
+      </a:accent2>
+      <a:accent3>
+        <a:srgbClr val="A5A5A5"/>
+      </a:accent3>
+      <a:accent4>
+        <a:srgbClr val="FFC000"/>
+      </a:accent4>
+      <a:accent5>
+        <a:srgbClr val="4472C4"/>
+      </a:accent5>
+      <a:accent6>
+        <a:srgbClr val="70AD47"/>
+      </a:accent6>
+      <a:hlink>
+        <a:srgbClr val="0563C1"/>
+      </a:hlink>
+      <a:folHlink>
+        <a:srgbClr val="954F72"/>
+      </a:folHlink>
+    </a:clrScheme>
+    <a:fontScheme name="Office">
+      <a:majorFont>
+        <a:latin typeface="맑은 고딕" panose="020F0302020204030204"/>
+        <a:ea typeface=""/>
+        <a:cs typeface=""/>
+        <a:font script="Jpan" typeface="游ゴシック Light"/>
+        <a:font script="Hang" typeface="맑은 고딕"/>
+        <a:font script="Hans" typeface="等线 Light"/>
+        <a:font script="Hant" typeface="新細明體"/>
+        <a:font script="Arab" typeface="Times New Roman"/>
+        <a:font script="Hebr" typeface="Times New Roman"/>
+        <a:font script="Thai" typeface="Angsana New"/>
+        <a:font script="Ethi" typeface="Nyala"/>
+        <a:font script="Beng" typeface="Vrinda"/>
+        <a:font script="Gujr" typeface="Shruti"/>
+        <a:font script="Khmr" typeface="MoolBoran"/>
+        <a:font script="Knda" typeface="Tunga"/>
+        <a:font script="Guru" typeface="Raavi"/>
+        <a:font script="Cans" typeface="Euphemia"/>
+        <a:font script="Cher" typeface="Plantagenet Cherokee"/>
+        <a:font script="Yiii" typeface="Microsoft Yi Baiti"/>
+        <a:font script="Tibt" typeface="Microsoft Himalaya"/>
+        <a:font script="Thaa" typeface="MV Boli"/>
+        <a:font script="Deva" typeface="Mangal"/>
+        <a:font script="Telu" typeface="Gautami"/>
+        <a:font script="Taml" typeface="Latha"/>
+        <a:font script="Syrc" typeface="Estrangelo Edessa"/>
+        <a:font script="Orya" typeface="Kalinga"/>
+        <a:font script="Mlym" typeface="Kartika"/>
+        <a:font script="Laoo" typeface="DokChampa"/>
+        <a:font script="Sinh" typeface="Iskoola Pota"/>
+        <a:font script="Mong" typeface="Mongolian Baiti"/>
+        <a:font script="Viet" typeface="Times New Roman"/>
+        <a:font script="Uigh" typeface="Microsoft Uighur"/>
+        <a:font script="Geor" typeface="Sylfaen"/>
+        <a:font script="Armn" typeface="Arial"/>
+        <a:font script="Bugi" typeface="Leelawadee UI"/>
+        <a:font script="Bopo" typeface="Microsoft JhengHei"/>
+        <a:font script="Java" typeface="Javanese Text"/>
+        <a:font script="Lisu" typeface="Segoe UI"/>
+        <a:font script="Mymr" typeface="Myanmar Text"/>
+        <a:font script="Nkoo" typeface="Ebrima"/>
+        <a:font script="Olck" typeface="Nirmala UI"/>
+        <a:font script="Osma" typeface="Ebrima"/>
+        <a:font script="Phag" typeface="Phagspa"/>
+        <a:font script="Syrn" typeface="Estrangelo Edessa"/>
+        <a:font script="Syrj" typeface="Estrangelo Edessa"/>
+        <a:font script="Syre" typeface="Estrangelo Edessa"/>
+        <a:font script="Sora" typeface="Nirmala UI"/>
+        <a:font script="Tale" typeface="Microsoft Tai Le"/>
+        <a:font script="Talu" typeface="Microsoft New Tai Lue"/>
+        <a:font script="Tfng" typeface="Ebrima"/>
+      </a:majorFont>
+      <a:minorFont>
+        <a:latin typeface="맑은 고딕" panose="020F0502020204030204"/>
+        <a:ea typeface=""/>
+        <a:cs typeface=""/>
+        <a:font script="Jpan" typeface="游ゴシック"/>
+        <a:font script="Hang" typeface="맑은 고딕"/>
+        <a:font script="Hans" typeface="等线"/>
+        <a:font script="Hant" typeface="新細明體"/>
+        <a:font script="Arab" typeface="Arial"/>
+        <a:font script="Hebr" typeface="Arial"/>
+        <a:font script="Thai" typeface="Cordia New"/>
+        <a:font script="Ethi" typeface="Nyala"/>
+        <a:font script="Beng" typeface="Vrinda"/>
+        <a:font script="Gujr" typeface="Shruti"/>
+        <a:font script="Khmr" typeface="DaunPenh"/>
+        <a:font script="Knda" typeface="Tunga"/>
+        <a:font script="Guru" typeface="Raavi"/>
+        <a:font script="Cans" typeface="Euphemia"/>
+        <a:font script="Cher" typeface="Plantagenet Cherokee"/>
+        <a:font script="Yiii" typeface="Microsoft Yi Baiti"/>
+        <a:font script="Tibt" typeface="Microsoft Himalaya"/>
+        <a:font script="Thaa" typeface="MV Boli"/>
+        <a:font script="Deva" typeface="Mangal"/>
+        <a:font script="Telu" typeface="Gautami"/>
+        <a:font script="Taml" typeface="Latha"/>
+        <a:font script="Syrc" typeface="Estrangelo Edessa"/>
+        <a:font script="Orya" typeface="Kalinga"/>
+        <a:font script="Mlym" typeface="Kartika"/>
+        <a:font script="Laoo" typeface="DokChampa"/>
+        <a:font script="Sinh" typeface="Iskoola Pota"/>
+        <a:font script="Mong" typeface="Mongolian Baiti"/>
+        <a:font script="Viet" typeface="Arial"/>
+        <a:font script="Uigh" typeface="Microsoft Uighur"/>
+        <a:font script="Geor" typeface="Sylfaen"/>
+        <a:font script="Armn" typeface="Arial"/>
+        <a:font script="Bugi" typeface="Leelawadee UI"/>
+        <a:font script="Bopo" typeface="Microsoft JhengHei"/>
+        <a:font script="Java" typeface="Javanese Text"/>
+        <a:font script="Lisu" typeface="Segoe UI"/>
+        <a:font script="Mymr" typeface="Myanmar Text"/>
+        <a:font script="Nkoo" typeface="Ebrima"/>
+        <a:font script="Olck" typeface="Nirmala UI"/>
+        <a:font script="Osma" typeface="Ebrima"/>
+        <a:font script="Phag" typeface="Phagspa"/>
+        <a:font script="Syrn" typeface="Estrangelo Edessa"/>
+        <a:font script="Syrj" typeface="Estrangelo Edessa"/>
+        <a:font script="Syre" typeface="Estrangelo Edessa"/>
+        <a:font script="Sora" typeface="Nirmala UI"/>
+        <a:font script="Tale" typeface="Microsoft Tai Le"/>
+        <a:font script="Talu" typeface="Microsoft New Tai Lue"/>
+        <a:font script="Tfng" typeface="Ebrima"/>
+      </a:minorFont>
+    </a:fontScheme>
+    <a:fmtScheme name="Office">
+      <a:fillStyleLst>
+        <a:solidFill>
+          <a:schemeClr val="phClr"/>
+        </a:solidFill>
+        <a:gradFill rotWithShape="1">
+          <a:gsLst>
+            <a:gs pos="0">
+              <a:schemeClr val="phClr">
+                <a:lumMod val="110000"/>
+                <a:satMod val="105000"/>
+                <a:tint val="67000"/>
+              </a:schemeClr>
+            </a:gs>
+            <a:gs pos="50000">
+              <a:schemeClr val="phClr">
+                <a:lumMod val="105000"/>
+                <a:satMod val="103000"/>
+                <a:tint val="73000"/>
+              </a:schemeClr>
+            </a:gs>
+            <a:gs pos="100000">
+              <a:schemeClr val="phClr">
+                <a:lumMod val="105000"/>
+                <a:satMod val="109000"/>
+                <a:tint val="81000"/>
+              </a:schemeClr>
+            </a:gs>
+          </a:gsLst>
+          <a:lin ang="5400000" scaled="0"/>
+        </a:gradFill>
+        <a:gradFill rotWithShape="1">
+          <a:gsLst>
+            <a:gs pos="0">
+              <a:schemeClr val="phClr">
+                <a:satMod val="103000"/>
+                <a:lumMod val="102000"/>
+                <a:tint val="94000"/>
+              </a:schemeClr>
+            </a:gs>
+            <a:gs pos="50000">
+              <a:schemeClr val="phClr">
+                <a:satMod val="110000"/>
+                <a:lumMod val="100000"/>
+                <a:shade val="100000"/>
+              </a:schemeClr>
+            </a:gs>
+            <a:gs pos="100000">
+              <a:schemeClr val="phClr">
+                <a:lumMod val="99000"/>
+                <a:satMod val="120000"/>
+                <a:shade val="78000"/>
+              </a:schemeClr>
+            </a:gs>
+          </a:gsLst>
+          <a:lin ang="5400000" scaled="0"/>
+        </a:gradFill>
+      </a:fillStyleLst>
+      <a:lnStyleLst>
+        <a:ln w="6350" cap="flat" cmpd="sng" algn="ctr">
+          <a:solidFill>
+            <a:schemeClr val="phClr"/>
+          </a:solidFill>
+          <a:prstDash val="solid"/>
+          <a:miter lim="800000"/>
+        </a:ln>
+        <a:ln w="12700" cap="flat" cmpd="sng" algn="ctr">
+          <a:solidFill>
+            <a:schemeClr val="phClr"/>
+          </a:solidFill>
+          <a:prstDash val="solid"/>
+          <a:miter lim="800000"/>
+        </a:ln>
+        <a:ln w="19050" cap="flat" cmpd="sng" algn="ctr">
+          <a:solidFill>
+            <a:schemeClr val="phClr"/>
+          </a:solidFill>
+          <a:prstDash val="solid"/>
+          <a:miter lim="800000"/>
+        </a:ln>
+      </a:lnStyleLst>
+      <a:effectStyleLst>
+        <a:effectStyle>
+          <a:effectLst/>
+        </a:effectStyle>
+        <a:effectStyle>
+          <a:effectLst/>
+        </a:effectStyle>
+        <a:effectStyle>
+          <a:effectLst>
+            <a:outerShdw blurRad="57150" dist="19050" dir="5400000" algn="ctr" rotWithShape="0">
+              <a:srgbClr val="000000">
+                <a:alpha val="63000"/>
+              </a:srgbClr>
+            </a:outerShdw>
+          </a:effectLst>
+        </a:effectStyle>
+      </a:effectStyleLst>
+      <a:bgFillStyleLst>
+        <a:solidFill>
+          <a:schemeClr val="phClr"/>
+        </a:solidFill>
+        <a:solidFill>
+          <a:schemeClr val="phClr">
+            <a:tint val="95000"/>
+            <a:satMod val="170000"/>
+          </a:schemeClr>
+        </a:solidFill>
+        <a:gradFill rotWithShape="1">
+          <a:gsLst>
+            <a:gs pos="0">
+              <a:schemeClr val="phClr">
+                <a:tint val="93000"/>
+                <a:satMod val="150000"/>
+                <a:shade val="98000"/>
+                <a:lumMod val="102000"/>
+              </a:schemeClr>
+            </a:gs>
+            <a:gs pos="50000">
+              <a:schemeClr val="phClr">
+                <a:tint val="98000"/>
+                <a:satMod val="130000"/>
+                <a:shade val="90000"/>
+                <a:lumMod val="103000"/>
+              </a:schemeClr>
+            </a:gs>
+            <a:gs pos="100000">
+              <a:schemeClr val="phClr">
+                <a:shade val="63000"/>
+                <a:satMod val="120000"/>
+              </a:schemeClr>
+            </a:gs>
+          </a:gsLst>
+          <a:lin ang="5400000" scaled="0"/>
+        </a:gradFill>
+      </a:bgFillStyleLst>
+    </a:fmtScheme>
+  </a:themeElements>
+  <a:objectDefaults/>
+  <a:extraClrSchemeLst/>
+  <a:extLst>
+    <a:ext uri="{05A4C25C-085E-4340-85A3-A5531E510DB2}">
+      <thm15:themeFamily xmlns:thm15="http://schemas.microsoft.com/office/thememl/2012/main" name="Office Theme" id="{62F939B6-93AF-4DB8-9C6B-D6C7DFDC589F}" vid="{4A3C46E8-61CC-4603-A589-7422A47A8E4A}"/>
+    </a:ext>
+  </a:extLst>
 </a:theme>
 </file>